--- a/NotePlay.pptx
+++ b/NotePlay.pptx
@@ -15,18 +15,19 @@
     <p:sldId id="260" r:id="rId9"/>
     <p:sldId id="261" r:id="rId10"/>
     <p:sldId id="262" r:id="rId11"/>
+    <p:sldId id="263" r:id="rId12"/>
   </p:sldIdLst>
   <p:sldSz cy="5143500" cx="9144000"/>
   <p:notesSz cx="6858000" cy="9144000"/>
   <p:embeddedFontLst>
     <p:embeddedFont>
       <p:font typeface="Average"/>
-      <p:regular r:id="rId12"/>
+      <p:regular r:id="rId13"/>
     </p:embeddedFont>
     <p:embeddedFont>
       <p:font typeface="Oswald"/>
-      <p:regular r:id="rId13"/>
-      <p:bold r:id="rId14"/>
+      <p:regular r:id="rId14"/>
+      <p:bold r:id="rId15"/>
     </p:embeddedFont>
   </p:embeddedFontLst>
   <p:defaultTextStyle>
@@ -896,7 +897,7 @@
           </a:bodyPr>
           <a:lstStyle/>
           <a:p>
-            <a:pPr lvl="0" rtl="0">
+            <a:pPr lvl="0">
               <a:spcBef>
                 <a:spcPts val="0"/>
               </a:spcBef>
@@ -922,7 +923,7 @@
   <p:cSld>
     <p:spTree>
       <p:nvGrpSpPr>
-        <p:cNvPr id="89" name="Shape 89"/>
+        <p:cNvPr id="88" name="Shape 88"/>
         <p:cNvGrpSpPr/>
         <p:nvPr/>
       </p:nvGrpSpPr>
@@ -936,7 +937,7 @@
       </p:grpSpPr>
       <p:sp>
         <p:nvSpPr>
-          <p:cNvPr id="90" name="Shape 90"/>
+          <p:cNvPr id="89" name="Shape 89"/>
           <p:cNvSpPr/>
           <p:nvPr>
             <p:ph idx="2" type="sldImg"/>
@@ -980,7 +981,7 @@
       </p:sp>
       <p:sp>
         <p:nvSpPr>
-          <p:cNvPr id="91" name="Shape 91"/>
+          <p:cNvPr id="90" name="Shape 90"/>
           <p:cNvSpPr txBox="1"/>
           <p:nvPr>
             <p:ph idx="1" type="body"/>
@@ -1001,7 +1002,7 @@
           </a:bodyPr>
           <a:lstStyle/>
           <a:p>
-            <a:pPr lvl="0">
+            <a:pPr lvl="0" rtl="0">
               <a:spcBef>
                 <a:spcPts val="0"/>
               </a:spcBef>
@@ -1086,6 +1087,111 @@
       <p:sp>
         <p:nvSpPr>
           <p:cNvPr id="97" name="Shape 97"/>
+          <p:cNvSpPr txBox="1"/>
+          <p:nvPr>
+            <p:ph idx="1" type="body"/>
+          </p:nvPr>
+        </p:nvSpPr>
+        <p:spPr>
+          <a:xfrm>
+            <a:off x="685800" y="4343400"/>
+            <a:ext cx="5486399" cy="4114800"/>
+          </a:xfrm>
+          <a:prstGeom prst="rect">
+            <a:avLst/>
+          </a:prstGeom>
+        </p:spPr>
+        <p:txBody>
+          <a:bodyPr anchorCtr="0" anchor="t" bIns="91425" lIns="91425" rIns="91425" tIns="91425">
+            <a:noAutofit/>
+          </a:bodyPr>
+          <a:lstStyle/>
+          <a:p>
+            <a:pPr lvl="0">
+              <a:spcBef>
+                <a:spcPts val="0"/>
+              </a:spcBef>
+              <a:buNone/>
+            </a:pPr>
+            <a:r>
+              <a:t/>
+            </a:r>
+            <a:endParaRPr/>
+          </a:p>
+        </p:txBody>
+      </p:sp>
+    </p:spTree>
+  </p:cSld>
+  <p:clrMapOvr>
+    <a:masterClrMapping/>
+  </p:clrMapOvr>
+</p:notes>
+</file>
+
+<file path=ppt/notesSlides/notesSlide8.xml><?xml version="1.0" encoding="utf-8"?>
+<p:notes xmlns:a="http://schemas.openxmlformats.org/drawingml/2006/main" xmlns:r="http://schemas.openxmlformats.org/officeDocument/2006/relationships" xmlns:mc="http://schemas.openxmlformats.org/markup-compatibility/2006" xmlns:mv="urn:schemas-microsoft-com:mac:vml" xmlns:p="http://schemas.openxmlformats.org/presentationml/2006/main" xmlns:c="http://schemas.openxmlformats.org/drawingml/2006/chart" xmlns:dgm="http://schemas.openxmlformats.org/drawingml/2006/diagram" xmlns:o="urn:schemas-microsoft-com:office:office" xmlns:v="urn:schemas-microsoft-com:vml" xmlns:pvml="urn:schemas-microsoft-com:office:powerpoint" xmlns:com="http://schemas.openxmlformats.org/drawingml/2006/compatibility" xmlns:p14="http://schemas.microsoft.com/office/powerpoint/2010/main" showMasterPhAnim="0" showMasterSp="0">
+  <p:cSld>
+    <p:spTree>
+      <p:nvGrpSpPr>
+        <p:cNvPr id="101" name="Shape 101"/>
+        <p:cNvGrpSpPr/>
+        <p:nvPr/>
+      </p:nvGrpSpPr>
+      <p:grpSpPr>
+        <a:xfrm>
+          <a:off x="0" y="0"/>
+          <a:ext cx="0" cy="0"/>
+          <a:chOff x="0" y="0"/>
+          <a:chExt cx="0" cy="0"/>
+        </a:xfrm>
+      </p:grpSpPr>
+      <p:sp>
+        <p:nvSpPr>
+          <p:cNvPr id="102" name="Shape 102"/>
+          <p:cNvSpPr/>
+          <p:nvPr>
+            <p:ph idx="2" type="sldImg"/>
+          </p:nvPr>
+        </p:nvSpPr>
+        <p:spPr>
+          <a:xfrm>
+            <a:off x="381300" y="685800"/>
+            <a:ext cx="6096000" cy="3429000"/>
+          </a:xfrm>
+          <a:custGeom>
+            <a:pathLst>
+              <a:path extrusionOk="0" h="120000" w="120000">
+                <a:moveTo>
+                  <a:pt x="0" y="0"/>
+                </a:moveTo>
+                <a:lnTo>
+                  <a:pt x="120000" y="0"/>
+                </a:lnTo>
+                <a:lnTo>
+                  <a:pt x="120000" y="120000"/>
+                </a:lnTo>
+                <a:lnTo>
+                  <a:pt x="0" y="120000"/>
+                </a:lnTo>
+                <a:close/>
+              </a:path>
+            </a:pathLst>
+          </a:custGeom>
+          <a:noFill/>
+          <a:ln cap="flat" cmpd="sng" w="9525">
+            <a:solidFill>
+              <a:srgbClr val="000000"/>
+            </a:solidFill>
+            <a:prstDash val="solid"/>
+            <a:round/>
+            <a:headEnd len="med" w="med" type="none"/>
+            <a:tailEnd len="med" w="med" type="none"/>
+          </a:ln>
+        </p:spPr>
+      </p:sp>
+      <p:sp>
+        <p:nvSpPr>
+          <p:cNvPr id="103" name="Shape 103"/>
           <p:cNvSpPr txBox="1"/>
           <p:nvPr>
             <p:ph idx="1" type="body"/>
@@ -4884,7 +4990,7 @@
           </a:bodyPr>
           <a:lstStyle/>
           <a:p>
-            <a:pPr lvl="0">
+            <a:pPr lvl="0" rtl="0">
               <a:spcBef>
                 <a:spcPts val="0"/>
               </a:spcBef>
@@ -4893,6 +4999,30 @@
             <a:r>
               <a:rPr lang="en"/>
               <a:t>Soft computing project</a:t>
+            </a:r>
+          </a:p>
+          <a:p>
+            <a:pPr lvl="0" rtl="0">
+              <a:spcBef>
+                <a:spcPts val="0"/>
+              </a:spcBef>
+              <a:buNone/>
+            </a:pPr>
+            <a:r>
+              <a:rPr lang="en"/>
+              <a:t>Faculty of Technical Sciences, Novi Sad</a:t>
+            </a:r>
+          </a:p>
+          <a:p>
+            <a:pPr lvl="0">
+              <a:spcBef>
+                <a:spcPts val="0"/>
+              </a:spcBef>
+              <a:buNone/>
+            </a:pPr>
+            <a:r>
+              <a:rPr lang="en"/>
+              <a:t>Nikola Đuza RA6-2012</a:t>
             </a:r>
           </a:p>
         </p:txBody>
@@ -5249,7 +5379,7 @@
             </a:pPr>
             <a:r>
               <a:rPr lang="en"/>
-              <a:t> 2.    Prepoznavanje selektovane notacije na osnovu obucene neuronske mreze</a:t>
+              <a:t> 2.    Prepoznavanje selektovane notacije na osnovu obučene neuronske mreže</a:t>
             </a:r>
           </a:p>
         </p:txBody>
@@ -5417,7 +5547,7 @@
             </a:pPr>
             <a:r>
               <a:rPr lang="en"/>
-              <a:t>Pomocu vec napisanih biblioteka za reprodukciju zvuka u Pyhton-u</a:t>
+              <a:t>Pomoću već napisanih biblioteka za reprodukciju zvuka u Pyhton-u</a:t>
             </a:r>
           </a:p>
           <a:p>
@@ -5446,7 +5576,7 @@
             </a:pPr>
             <a:r>
               <a:rPr lang="en"/>
-              <a:t> 4.    Mogucnost reprodukcije zvuka u razlicitim tonalitetima</a:t>
+              <a:t> 4.    Mogućnost reprodukcije zvuka u različitim tonalitetima</a:t>
             </a:r>
           </a:p>
           <a:p>
@@ -5457,7 +5587,7 @@
             </a:pPr>
             <a:r>
               <a:rPr lang="en"/>
-              <a:t>Mapiranje prepoznatih tonova na razlicite instrumente i tonalitete</a:t>
+              <a:t>Mapiranje prepoznatih tonova na različite instrumente i tonalitete</a:t>
             </a:r>
           </a:p>
           <a:p>
@@ -5524,7 +5654,7 @@
           </a:bodyPr>
           <a:lstStyle/>
           <a:p>
-            <a:pPr lvl="0" rtl="0" algn="ctr">
+            <a:pPr lvl="0" algn="ctr">
               <a:spcBef>
                 <a:spcPts val="0"/>
               </a:spcBef>
@@ -5567,39 +5697,55 @@
             </a:pPr>
             <a:r>
               <a:rPr lang="en"/>
-              <a:t>Odsvirati nesto ovako u jednom trenutku? Potrudicu se.</a:t>
+              <a:t>Izdeliti sliku sa notama u više kernela</a:t>
+            </a:r>
+          </a:p>
+          <a:p>
+            <a:pPr indent="-228600" lvl="0" marL="457200" rtl="0">
+              <a:spcBef>
+                <a:spcPts val="0"/>
+              </a:spcBef>
+            </a:pPr>
+            <a:r>
+              <a:rPr lang="en"/>
+              <a:t>U svakom kernelu selektovati određene notacije (notne glave, violinski ključ, povisilice i snizilice)</a:t>
+            </a:r>
+          </a:p>
+          <a:p>
+            <a:pPr indent="-228600" lvl="0" marL="457200" rtl="0">
+              <a:spcBef>
+                <a:spcPts val="0"/>
+              </a:spcBef>
+            </a:pPr>
+            <a:r>
+              <a:rPr lang="en"/>
+              <a:t>Pamtiti pozicije u prostoru svake notacije</a:t>
+            </a:r>
+          </a:p>
+          <a:p>
+            <a:pPr indent="-228600" lvl="0" marL="457200" rtl="0">
+              <a:spcBef>
+                <a:spcPts val="0"/>
+              </a:spcBef>
+            </a:pPr>
+            <a:r>
+              <a:rPr lang="en"/>
+              <a:t>Na osnovu pozicije grupisati notacije u skladu sa harmonijom (ako se određena povisilica odnosi na određenu notu, nekako to spojiti)</a:t>
+            </a:r>
+          </a:p>
+          <a:p>
+            <a:pPr indent="-228600" lvl="0" marL="457200" rtl="0">
+              <a:spcBef>
+                <a:spcPts val="0"/>
+              </a:spcBef>
+            </a:pPr>
+            <a:r>
+              <a:rPr lang="en"/>
+              <a:t>Koristiti data set sa konzistentnom notacijom</a:t>
             </a:r>
           </a:p>
         </p:txBody>
       </p:sp>
-      <p:pic>
-        <p:nvPicPr>
-          <p:cNvPr id="88" name="Shape 88"/>
-          <p:cNvPicPr preferRelativeResize="0"/>
-          <p:nvPr/>
-        </p:nvPicPr>
-        <p:blipFill>
-          <a:blip r:embed="rId3">
-            <a:alphaModFix/>
-          </a:blip>
-          <a:stretch>
-            <a:fillRect/>
-          </a:stretch>
-        </p:blipFill>
-        <p:spPr>
-          <a:xfrm>
-            <a:off x="1055648" y="1719399"/>
-            <a:ext cx="7032699" cy="9715976"/>
-          </a:xfrm>
-          <a:prstGeom prst="rect">
-            <a:avLst/>
-          </a:prstGeom>
-          <a:noFill/>
-          <a:ln>
-            <a:noFill/>
-          </a:ln>
-        </p:spPr>
-      </p:pic>
     </p:spTree>
   </p:cSld>
   <p:clrMapOvr>
@@ -5616,7 +5762,7 @@
   <p:cSld>
     <p:spTree>
       <p:nvGrpSpPr>
-        <p:cNvPr id="92" name="Shape 92"/>
+        <p:cNvPr id="91" name="Shape 91"/>
         <p:cNvGrpSpPr/>
         <p:nvPr/>
       </p:nvGrpSpPr>
@@ -5630,7 +5776,7 @@
       </p:grpSpPr>
       <p:sp>
         <p:nvSpPr>
-          <p:cNvPr id="93" name="Shape 93"/>
+          <p:cNvPr id="92" name="Shape 92"/>
           <p:cNvSpPr txBox="1"/>
           <p:nvPr>
             <p:ph type="title"/>
@@ -5651,7 +5797,7 @@
           </a:bodyPr>
           <a:lstStyle/>
           <a:p>
-            <a:pPr lvl="0" algn="ctr">
+            <a:pPr lvl="0" rtl="0" algn="ctr">
               <a:spcBef>
                 <a:spcPts val="0"/>
               </a:spcBef>
@@ -5659,7 +5805,42 @@
             </a:pPr>
             <a:r>
               <a:rPr lang="en"/>
-              <a:t>Za pocetak</a:t>
+              <a:t>Detalji</a:t>
+            </a:r>
+          </a:p>
+        </p:txBody>
+      </p:sp>
+      <p:sp>
+        <p:nvSpPr>
+          <p:cNvPr id="93" name="Shape 93"/>
+          <p:cNvSpPr txBox="1"/>
+          <p:nvPr>
+            <p:ph idx="1" type="body"/>
+          </p:nvPr>
+        </p:nvSpPr>
+        <p:spPr>
+          <a:xfrm>
+            <a:off x="311700" y="1152475"/>
+            <a:ext cx="8520599" cy="3416400"/>
+          </a:xfrm>
+          <a:prstGeom prst="rect">
+            <a:avLst/>
+          </a:prstGeom>
+        </p:spPr>
+        <p:txBody>
+          <a:bodyPr anchorCtr="0" anchor="t" bIns="91425" lIns="91425" rIns="91425" tIns="91425">
+            <a:noAutofit/>
+          </a:bodyPr>
+          <a:lstStyle/>
+          <a:p>
+            <a:pPr indent="-228600" lvl="0" marL="457200" rtl="0">
+              <a:spcBef>
+                <a:spcPts val="0"/>
+              </a:spcBef>
+            </a:pPr>
+            <a:r>
+              <a:rPr lang="en"/>
+              <a:t>Odsvirati nešto ovako u jednom trenutku? Potrudiću se.</a:t>
             </a:r>
           </a:p>
         </p:txBody>
@@ -5680,8 +5861,8 @@
         </p:blipFill>
         <p:spPr>
           <a:xfrm>
-            <a:off x="652462" y="1409700"/>
-            <a:ext cx="7839075" cy="2324100"/>
+            <a:off x="1055648" y="1719399"/>
+            <a:ext cx="7032699" cy="9715976"/>
           </a:xfrm>
           <a:prstGeom prst="rect">
             <a:avLst/>
@@ -5725,6 +5906,98 @@
           <p:cNvPr id="99" name="Shape 99"/>
           <p:cNvSpPr txBox="1"/>
           <p:nvPr>
+            <p:ph type="title"/>
+          </p:nvPr>
+        </p:nvSpPr>
+        <p:spPr>
+          <a:xfrm>
+            <a:off x="311700" y="445025"/>
+            <a:ext cx="8520599" cy="572699"/>
+          </a:xfrm>
+          <a:prstGeom prst="rect">
+            <a:avLst/>
+          </a:prstGeom>
+        </p:spPr>
+        <p:txBody>
+          <a:bodyPr anchorCtr="0" anchor="t" bIns="91425" lIns="91425" rIns="91425" tIns="91425">
+            <a:noAutofit/>
+          </a:bodyPr>
+          <a:lstStyle/>
+          <a:p>
+            <a:pPr lvl="0" algn="ctr">
+              <a:spcBef>
+                <a:spcPts val="0"/>
+              </a:spcBef>
+              <a:buNone/>
+            </a:pPr>
+            <a:r>
+              <a:rPr lang="en"/>
+              <a:t>Za početak</a:t>
+            </a:r>
+          </a:p>
+        </p:txBody>
+      </p:sp>
+      <p:pic>
+        <p:nvPicPr>
+          <p:cNvPr id="100" name="Shape 100"/>
+          <p:cNvPicPr preferRelativeResize="0"/>
+          <p:nvPr/>
+        </p:nvPicPr>
+        <p:blipFill>
+          <a:blip r:embed="rId3">
+            <a:alphaModFix/>
+          </a:blip>
+          <a:stretch>
+            <a:fillRect/>
+          </a:stretch>
+        </p:blipFill>
+        <p:spPr>
+          <a:xfrm>
+            <a:off x="652462" y="1409700"/>
+            <a:ext cx="7839075" cy="2324100"/>
+          </a:xfrm>
+          <a:prstGeom prst="rect">
+            <a:avLst/>
+          </a:prstGeom>
+          <a:noFill/>
+          <a:ln>
+            <a:noFill/>
+          </a:ln>
+        </p:spPr>
+      </p:pic>
+    </p:spTree>
+  </p:cSld>
+  <p:clrMapOvr>
+    <a:masterClrMapping/>
+  </p:clrMapOvr>
+  <p:transition spd="slow">
+    <p:cut/>
+  </p:transition>
+</p:sld>
+</file>
+
+<file path=ppt/slides/slide8.xml><?xml version="1.0" encoding="utf-8"?>
+<p:sld xmlns:a="http://schemas.openxmlformats.org/drawingml/2006/main" xmlns:r="http://schemas.openxmlformats.org/officeDocument/2006/relationships" xmlns:mc="http://schemas.openxmlformats.org/markup-compatibility/2006" xmlns:mv="urn:schemas-microsoft-com:mac:vml" xmlns:p="http://schemas.openxmlformats.org/presentationml/2006/main" xmlns:c="http://schemas.openxmlformats.org/drawingml/2006/chart" xmlns:dgm="http://schemas.openxmlformats.org/drawingml/2006/diagram" xmlns:o="urn:schemas-microsoft-com:office:office" xmlns:v="urn:schemas-microsoft-com:vml" xmlns:pvml="urn:schemas-microsoft-com:office:powerpoint" xmlns:com="http://schemas.openxmlformats.org/drawingml/2006/compatibility" xmlns:p14="http://schemas.microsoft.com/office/powerpoint/2010/main">
+  <p:cSld>
+    <p:spTree>
+      <p:nvGrpSpPr>
+        <p:cNvPr id="104" name="Shape 104"/>
+        <p:cNvGrpSpPr/>
+        <p:nvPr/>
+      </p:nvGrpSpPr>
+      <p:grpSpPr>
+        <a:xfrm>
+          <a:off x="0" y="0"/>
+          <a:ext cx="0" cy="0"/>
+          <a:chOff x="0" y="0"/>
+          <a:chExt cx="0" cy="0"/>
+        </a:xfrm>
+      </p:grpSpPr>
+      <p:sp>
+        <p:nvSpPr>
+          <p:cNvPr id="105" name="Shape 105"/>
+          <p:cNvSpPr txBox="1"/>
+          <p:nvPr>
             <p:ph type="ctrTitle"/>
           </p:nvPr>
         </p:nvSpPr>
@@ -5758,7 +6031,7 @@
       </p:sp>
       <p:sp>
         <p:nvSpPr>
-          <p:cNvPr id="100" name="Shape 100"/>
+          <p:cNvPr id="106" name="Shape 106"/>
           <p:cNvSpPr txBox="1"/>
           <p:nvPr>
             <p:ph idx="1" type="subTitle"/>
@@ -5799,7 +6072,19 @@
             </a:pPr>
             <a:r>
               <a:rPr lang="en"/>
-              <a:t>Nikola Djuza RA6-2012</a:t>
+              <a:t>Faculty of Technical Sciences, Novi Sad</a:t>
+            </a:r>
+          </a:p>
+          <a:p>
+            <a:pPr lvl="0" rtl="0">
+              <a:spcBef>
+                <a:spcPts val="0"/>
+              </a:spcBef>
+              <a:buNone/>
+            </a:pPr>
+            <a:r>
+              <a:rPr lang="en"/>
+              <a:t>Nikola Đuza RA6-2012</a:t>
             </a:r>
           </a:p>
         </p:txBody>
@@ -5816,6 +6101,285 @@
 </file>
 
 <file path=ppt/theme/theme1.xml><?xml version="1.0" encoding="utf-8"?>
+<a:theme xmlns:a="http://schemas.openxmlformats.org/drawingml/2006/main" xmlns:r="http://schemas.openxmlformats.org/officeDocument/2006/relationships" name="slate">
+  <a:themeElements>
+    <a:clrScheme name="Slate">
+      <a:dk1>
+        <a:srgbClr val="FFFFFF"/>
+      </a:dk1>
+      <a:lt1>
+        <a:srgbClr val="37474F"/>
+      </a:lt1>
+      <a:dk2>
+        <a:srgbClr val="9E9E9E"/>
+      </a:dk2>
+      <a:lt2>
+        <a:srgbClr val="E0E0E0"/>
+      </a:lt2>
+      <a:accent1>
+        <a:srgbClr val="616161"/>
+      </a:accent1>
+      <a:accent2>
+        <a:srgbClr val="78909C"/>
+      </a:accent2>
+      <a:accent3>
+        <a:srgbClr val="CACACA"/>
+      </a:accent3>
+      <a:accent4>
+        <a:srgbClr val="64FFDA"/>
+      </a:accent4>
+      <a:accent5>
+        <a:srgbClr val="FFD966"/>
+      </a:accent5>
+      <a:accent6>
+        <a:srgbClr val="F5F5F5"/>
+      </a:accent6>
+      <a:hlink>
+        <a:srgbClr val="FFD966"/>
+      </a:hlink>
+      <a:folHlink>
+        <a:srgbClr val="FFD966"/>
+      </a:folHlink>
+    </a:clrScheme>
+    <a:fontScheme name="Office">
+      <a:majorFont>
+        <a:latin typeface="Arial"/>
+        <a:ea typeface=""/>
+        <a:cs typeface=""/>
+        <a:font script="Jpan" typeface="ＭＳ Ｐゴシック"/>
+        <a:font script="Hang" typeface="맑은 고딕"/>
+        <a:font script="Hans" typeface="宋体"/>
+        <a:font script="Hant" typeface="新細明體"/>
+        <a:font script="Arab" typeface="Times New Roman"/>
+        <a:font script="Hebr" typeface="Times New Roman"/>
+        <a:font script="Thai" typeface="Angsana New"/>
+        <a:font script="Ethi" typeface="Nyala"/>
+        <a:font script="Beng" typeface="Vrinda"/>
+        <a:font script="Gujr" typeface="Shruti"/>
+        <a:font script="Khmr" typeface="MoolBoran"/>
+        <a:font script="Knda" typeface="Tunga"/>
+        <a:font script="Guru" typeface="Raavi"/>
+        <a:font script="Cans" typeface="Euphemia"/>
+        <a:font script="Cher" typeface="Plantagenet Cherokee"/>
+        <a:font script="Yiii" typeface="Microsoft Yi Baiti"/>
+        <a:font script="Tibt" typeface="Microsoft Himalaya"/>
+        <a:font script="Thaa" typeface="MV Boli"/>
+        <a:font script="Deva" typeface="Mangal"/>
+        <a:font script="Telu" typeface="Gautami"/>
+        <a:font script="Taml" typeface="Latha"/>
+        <a:font script="Syrc" typeface="Estrangelo Edessa"/>
+        <a:font script="Orya" typeface="Kalinga"/>
+        <a:font script="Mlym" typeface="Kartika"/>
+        <a:font script="Laoo" typeface="DokChampa"/>
+        <a:font script="Sinh" typeface="Iskoola Pota"/>
+        <a:font script="Mong" typeface="Mongolian Baiti"/>
+        <a:font script="Viet" typeface="Times New Roman"/>
+        <a:font script="Uigh" typeface="Microsoft Uighur"/>
+        <a:font script="Geor" typeface="Sylfaen"/>
+      </a:majorFont>
+      <a:minorFont>
+        <a:latin typeface="Arial"/>
+        <a:ea typeface=""/>
+        <a:cs typeface=""/>
+        <a:font script="Jpan" typeface="ＭＳ Ｐゴシック"/>
+        <a:font script="Hang" typeface="맑은 고딕"/>
+        <a:font script="Hans" typeface="宋体"/>
+        <a:font script="Hant" typeface="新細明體"/>
+        <a:font script="Arab" typeface="Arial"/>
+        <a:font script="Hebr" typeface="Arial"/>
+        <a:font script="Thai" typeface="Cordia New"/>
+        <a:font script="Ethi" typeface="Nyala"/>
+        <a:font script="Beng" typeface="Vrinda"/>
+        <a:font script="Gujr" typeface="Shruti"/>
+        <a:font script="Khmr" typeface="DaunPenh"/>
+        <a:font script="Knda" typeface="Tunga"/>
+        <a:font script="Guru" typeface="Raavi"/>
+        <a:font script="Cans" typeface="Euphemia"/>
+        <a:font script="Cher" typeface="Plantagenet Cherokee"/>
+        <a:font script="Yiii" typeface="Microsoft Yi Baiti"/>
+        <a:font script="Tibt" typeface="Microsoft Himalaya"/>
+        <a:font script="Thaa" typeface="MV Boli"/>
+        <a:font script="Deva" typeface="Mangal"/>
+        <a:font script="Telu" typeface="Gautami"/>
+        <a:font script="Taml" typeface="Latha"/>
+        <a:font script="Syrc" typeface="Estrangelo Edessa"/>
+        <a:font script="Orya" typeface="Kalinga"/>
+        <a:font script="Mlym" typeface="Kartika"/>
+        <a:font script="Laoo" typeface="DokChampa"/>
+        <a:font script="Sinh" typeface="Iskoola Pota"/>
+        <a:font script="Mong" typeface="Mongolian Baiti"/>
+        <a:font script="Viet" typeface="Arial"/>
+        <a:font script="Uigh" typeface="Microsoft Uighur"/>
+        <a:font script="Geor" typeface="Sylfaen"/>
+      </a:minorFont>
+    </a:fontScheme>
+    <a:fmtScheme name="Office">
+      <a:fillStyleLst>
+        <a:solidFill>
+          <a:schemeClr val="phClr"/>
+        </a:solidFill>
+        <a:gradFill rotWithShape="1">
+          <a:gsLst>
+            <a:gs pos="0">
+              <a:schemeClr val="phClr">
+                <a:tint val="50000"/>
+                <a:satMod val="300000"/>
+              </a:schemeClr>
+            </a:gs>
+            <a:gs pos="35000">
+              <a:schemeClr val="phClr">
+                <a:tint val="37000"/>
+                <a:satMod val="300000"/>
+              </a:schemeClr>
+            </a:gs>
+            <a:gs pos="100000">
+              <a:schemeClr val="phClr">
+                <a:tint val="15000"/>
+                <a:satMod val="350000"/>
+              </a:schemeClr>
+            </a:gs>
+          </a:gsLst>
+          <a:lin ang="16200000" scaled="1"/>
+        </a:gradFill>
+        <a:gradFill rotWithShape="1">
+          <a:gsLst>
+            <a:gs pos="0">
+              <a:schemeClr val="phClr">
+                <a:tint val="100000"/>
+                <a:shade val="100000"/>
+                <a:satMod val="130000"/>
+              </a:schemeClr>
+            </a:gs>
+            <a:gs pos="100000">
+              <a:schemeClr val="phClr">
+                <a:tint val="50000"/>
+                <a:shade val="100000"/>
+                <a:satMod val="350000"/>
+              </a:schemeClr>
+            </a:gs>
+          </a:gsLst>
+          <a:lin ang="16200000" scaled="0"/>
+        </a:gradFill>
+      </a:fillStyleLst>
+      <a:lnStyleLst>
+        <a:ln w="9525" cap="flat" cmpd="sng" algn="ctr">
+          <a:solidFill>
+            <a:schemeClr val="phClr">
+              <a:shade val="95000"/>
+              <a:satMod val="105000"/>
+            </a:schemeClr>
+          </a:solidFill>
+          <a:prstDash val="solid"/>
+        </a:ln>
+        <a:ln w="25400" cap="flat" cmpd="sng" algn="ctr">
+          <a:solidFill>
+            <a:schemeClr val="phClr"/>
+          </a:solidFill>
+          <a:prstDash val="solid"/>
+        </a:ln>
+        <a:ln w="38100" cap="flat" cmpd="sng" algn="ctr">
+          <a:solidFill>
+            <a:schemeClr val="phClr"/>
+          </a:solidFill>
+          <a:prstDash val="solid"/>
+        </a:ln>
+      </a:lnStyleLst>
+      <a:effectStyleLst>
+        <a:effectStyle>
+          <a:effectLst>
+            <a:outerShdw blurRad="40000" dist="20000" dir="5400000" rotWithShape="0">
+              <a:srgbClr val="000000">
+                <a:alpha val="38000"/>
+              </a:srgbClr>
+            </a:outerShdw>
+          </a:effectLst>
+        </a:effectStyle>
+        <a:effectStyle>
+          <a:effectLst>
+            <a:outerShdw blurRad="40000" dist="23000" dir="5400000" rotWithShape="0">
+              <a:srgbClr val="000000">
+                <a:alpha val="35000"/>
+              </a:srgbClr>
+            </a:outerShdw>
+          </a:effectLst>
+        </a:effectStyle>
+        <a:effectStyle>
+          <a:effectLst>
+            <a:outerShdw blurRad="40000" dist="23000" dir="5400000" rotWithShape="0">
+              <a:srgbClr val="000000">
+                <a:alpha val="35000"/>
+              </a:srgbClr>
+            </a:outerShdw>
+          </a:effectLst>
+          <a:scene3d>
+            <a:camera prst="orthographicFront">
+              <a:rot lat="0" lon="0" rev="0"/>
+            </a:camera>
+            <a:lightRig rig="threePt" dir="t">
+              <a:rot lat="0" lon="0" rev="1200000"/>
+            </a:lightRig>
+          </a:scene3d>
+          <a:sp3d>
+            <a:bevelT w="63500" h="25400"/>
+          </a:sp3d>
+        </a:effectStyle>
+      </a:effectStyleLst>
+      <a:bgFillStyleLst>
+        <a:solidFill>
+          <a:schemeClr val="phClr"/>
+        </a:solidFill>
+        <a:gradFill rotWithShape="1">
+          <a:gsLst>
+            <a:gs pos="0">
+              <a:schemeClr val="phClr">
+                <a:tint val="40000"/>
+                <a:satMod val="350000"/>
+              </a:schemeClr>
+            </a:gs>
+            <a:gs pos="40000">
+              <a:schemeClr val="phClr">
+                <a:tint val="45000"/>
+                <a:shade val="99000"/>
+                <a:satMod val="350000"/>
+              </a:schemeClr>
+            </a:gs>
+            <a:gs pos="100000">
+              <a:schemeClr val="phClr">
+                <a:shade val="20000"/>
+                <a:satMod val="255000"/>
+              </a:schemeClr>
+            </a:gs>
+          </a:gsLst>
+          <a:path path="circle">
+            <a:fillToRect l="50000" t="-80000" r="50000" b="180000"/>
+          </a:path>
+        </a:gradFill>
+        <a:gradFill rotWithShape="1">
+          <a:gsLst>
+            <a:gs pos="0">
+              <a:schemeClr val="phClr">
+                <a:tint val="80000"/>
+                <a:satMod val="300000"/>
+              </a:schemeClr>
+            </a:gs>
+            <a:gs pos="100000">
+              <a:schemeClr val="phClr">
+                <a:shade val="30000"/>
+                <a:satMod val="200000"/>
+              </a:schemeClr>
+            </a:gs>
+          </a:gsLst>
+          <a:path path="circle">
+            <a:fillToRect l="50000" t="50000" r="50000" b="50000"/>
+          </a:path>
+        </a:gradFill>
+      </a:bgFillStyleLst>
+    </a:fmtScheme>
+  </a:themeElements>
+</a:theme>
+</file>
+
+<file path=ppt/theme/theme2.xml><?xml version="1.0" encoding="utf-8"?>
 <a:theme xmlns:a="http://schemas.openxmlformats.org/drawingml/2006/main" xmlns:r="http://schemas.openxmlformats.org/officeDocument/2006/relationships" name="Custom Theme">
   <a:themeElements>
     <a:clrScheme name="Default">
@@ -6092,283 +6656,4 @@
     </a:fmtScheme>
   </a:themeElements>
 </a:theme>
-</file>
-
-<file path=ppt/theme/theme2.xml><?xml version="1.0" encoding="utf-8"?>
-<a:theme xmlns:a="http://schemas.openxmlformats.org/drawingml/2006/main" xmlns:r="http://schemas.openxmlformats.org/officeDocument/2006/relationships" name="slate">
-  <a:themeElements>
-    <a:clrScheme name="Slate">
-      <a:dk1>
-        <a:srgbClr val="FFFFFF"/>
-      </a:dk1>
-      <a:lt1>
-        <a:srgbClr val="37474F"/>
-      </a:lt1>
-      <a:dk2>
-        <a:srgbClr val="9E9E9E"/>
-      </a:dk2>
-      <a:lt2>
-        <a:srgbClr val="E0E0E0"/>
-      </a:lt2>
-      <a:accent1>
-        <a:srgbClr val="616161"/>
-      </a:accent1>
-      <a:accent2>
-        <a:srgbClr val="78909C"/>
-      </a:accent2>
-      <a:accent3>
-        <a:srgbClr val="CACACA"/>
-      </a:accent3>
-      <a:accent4>
-        <a:srgbClr val="64FFDA"/>
-      </a:accent4>
-      <a:accent5>
-        <a:srgbClr val="FFD966"/>
-      </a:accent5>
-      <a:accent6>
-        <a:srgbClr val="F5F5F5"/>
-      </a:accent6>
-      <a:hlink>
-        <a:srgbClr val="FFD966"/>
-      </a:hlink>
-      <a:folHlink>
-        <a:srgbClr val="FFD966"/>
-      </a:folHlink>
-    </a:clrScheme>
-    <a:fontScheme name="Office">
-      <a:majorFont>
-        <a:latin typeface="Arial"/>
-        <a:ea typeface=""/>
-        <a:cs typeface=""/>
-        <a:font script="Jpan" typeface="ＭＳ Ｐゴシック"/>
-        <a:font script="Hang" typeface="맑은 고딕"/>
-        <a:font script="Hans" typeface="宋体"/>
-        <a:font script="Hant" typeface="新細明體"/>
-        <a:font script="Arab" typeface="Times New Roman"/>
-        <a:font script="Hebr" typeface="Times New Roman"/>
-        <a:font script="Thai" typeface="Angsana New"/>
-        <a:font script="Ethi" typeface="Nyala"/>
-        <a:font script="Beng" typeface="Vrinda"/>
-        <a:font script="Gujr" typeface="Shruti"/>
-        <a:font script="Khmr" typeface="MoolBoran"/>
-        <a:font script="Knda" typeface="Tunga"/>
-        <a:font script="Guru" typeface="Raavi"/>
-        <a:font script="Cans" typeface="Euphemia"/>
-        <a:font script="Cher" typeface="Plantagenet Cherokee"/>
-        <a:font script="Yiii" typeface="Microsoft Yi Baiti"/>
-        <a:font script="Tibt" typeface="Microsoft Himalaya"/>
-        <a:font script="Thaa" typeface="MV Boli"/>
-        <a:font script="Deva" typeface="Mangal"/>
-        <a:font script="Telu" typeface="Gautami"/>
-        <a:font script="Taml" typeface="Latha"/>
-        <a:font script="Syrc" typeface="Estrangelo Edessa"/>
-        <a:font script="Orya" typeface="Kalinga"/>
-        <a:font script="Mlym" typeface="Kartika"/>
-        <a:font script="Laoo" typeface="DokChampa"/>
-        <a:font script="Sinh" typeface="Iskoola Pota"/>
-        <a:font script="Mong" typeface="Mongolian Baiti"/>
-        <a:font script="Viet" typeface="Times New Roman"/>
-        <a:font script="Uigh" typeface="Microsoft Uighur"/>
-        <a:font script="Geor" typeface="Sylfaen"/>
-      </a:majorFont>
-      <a:minorFont>
-        <a:latin typeface="Arial"/>
-        <a:ea typeface=""/>
-        <a:cs typeface=""/>
-        <a:font script="Jpan" typeface="ＭＳ Ｐゴシック"/>
-        <a:font script="Hang" typeface="맑은 고딕"/>
-        <a:font script="Hans" typeface="宋体"/>
-        <a:font script="Hant" typeface="新細明體"/>
-        <a:font script="Arab" typeface="Arial"/>
-        <a:font script="Hebr" typeface="Arial"/>
-        <a:font script="Thai" typeface="Cordia New"/>
-        <a:font script="Ethi" typeface="Nyala"/>
-        <a:font script="Beng" typeface="Vrinda"/>
-        <a:font script="Gujr" typeface="Shruti"/>
-        <a:font script="Khmr" typeface="DaunPenh"/>
-        <a:font script="Knda" typeface="Tunga"/>
-        <a:font script="Guru" typeface="Raavi"/>
-        <a:font script="Cans" typeface="Euphemia"/>
-        <a:font script="Cher" typeface="Plantagenet Cherokee"/>
-        <a:font script="Yiii" typeface="Microsoft Yi Baiti"/>
-        <a:font script="Tibt" typeface="Microsoft Himalaya"/>
-        <a:font script="Thaa" typeface="MV Boli"/>
-        <a:font script="Deva" typeface="Mangal"/>
-        <a:font script="Telu" typeface="Gautami"/>
-        <a:font script="Taml" typeface="Latha"/>
-        <a:font script="Syrc" typeface="Estrangelo Edessa"/>
-        <a:font script="Orya" typeface="Kalinga"/>
-        <a:font script="Mlym" typeface="Kartika"/>
-        <a:font script="Laoo" typeface="DokChampa"/>
-        <a:font script="Sinh" typeface="Iskoola Pota"/>
-        <a:font script="Mong" typeface="Mongolian Baiti"/>
-        <a:font script="Viet" typeface="Arial"/>
-        <a:font script="Uigh" typeface="Microsoft Uighur"/>
-        <a:font script="Geor" typeface="Sylfaen"/>
-      </a:minorFont>
-    </a:fontScheme>
-    <a:fmtScheme name="Office">
-      <a:fillStyleLst>
-        <a:solidFill>
-          <a:schemeClr val="phClr"/>
-        </a:solidFill>
-        <a:gradFill rotWithShape="1">
-          <a:gsLst>
-            <a:gs pos="0">
-              <a:schemeClr val="phClr">
-                <a:tint val="50000"/>
-                <a:satMod val="300000"/>
-              </a:schemeClr>
-            </a:gs>
-            <a:gs pos="35000">
-              <a:schemeClr val="phClr">
-                <a:tint val="37000"/>
-                <a:satMod val="300000"/>
-              </a:schemeClr>
-            </a:gs>
-            <a:gs pos="100000">
-              <a:schemeClr val="phClr">
-                <a:tint val="15000"/>
-                <a:satMod val="350000"/>
-              </a:schemeClr>
-            </a:gs>
-          </a:gsLst>
-          <a:lin ang="16200000" scaled="1"/>
-        </a:gradFill>
-        <a:gradFill rotWithShape="1">
-          <a:gsLst>
-            <a:gs pos="0">
-              <a:schemeClr val="phClr">
-                <a:tint val="100000"/>
-                <a:shade val="100000"/>
-                <a:satMod val="130000"/>
-              </a:schemeClr>
-            </a:gs>
-            <a:gs pos="100000">
-              <a:schemeClr val="phClr">
-                <a:tint val="50000"/>
-                <a:shade val="100000"/>
-                <a:satMod val="350000"/>
-              </a:schemeClr>
-            </a:gs>
-          </a:gsLst>
-          <a:lin ang="16200000" scaled="0"/>
-        </a:gradFill>
-      </a:fillStyleLst>
-      <a:lnStyleLst>
-        <a:ln w="9525" cap="flat" cmpd="sng" algn="ctr">
-          <a:solidFill>
-            <a:schemeClr val="phClr">
-              <a:shade val="95000"/>
-              <a:satMod val="105000"/>
-            </a:schemeClr>
-          </a:solidFill>
-          <a:prstDash val="solid"/>
-        </a:ln>
-        <a:ln w="25400" cap="flat" cmpd="sng" algn="ctr">
-          <a:solidFill>
-            <a:schemeClr val="phClr"/>
-          </a:solidFill>
-          <a:prstDash val="solid"/>
-        </a:ln>
-        <a:ln w="38100" cap="flat" cmpd="sng" algn="ctr">
-          <a:solidFill>
-            <a:schemeClr val="phClr"/>
-          </a:solidFill>
-          <a:prstDash val="solid"/>
-        </a:ln>
-      </a:lnStyleLst>
-      <a:effectStyleLst>
-        <a:effectStyle>
-          <a:effectLst>
-            <a:outerShdw blurRad="40000" dist="20000" dir="5400000" rotWithShape="0">
-              <a:srgbClr val="000000">
-                <a:alpha val="38000"/>
-              </a:srgbClr>
-            </a:outerShdw>
-          </a:effectLst>
-        </a:effectStyle>
-        <a:effectStyle>
-          <a:effectLst>
-            <a:outerShdw blurRad="40000" dist="23000" dir="5400000" rotWithShape="0">
-              <a:srgbClr val="000000">
-                <a:alpha val="35000"/>
-              </a:srgbClr>
-            </a:outerShdw>
-          </a:effectLst>
-        </a:effectStyle>
-        <a:effectStyle>
-          <a:effectLst>
-            <a:outerShdw blurRad="40000" dist="23000" dir="5400000" rotWithShape="0">
-              <a:srgbClr val="000000">
-                <a:alpha val="35000"/>
-              </a:srgbClr>
-            </a:outerShdw>
-          </a:effectLst>
-          <a:scene3d>
-            <a:camera prst="orthographicFront">
-              <a:rot lat="0" lon="0" rev="0"/>
-            </a:camera>
-            <a:lightRig rig="threePt" dir="t">
-              <a:rot lat="0" lon="0" rev="1200000"/>
-            </a:lightRig>
-          </a:scene3d>
-          <a:sp3d>
-            <a:bevelT w="63500" h="25400"/>
-          </a:sp3d>
-        </a:effectStyle>
-      </a:effectStyleLst>
-      <a:bgFillStyleLst>
-        <a:solidFill>
-          <a:schemeClr val="phClr"/>
-        </a:solidFill>
-        <a:gradFill rotWithShape="1">
-          <a:gsLst>
-            <a:gs pos="0">
-              <a:schemeClr val="phClr">
-                <a:tint val="40000"/>
-                <a:satMod val="350000"/>
-              </a:schemeClr>
-            </a:gs>
-            <a:gs pos="40000">
-              <a:schemeClr val="phClr">
-                <a:tint val="45000"/>
-                <a:shade val="99000"/>
-                <a:satMod val="350000"/>
-              </a:schemeClr>
-            </a:gs>
-            <a:gs pos="100000">
-              <a:schemeClr val="phClr">
-                <a:shade val="20000"/>
-                <a:satMod val="255000"/>
-              </a:schemeClr>
-            </a:gs>
-          </a:gsLst>
-          <a:path path="circle">
-            <a:fillToRect l="50000" t="-80000" r="50000" b="180000"/>
-          </a:path>
-        </a:gradFill>
-        <a:gradFill rotWithShape="1">
-          <a:gsLst>
-            <a:gs pos="0">
-              <a:schemeClr val="phClr">
-                <a:tint val="80000"/>
-                <a:satMod val="300000"/>
-              </a:schemeClr>
-            </a:gs>
-            <a:gs pos="100000">
-              <a:schemeClr val="phClr">
-                <a:shade val="30000"/>
-                <a:satMod val="200000"/>
-              </a:schemeClr>
-            </a:gs>
-          </a:gsLst>
-          <a:path path="circle">
-            <a:fillToRect l="50000" t="50000" r="50000" b="50000"/>
-          </a:path>
-        </a:gradFill>
-      </a:bgFillStyleLst>
-    </a:fmtScheme>
-  </a:themeElements>
-</a:theme>
 </file>
--- a/NotePlay.pptx
+++ b/NotePlay.pptx
@@ -16,18 +16,23 @@
     <p:sldId id="261" r:id="rId10"/>
     <p:sldId id="262" r:id="rId11"/>
     <p:sldId id="263" r:id="rId12"/>
+    <p:sldId id="264" r:id="rId13"/>
+    <p:sldId id="265" r:id="rId14"/>
+    <p:sldId id="266" r:id="rId15"/>
+    <p:sldId id="267" r:id="rId16"/>
+    <p:sldId id="268" r:id="rId17"/>
   </p:sldIdLst>
   <p:sldSz cy="5143500" cx="9144000"/>
   <p:notesSz cx="6858000" cy="9144000"/>
   <p:embeddedFontLst>
     <p:embeddedFont>
       <p:font typeface="Average"/>
-      <p:regular r:id="rId13"/>
+      <p:regular r:id="rId18"/>
     </p:embeddedFont>
     <p:embeddedFont>
       <p:font typeface="Oswald"/>
-      <p:regular r:id="rId14"/>
-      <p:bold r:id="rId15"/>
+      <p:regular r:id="rId19"/>
+      <p:bold r:id="rId20"/>
     </p:embeddedFont>
   </p:embeddedFontLst>
   <p:defaultTextStyle>
@@ -61,7 +66,6 @@
         <a:ea typeface="Arial"/>
         <a:cs typeface="Arial"/>
         <a:sym typeface="Arial"/>
-        <a:rtl val="0"/>
       </a:defRPr>
     </a:lvl1pPr>
     <a:lvl2pPr lvl="1" marR="0" rtl="0" algn="l">
@@ -83,7 +87,6 @@
         <a:ea typeface="Arial"/>
         <a:cs typeface="Arial"/>
         <a:sym typeface="Arial"/>
-        <a:rtl val="0"/>
       </a:defRPr>
     </a:lvl2pPr>
     <a:lvl3pPr lvl="2" marR="0" rtl="0" algn="l">
@@ -105,7 +108,6 @@
         <a:ea typeface="Arial"/>
         <a:cs typeface="Arial"/>
         <a:sym typeface="Arial"/>
-        <a:rtl val="0"/>
       </a:defRPr>
     </a:lvl3pPr>
     <a:lvl4pPr lvl="3" marR="0" rtl="0" algn="l">
@@ -127,7 +129,6 @@
         <a:ea typeface="Arial"/>
         <a:cs typeface="Arial"/>
         <a:sym typeface="Arial"/>
-        <a:rtl val="0"/>
       </a:defRPr>
     </a:lvl4pPr>
     <a:lvl5pPr lvl="4" marR="0" rtl="0" algn="l">
@@ -149,7 +150,6 @@
         <a:ea typeface="Arial"/>
         <a:cs typeface="Arial"/>
         <a:sym typeface="Arial"/>
-        <a:rtl val="0"/>
       </a:defRPr>
     </a:lvl5pPr>
     <a:lvl6pPr lvl="5" marR="0" rtl="0" algn="l">
@@ -171,7 +171,6 @@
         <a:ea typeface="Arial"/>
         <a:cs typeface="Arial"/>
         <a:sym typeface="Arial"/>
-        <a:rtl val="0"/>
       </a:defRPr>
     </a:lvl6pPr>
     <a:lvl7pPr lvl="6" marR="0" rtl="0" algn="l">
@@ -193,7 +192,6 @@
         <a:ea typeface="Arial"/>
         <a:cs typeface="Arial"/>
         <a:sym typeface="Arial"/>
-        <a:rtl val="0"/>
       </a:defRPr>
     </a:lvl7pPr>
     <a:lvl8pPr lvl="7" marR="0" rtl="0" algn="l">
@@ -215,7 +213,6 @@
         <a:ea typeface="Arial"/>
         <a:cs typeface="Arial"/>
         <a:sym typeface="Arial"/>
-        <a:rtl val="0"/>
       </a:defRPr>
     </a:lvl8pPr>
     <a:lvl9pPr lvl="8" marR="0" rtl="0" algn="l">
@@ -237,7 +234,6 @@
         <a:ea typeface="Arial"/>
         <a:cs typeface="Arial"/>
         <a:sym typeface="Arial"/>
-        <a:rtl val="0"/>
       </a:defRPr>
     </a:lvl9pPr>
   </p:defaultTextStyle>
@@ -442,16 +438,6 @@
               </a:path>
             </a:pathLst>
           </a:custGeom>
-          <a:noFill/>
-          <a:ln cap="flat" cmpd="sng" w="9525">
-            <a:solidFill>
-              <a:srgbClr val="000000"/>
-            </a:solidFill>
-            <a:prstDash val="solid"/>
-            <a:round/>
-            <a:headEnd len="med" w="med" type="none"/>
-            <a:tailEnd len="med" w="med" type="none"/>
-          </a:ln>
         </p:spPr>
       </p:sp>
       <p:sp>
@@ -498,12 +484,12 @@
 </p:notes>
 </file>
 
-<file path=ppt/notesSlides/notesSlide2.xml><?xml version="1.0" encoding="utf-8"?>
+<file path=ppt/notesSlides/notesSlide10.xml><?xml version="1.0" encoding="utf-8"?>
 <p:notes xmlns:a="http://schemas.openxmlformats.org/drawingml/2006/main" xmlns:r="http://schemas.openxmlformats.org/officeDocument/2006/relationships" xmlns:mc="http://schemas.openxmlformats.org/markup-compatibility/2006" xmlns:mv="urn:schemas-microsoft-com:mac:vml" xmlns:p="http://schemas.openxmlformats.org/presentationml/2006/main" xmlns:c="http://schemas.openxmlformats.org/drawingml/2006/chart" xmlns:dgm="http://schemas.openxmlformats.org/drawingml/2006/diagram" xmlns:o="urn:schemas-microsoft-com:office:office" xmlns:v="urn:schemas-microsoft-com:vml" xmlns:pvml="urn:schemas-microsoft-com:office:powerpoint" xmlns:com="http://schemas.openxmlformats.org/drawingml/2006/compatibility" xmlns:p14="http://schemas.microsoft.com/office/powerpoint/2010/main" showMasterPhAnim="0" showMasterSp="0">
   <p:cSld>
     <p:spTree>
       <p:nvGrpSpPr>
-        <p:cNvPr id="61" name="Shape 61"/>
+        <p:cNvPr id="128" name="Shape 128"/>
         <p:cNvGrpSpPr/>
         <p:nvPr/>
       </p:nvGrpSpPr>
@@ -517,7 +503,7 @@
       </p:grpSpPr>
       <p:sp>
         <p:nvSpPr>
-          <p:cNvPr id="62" name="Shape 62"/>
+          <p:cNvPr id="129" name="Shape 129"/>
           <p:cNvSpPr/>
           <p:nvPr>
             <p:ph idx="2" type="sldImg"/>
@@ -547,21 +533,11 @@
               </a:path>
             </a:pathLst>
           </a:custGeom>
-          <a:noFill/>
-          <a:ln cap="flat" cmpd="sng" w="9525">
-            <a:solidFill>
-              <a:srgbClr val="000000"/>
-            </a:solidFill>
-            <a:prstDash val="solid"/>
-            <a:round/>
-            <a:headEnd len="med" w="med" type="none"/>
-            <a:tailEnd len="med" w="med" type="none"/>
-          </a:ln>
         </p:spPr>
       </p:sp>
       <p:sp>
         <p:nvSpPr>
-          <p:cNvPr id="63" name="Shape 63"/>
+          <p:cNvPr id="130" name="Shape 130"/>
           <p:cNvSpPr txBox="1"/>
           <p:nvPr>
             <p:ph idx="1" type="body"/>
@@ -582,7 +558,7 @@
           </a:bodyPr>
           <a:lstStyle/>
           <a:p>
-            <a:pPr lvl="0">
+            <a:pPr lvl="0" rtl="0">
               <a:spcBef>
                 <a:spcPts val="0"/>
               </a:spcBef>
@@ -603,12 +579,12 @@
 </p:notes>
 </file>
 
-<file path=ppt/notesSlides/notesSlide3.xml><?xml version="1.0" encoding="utf-8"?>
+<file path=ppt/notesSlides/notesSlide11.xml><?xml version="1.0" encoding="utf-8"?>
 <p:notes xmlns:a="http://schemas.openxmlformats.org/drawingml/2006/main" xmlns:r="http://schemas.openxmlformats.org/officeDocument/2006/relationships" xmlns:mc="http://schemas.openxmlformats.org/markup-compatibility/2006" xmlns:mv="urn:schemas-microsoft-com:mac:vml" xmlns:p="http://schemas.openxmlformats.org/presentationml/2006/main" xmlns:c="http://schemas.openxmlformats.org/drawingml/2006/chart" xmlns:dgm="http://schemas.openxmlformats.org/drawingml/2006/diagram" xmlns:o="urn:schemas-microsoft-com:office:office" xmlns:v="urn:schemas-microsoft-com:vml" xmlns:pvml="urn:schemas-microsoft-com:office:powerpoint" xmlns:com="http://schemas.openxmlformats.org/drawingml/2006/compatibility" xmlns:p14="http://schemas.microsoft.com/office/powerpoint/2010/main" showMasterPhAnim="0" showMasterSp="0">
   <p:cSld>
     <p:spTree>
       <p:nvGrpSpPr>
-        <p:cNvPr id="68" name="Shape 68"/>
+        <p:cNvPr id="137" name="Shape 137"/>
         <p:cNvGrpSpPr/>
         <p:nvPr/>
       </p:nvGrpSpPr>
@@ -622,7 +598,7 @@
       </p:grpSpPr>
       <p:sp>
         <p:nvSpPr>
-          <p:cNvPr id="69" name="Shape 69"/>
+          <p:cNvPr id="138" name="Shape 138"/>
           <p:cNvSpPr/>
           <p:nvPr>
             <p:ph idx="2" type="sldImg"/>
@@ -652,21 +628,11 @@
               </a:path>
             </a:pathLst>
           </a:custGeom>
-          <a:noFill/>
-          <a:ln cap="flat" cmpd="sng" w="9525">
-            <a:solidFill>
-              <a:srgbClr val="000000"/>
-            </a:solidFill>
-            <a:prstDash val="solid"/>
-            <a:round/>
-            <a:headEnd len="med" w="med" type="none"/>
-            <a:tailEnd len="med" w="med" type="none"/>
-          </a:ln>
         </p:spPr>
       </p:sp>
       <p:sp>
         <p:nvSpPr>
-          <p:cNvPr id="70" name="Shape 70"/>
+          <p:cNvPr id="139" name="Shape 139"/>
           <p:cNvSpPr txBox="1"/>
           <p:nvPr>
             <p:ph idx="1" type="body"/>
@@ -687,7 +653,7 @@
           </a:bodyPr>
           <a:lstStyle/>
           <a:p>
-            <a:pPr lvl="0">
+            <a:pPr lvl="0" rtl="0">
               <a:spcBef>
                 <a:spcPts val="0"/>
               </a:spcBef>
@@ -708,12 +674,12 @@
 </p:notes>
 </file>
 
-<file path=ppt/notesSlides/notesSlide4.xml><?xml version="1.0" encoding="utf-8"?>
+<file path=ppt/notesSlides/notesSlide12.xml><?xml version="1.0" encoding="utf-8"?>
 <p:notes xmlns:a="http://schemas.openxmlformats.org/drawingml/2006/main" xmlns:r="http://schemas.openxmlformats.org/officeDocument/2006/relationships" xmlns:mc="http://schemas.openxmlformats.org/markup-compatibility/2006" xmlns:mv="urn:schemas-microsoft-com:mac:vml" xmlns:p="http://schemas.openxmlformats.org/presentationml/2006/main" xmlns:c="http://schemas.openxmlformats.org/drawingml/2006/chart" xmlns:dgm="http://schemas.openxmlformats.org/drawingml/2006/diagram" xmlns:o="urn:schemas-microsoft-com:office:office" xmlns:v="urn:schemas-microsoft-com:vml" xmlns:pvml="urn:schemas-microsoft-com:office:powerpoint" xmlns:com="http://schemas.openxmlformats.org/drawingml/2006/compatibility" xmlns:p14="http://schemas.microsoft.com/office/powerpoint/2010/main" showMasterPhAnim="0" showMasterSp="0">
   <p:cSld>
     <p:spTree>
       <p:nvGrpSpPr>
-        <p:cNvPr id="76" name="Shape 76"/>
+        <p:cNvPr id="145" name="Shape 145"/>
         <p:cNvGrpSpPr/>
         <p:nvPr/>
       </p:nvGrpSpPr>
@@ -727,7 +693,7 @@
       </p:grpSpPr>
       <p:sp>
         <p:nvSpPr>
-          <p:cNvPr id="77" name="Shape 77"/>
+          <p:cNvPr id="146" name="Shape 146"/>
           <p:cNvSpPr/>
           <p:nvPr>
             <p:ph idx="2" type="sldImg"/>
@@ -757,21 +723,11 @@
               </a:path>
             </a:pathLst>
           </a:custGeom>
-          <a:noFill/>
-          <a:ln cap="flat" cmpd="sng" w="9525">
-            <a:solidFill>
-              <a:srgbClr val="000000"/>
-            </a:solidFill>
-            <a:prstDash val="solid"/>
-            <a:round/>
-            <a:headEnd len="med" w="med" type="none"/>
-            <a:tailEnd len="med" w="med" type="none"/>
-          </a:ln>
         </p:spPr>
       </p:sp>
       <p:sp>
         <p:nvSpPr>
-          <p:cNvPr id="78" name="Shape 78"/>
+          <p:cNvPr id="147" name="Shape 147"/>
           <p:cNvSpPr txBox="1"/>
           <p:nvPr>
             <p:ph idx="1" type="body"/>
@@ -792,7 +748,7 @@
           </a:bodyPr>
           <a:lstStyle/>
           <a:p>
-            <a:pPr lvl="0">
+            <a:pPr lvl="0" rtl="0">
               <a:spcBef>
                 <a:spcPts val="0"/>
               </a:spcBef>
@@ -813,12 +769,12 @@
 </p:notes>
 </file>
 
-<file path=ppt/notesSlides/notesSlide5.xml><?xml version="1.0" encoding="utf-8"?>
+<file path=ppt/notesSlides/notesSlide13.xml><?xml version="1.0" encoding="utf-8"?>
 <p:notes xmlns:a="http://schemas.openxmlformats.org/drawingml/2006/main" xmlns:r="http://schemas.openxmlformats.org/officeDocument/2006/relationships" xmlns:mc="http://schemas.openxmlformats.org/markup-compatibility/2006" xmlns:mv="urn:schemas-microsoft-com:mac:vml" xmlns:p="http://schemas.openxmlformats.org/presentationml/2006/main" xmlns:c="http://schemas.openxmlformats.org/drawingml/2006/chart" xmlns:dgm="http://schemas.openxmlformats.org/drawingml/2006/diagram" xmlns:o="urn:schemas-microsoft-com:office:office" xmlns:v="urn:schemas-microsoft-com:vml" xmlns:pvml="urn:schemas-microsoft-com:office:powerpoint" xmlns:com="http://schemas.openxmlformats.org/drawingml/2006/compatibility" xmlns:p14="http://schemas.microsoft.com/office/powerpoint/2010/main" showMasterPhAnim="0" showMasterSp="0">
   <p:cSld>
     <p:spTree>
       <p:nvGrpSpPr>
-        <p:cNvPr id="82" name="Shape 82"/>
+        <p:cNvPr id="152" name="Shape 152"/>
         <p:cNvGrpSpPr/>
         <p:nvPr/>
       </p:nvGrpSpPr>
@@ -832,7 +788,7 @@
       </p:grpSpPr>
       <p:sp>
         <p:nvSpPr>
-          <p:cNvPr id="83" name="Shape 83"/>
+          <p:cNvPr id="153" name="Shape 153"/>
           <p:cNvSpPr/>
           <p:nvPr>
             <p:ph idx="2" type="sldImg"/>
@@ -862,21 +818,11 @@
               </a:path>
             </a:pathLst>
           </a:custGeom>
-          <a:noFill/>
-          <a:ln cap="flat" cmpd="sng" w="9525">
-            <a:solidFill>
-              <a:srgbClr val="000000"/>
-            </a:solidFill>
-            <a:prstDash val="solid"/>
-            <a:round/>
-            <a:headEnd len="med" w="med" type="none"/>
-            <a:tailEnd len="med" w="med" type="none"/>
-          </a:ln>
         </p:spPr>
       </p:sp>
       <p:sp>
         <p:nvSpPr>
-          <p:cNvPr id="84" name="Shape 84"/>
+          <p:cNvPr id="154" name="Shape 154"/>
           <p:cNvSpPr txBox="1"/>
           <p:nvPr>
             <p:ph idx="1" type="body"/>
@@ -897,7 +843,7 @@
           </a:bodyPr>
           <a:lstStyle/>
           <a:p>
-            <a:pPr lvl="0">
+            <a:pPr lvl="0" rtl="0">
               <a:spcBef>
                 <a:spcPts val="0"/>
               </a:spcBef>
@@ -918,12 +864,12 @@
 </p:notes>
 </file>
 
-<file path=ppt/notesSlides/notesSlide6.xml><?xml version="1.0" encoding="utf-8"?>
+<file path=ppt/notesSlides/notesSlide2.xml><?xml version="1.0" encoding="utf-8"?>
 <p:notes xmlns:a="http://schemas.openxmlformats.org/drawingml/2006/main" xmlns:r="http://schemas.openxmlformats.org/officeDocument/2006/relationships" xmlns:mc="http://schemas.openxmlformats.org/markup-compatibility/2006" xmlns:mv="urn:schemas-microsoft-com:mac:vml" xmlns:p="http://schemas.openxmlformats.org/presentationml/2006/main" xmlns:c="http://schemas.openxmlformats.org/drawingml/2006/chart" xmlns:dgm="http://schemas.openxmlformats.org/drawingml/2006/diagram" xmlns:o="urn:schemas-microsoft-com:office:office" xmlns:v="urn:schemas-microsoft-com:vml" xmlns:pvml="urn:schemas-microsoft-com:office:powerpoint" xmlns:com="http://schemas.openxmlformats.org/drawingml/2006/compatibility" xmlns:p14="http://schemas.microsoft.com/office/powerpoint/2010/main" showMasterPhAnim="0" showMasterSp="0">
   <p:cSld>
     <p:spTree>
       <p:nvGrpSpPr>
-        <p:cNvPr id="88" name="Shape 88"/>
+        <p:cNvPr id="64" name="Shape 64"/>
         <p:cNvGrpSpPr/>
         <p:nvPr/>
       </p:nvGrpSpPr>
@@ -937,7 +883,7 @@
       </p:grpSpPr>
       <p:sp>
         <p:nvSpPr>
-          <p:cNvPr id="89" name="Shape 89"/>
+          <p:cNvPr id="65" name="Shape 65"/>
           <p:cNvSpPr/>
           <p:nvPr>
             <p:ph idx="2" type="sldImg"/>
@@ -967,21 +913,11 @@
               </a:path>
             </a:pathLst>
           </a:custGeom>
-          <a:noFill/>
-          <a:ln cap="flat" cmpd="sng" w="9525">
-            <a:solidFill>
-              <a:srgbClr val="000000"/>
-            </a:solidFill>
-            <a:prstDash val="solid"/>
-            <a:round/>
-            <a:headEnd len="med" w="med" type="none"/>
-            <a:tailEnd len="med" w="med" type="none"/>
-          </a:ln>
         </p:spPr>
       </p:sp>
       <p:sp>
         <p:nvSpPr>
-          <p:cNvPr id="90" name="Shape 90"/>
+          <p:cNvPr id="66" name="Shape 66"/>
           <p:cNvSpPr txBox="1"/>
           <p:nvPr>
             <p:ph idx="1" type="body"/>
@@ -1002,7 +938,7 @@
           </a:bodyPr>
           <a:lstStyle/>
           <a:p>
-            <a:pPr lvl="0" rtl="0">
+            <a:pPr lvl="0">
               <a:spcBef>
                 <a:spcPts val="0"/>
               </a:spcBef>
@@ -1023,12 +959,12 @@
 </p:notes>
 </file>
 
-<file path=ppt/notesSlides/notesSlide7.xml><?xml version="1.0" encoding="utf-8"?>
+<file path=ppt/notesSlides/notesSlide3.xml><?xml version="1.0" encoding="utf-8"?>
 <p:notes xmlns:a="http://schemas.openxmlformats.org/drawingml/2006/main" xmlns:r="http://schemas.openxmlformats.org/officeDocument/2006/relationships" xmlns:mc="http://schemas.openxmlformats.org/markup-compatibility/2006" xmlns:mv="urn:schemas-microsoft-com:mac:vml" xmlns:p="http://schemas.openxmlformats.org/presentationml/2006/main" xmlns:c="http://schemas.openxmlformats.org/drawingml/2006/chart" xmlns:dgm="http://schemas.openxmlformats.org/drawingml/2006/diagram" xmlns:o="urn:schemas-microsoft-com:office:office" xmlns:v="urn:schemas-microsoft-com:vml" xmlns:pvml="urn:schemas-microsoft-com:office:powerpoint" xmlns:com="http://schemas.openxmlformats.org/drawingml/2006/compatibility" xmlns:p14="http://schemas.microsoft.com/office/powerpoint/2010/main" showMasterPhAnim="0" showMasterSp="0">
   <p:cSld>
     <p:spTree>
       <p:nvGrpSpPr>
-        <p:cNvPr id="95" name="Shape 95"/>
+        <p:cNvPr id="71" name="Shape 71"/>
         <p:cNvGrpSpPr/>
         <p:nvPr/>
       </p:nvGrpSpPr>
@@ -1042,7 +978,7 @@
       </p:grpSpPr>
       <p:sp>
         <p:nvSpPr>
-          <p:cNvPr id="96" name="Shape 96"/>
+          <p:cNvPr id="72" name="Shape 72"/>
           <p:cNvSpPr/>
           <p:nvPr>
             <p:ph idx="2" type="sldImg"/>
@@ -1072,21 +1008,11 @@
               </a:path>
             </a:pathLst>
           </a:custGeom>
-          <a:noFill/>
-          <a:ln cap="flat" cmpd="sng" w="9525">
-            <a:solidFill>
-              <a:srgbClr val="000000"/>
-            </a:solidFill>
-            <a:prstDash val="solid"/>
-            <a:round/>
-            <a:headEnd len="med" w="med" type="none"/>
-            <a:tailEnd len="med" w="med" type="none"/>
-          </a:ln>
         </p:spPr>
       </p:sp>
       <p:sp>
         <p:nvSpPr>
-          <p:cNvPr id="97" name="Shape 97"/>
+          <p:cNvPr id="73" name="Shape 73"/>
           <p:cNvSpPr txBox="1"/>
           <p:nvPr>
             <p:ph idx="1" type="body"/>
@@ -1128,12 +1054,12 @@
 </p:notes>
 </file>
 
-<file path=ppt/notesSlides/notesSlide8.xml><?xml version="1.0" encoding="utf-8"?>
+<file path=ppt/notesSlides/notesSlide4.xml><?xml version="1.0" encoding="utf-8"?>
 <p:notes xmlns:a="http://schemas.openxmlformats.org/drawingml/2006/main" xmlns:r="http://schemas.openxmlformats.org/officeDocument/2006/relationships" xmlns:mc="http://schemas.openxmlformats.org/markup-compatibility/2006" xmlns:mv="urn:schemas-microsoft-com:mac:vml" xmlns:p="http://schemas.openxmlformats.org/presentationml/2006/main" xmlns:c="http://schemas.openxmlformats.org/drawingml/2006/chart" xmlns:dgm="http://schemas.openxmlformats.org/drawingml/2006/diagram" xmlns:o="urn:schemas-microsoft-com:office:office" xmlns:v="urn:schemas-microsoft-com:vml" xmlns:pvml="urn:schemas-microsoft-com:office:powerpoint" xmlns:com="http://schemas.openxmlformats.org/drawingml/2006/compatibility" xmlns:p14="http://schemas.microsoft.com/office/powerpoint/2010/main" showMasterPhAnim="0" showMasterSp="0">
   <p:cSld>
     <p:spTree>
       <p:nvGrpSpPr>
-        <p:cNvPr id="101" name="Shape 101"/>
+        <p:cNvPr id="78" name="Shape 78"/>
         <p:cNvGrpSpPr/>
         <p:nvPr/>
       </p:nvGrpSpPr>
@@ -1147,7 +1073,7 @@
       </p:grpSpPr>
       <p:sp>
         <p:nvSpPr>
-          <p:cNvPr id="102" name="Shape 102"/>
+          <p:cNvPr id="79" name="Shape 79"/>
           <p:cNvSpPr/>
           <p:nvPr>
             <p:ph idx="2" type="sldImg"/>
@@ -1177,21 +1103,486 @@
               </a:path>
             </a:pathLst>
           </a:custGeom>
-          <a:noFill/>
-          <a:ln cap="flat" cmpd="sng" w="9525">
-            <a:solidFill>
-              <a:srgbClr val="000000"/>
-            </a:solidFill>
-            <a:prstDash val="solid"/>
-            <a:round/>
-            <a:headEnd len="med" w="med" type="none"/>
-            <a:tailEnd len="med" w="med" type="none"/>
-          </a:ln>
         </p:spPr>
       </p:sp>
       <p:sp>
         <p:nvSpPr>
-          <p:cNvPr id="103" name="Shape 103"/>
+          <p:cNvPr id="80" name="Shape 80"/>
+          <p:cNvSpPr txBox="1"/>
+          <p:nvPr>
+            <p:ph idx="1" type="body"/>
+          </p:nvPr>
+        </p:nvSpPr>
+        <p:spPr>
+          <a:xfrm>
+            <a:off x="685800" y="4343400"/>
+            <a:ext cx="5486399" cy="4114800"/>
+          </a:xfrm>
+          <a:prstGeom prst="rect">
+            <a:avLst/>
+          </a:prstGeom>
+        </p:spPr>
+        <p:txBody>
+          <a:bodyPr anchorCtr="0" anchor="t" bIns="91425" lIns="91425" rIns="91425" tIns="91425">
+            <a:noAutofit/>
+          </a:bodyPr>
+          <a:lstStyle/>
+          <a:p>
+            <a:pPr lvl="0">
+              <a:spcBef>
+                <a:spcPts val="0"/>
+              </a:spcBef>
+              <a:buNone/>
+            </a:pPr>
+            <a:r>
+              <a:t/>
+            </a:r>
+            <a:endParaRPr/>
+          </a:p>
+        </p:txBody>
+      </p:sp>
+    </p:spTree>
+  </p:cSld>
+  <p:clrMapOvr>
+    <a:masterClrMapping/>
+  </p:clrMapOvr>
+</p:notes>
+</file>
+
+<file path=ppt/notesSlides/notesSlide5.xml><?xml version="1.0" encoding="utf-8"?>
+<p:notes xmlns:a="http://schemas.openxmlformats.org/drawingml/2006/main" xmlns:r="http://schemas.openxmlformats.org/officeDocument/2006/relationships" xmlns:mc="http://schemas.openxmlformats.org/markup-compatibility/2006" xmlns:mv="urn:schemas-microsoft-com:mac:vml" xmlns:p="http://schemas.openxmlformats.org/presentationml/2006/main" xmlns:c="http://schemas.openxmlformats.org/drawingml/2006/chart" xmlns:dgm="http://schemas.openxmlformats.org/drawingml/2006/diagram" xmlns:o="urn:schemas-microsoft-com:office:office" xmlns:v="urn:schemas-microsoft-com:vml" xmlns:pvml="urn:schemas-microsoft-com:office:powerpoint" xmlns:com="http://schemas.openxmlformats.org/drawingml/2006/compatibility" xmlns:p14="http://schemas.microsoft.com/office/powerpoint/2010/main" showMasterPhAnim="0" showMasterSp="0">
+  <p:cSld>
+    <p:spTree>
+      <p:nvGrpSpPr>
+        <p:cNvPr id="84" name="Shape 84"/>
+        <p:cNvGrpSpPr/>
+        <p:nvPr/>
+      </p:nvGrpSpPr>
+      <p:grpSpPr>
+        <a:xfrm>
+          <a:off x="0" y="0"/>
+          <a:ext cx="0" cy="0"/>
+          <a:chOff x="0" y="0"/>
+          <a:chExt cx="0" cy="0"/>
+        </a:xfrm>
+      </p:grpSpPr>
+      <p:sp>
+        <p:nvSpPr>
+          <p:cNvPr id="85" name="Shape 85"/>
+          <p:cNvSpPr/>
+          <p:nvPr>
+            <p:ph idx="2" type="sldImg"/>
+          </p:nvPr>
+        </p:nvSpPr>
+        <p:spPr>
+          <a:xfrm>
+            <a:off x="381300" y="685800"/>
+            <a:ext cx="6096000" cy="3429000"/>
+          </a:xfrm>
+          <a:custGeom>
+            <a:pathLst>
+              <a:path extrusionOk="0" h="120000" w="120000">
+                <a:moveTo>
+                  <a:pt x="0" y="0"/>
+                </a:moveTo>
+                <a:lnTo>
+                  <a:pt x="120000" y="0"/>
+                </a:lnTo>
+                <a:lnTo>
+                  <a:pt x="120000" y="120000"/>
+                </a:lnTo>
+                <a:lnTo>
+                  <a:pt x="0" y="120000"/>
+                </a:lnTo>
+                <a:close/>
+              </a:path>
+            </a:pathLst>
+          </a:custGeom>
+        </p:spPr>
+      </p:sp>
+      <p:sp>
+        <p:nvSpPr>
+          <p:cNvPr id="86" name="Shape 86"/>
+          <p:cNvSpPr txBox="1"/>
+          <p:nvPr>
+            <p:ph idx="1" type="body"/>
+          </p:nvPr>
+        </p:nvSpPr>
+        <p:spPr>
+          <a:xfrm>
+            <a:off x="685800" y="4343400"/>
+            <a:ext cx="5486399" cy="4114800"/>
+          </a:xfrm>
+          <a:prstGeom prst="rect">
+            <a:avLst/>
+          </a:prstGeom>
+        </p:spPr>
+        <p:txBody>
+          <a:bodyPr anchorCtr="0" anchor="t" bIns="91425" lIns="91425" rIns="91425" tIns="91425">
+            <a:noAutofit/>
+          </a:bodyPr>
+          <a:lstStyle/>
+          <a:p>
+            <a:pPr lvl="0">
+              <a:spcBef>
+                <a:spcPts val="0"/>
+              </a:spcBef>
+              <a:buNone/>
+            </a:pPr>
+            <a:r>
+              <a:t/>
+            </a:r>
+            <a:endParaRPr/>
+          </a:p>
+        </p:txBody>
+      </p:sp>
+    </p:spTree>
+  </p:cSld>
+  <p:clrMapOvr>
+    <a:masterClrMapping/>
+  </p:clrMapOvr>
+</p:notes>
+</file>
+
+<file path=ppt/notesSlides/notesSlide6.xml><?xml version="1.0" encoding="utf-8"?>
+<p:notes xmlns:a="http://schemas.openxmlformats.org/drawingml/2006/main" xmlns:r="http://schemas.openxmlformats.org/officeDocument/2006/relationships" xmlns:mc="http://schemas.openxmlformats.org/markup-compatibility/2006" xmlns:mv="urn:schemas-microsoft-com:mac:vml" xmlns:p="http://schemas.openxmlformats.org/presentationml/2006/main" xmlns:c="http://schemas.openxmlformats.org/drawingml/2006/chart" xmlns:dgm="http://schemas.openxmlformats.org/drawingml/2006/diagram" xmlns:o="urn:schemas-microsoft-com:office:office" xmlns:v="urn:schemas-microsoft-com:vml" xmlns:pvml="urn:schemas-microsoft-com:office:powerpoint" xmlns:com="http://schemas.openxmlformats.org/drawingml/2006/compatibility" xmlns:p14="http://schemas.microsoft.com/office/powerpoint/2010/main" showMasterPhAnim="0" showMasterSp="0">
+  <p:cSld>
+    <p:spTree>
+      <p:nvGrpSpPr>
+        <p:cNvPr id="90" name="Shape 90"/>
+        <p:cNvGrpSpPr/>
+        <p:nvPr/>
+      </p:nvGrpSpPr>
+      <p:grpSpPr>
+        <a:xfrm>
+          <a:off x="0" y="0"/>
+          <a:ext cx="0" cy="0"/>
+          <a:chOff x="0" y="0"/>
+          <a:chExt cx="0" cy="0"/>
+        </a:xfrm>
+      </p:grpSpPr>
+      <p:sp>
+        <p:nvSpPr>
+          <p:cNvPr id="91" name="Shape 91"/>
+          <p:cNvSpPr/>
+          <p:nvPr>
+            <p:ph idx="2" type="sldImg"/>
+          </p:nvPr>
+        </p:nvSpPr>
+        <p:spPr>
+          <a:xfrm>
+            <a:off x="381300" y="685800"/>
+            <a:ext cx="6096000" cy="3429000"/>
+          </a:xfrm>
+          <a:custGeom>
+            <a:pathLst>
+              <a:path extrusionOk="0" h="120000" w="120000">
+                <a:moveTo>
+                  <a:pt x="0" y="0"/>
+                </a:moveTo>
+                <a:lnTo>
+                  <a:pt x="120000" y="0"/>
+                </a:lnTo>
+                <a:lnTo>
+                  <a:pt x="120000" y="120000"/>
+                </a:lnTo>
+                <a:lnTo>
+                  <a:pt x="0" y="120000"/>
+                </a:lnTo>
+                <a:close/>
+              </a:path>
+            </a:pathLst>
+          </a:custGeom>
+        </p:spPr>
+      </p:sp>
+      <p:sp>
+        <p:nvSpPr>
+          <p:cNvPr id="92" name="Shape 92"/>
+          <p:cNvSpPr txBox="1"/>
+          <p:nvPr>
+            <p:ph idx="1" type="body"/>
+          </p:nvPr>
+        </p:nvSpPr>
+        <p:spPr>
+          <a:xfrm>
+            <a:off x="685800" y="4343400"/>
+            <a:ext cx="5486399" cy="4114800"/>
+          </a:xfrm>
+          <a:prstGeom prst="rect">
+            <a:avLst/>
+          </a:prstGeom>
+        </p:spPr>
+        <p:txBody>
+          <a:bodyPr anchorCtr="0" anchor="t" bIns="91425" lIns="91425" rIns="91425" tIns="91425">
+            <a:noAutofit/>
+          </a:bodyPr>
+          <a:lstStyle/>
+          <a:p>
+            <a:pPr lvl="0" rtl="0">
+              <a:spcBef>
+                <a:spcPts val="0"/>
+              </a:spcBef>
+              <a:buNone/>
+            </a:pPr>
+            <a:r>
+              <a:t/>
+            </a:r>
+            <a:endParaRPr/>
+          </a:p>
+        </p:txBody>
+      </p:sp>
+    </p:spTree>
+  </p:cSld>
+  <p:clrMapOvr>
+    <a:masterClrMapping/>
+  </p:clrMapOvr>
+</p:notes>
+</file>
+
+<file path=ppt/notesSlides/notesSlide7.xml><?xml version="1.0" encoding="utf-8"?>
+<p:notes xmlns:a="http://schemas.openxmlformats.org/drawingml/2006/main" xmlns:r="http://schemas.openxmlformats.org/officeDocument/2006/relationships" xmlns:mc="http://schemas.openxmlformats.org/markup-compatibility/2006" xmlns:mv="urn:schemas-microsoft-com:mac:vml" xmlns:p="http://schemas.openxmlformats.org/presentationml/2006/main" xmlns:c="http://schemas.openxmlformats.org/drawingml/2006/chart" xmlns:dgm="http://schemas.openxmlformats.org/drawingml/2006/diagram" xmlns:o="urn:schemas-microsoft-com:office:office" xmlns:v="urn:schemas-microsoft-com:vml" xmlns:pvml="urn:schemas-microsoft-com:office:powerpoint" xmlns:com="http://schemas.openxmlformats.org/drawingml/2006/compatibility" xmlns:p14="http://schemas.microsoft.com/office/powerpoint/2010/main" showMasterPhAnim="0" showMasterSp="0">
+  <p:cSld>
+    <p:spTree>
+      <p:nvGrpSpPr>
+        <p:cNvPr id="100" name="Shape 100"/>
+        <p:cNvGrpSpPr/>
+        <p:nvPr/>
+      </p:nvGrpSpPr>
+      <p:grpSpPr>
+        <a:xfrm>
+          <a:off x="0" y="0"/>
+          <a:ext cx="0" cy="0"/>
+          <a:chOff x="0" y="0"/>
+          <a:chExt cx="0" cy="0"/>
+        </a:xfrm>
+      </p:grpSpPr>
+      <p:sp>
+        <p:nvSpPr>
+          <p:cNvPr id="101" name="Shape 101"/>
+          <p:cNvSpPr/>
+          <p:nvPr>
+            <p:ph idx="2" type="sldImg"/>
+          </p:nvPr>
+        </p:nvSpPr>
+        <p:spPr>
+          <a:xfrm>
+            <a:off x="381300" y="685800"/>
+            <a:ext cx="6096000" cy="3429000"/>
+          </a:xfrm>
+          <a:custGeom>
+            <a:pathLst>
+              <a:path extrusionOk="0" h="120000" w="120000">
+                <a:moveTo>
+                  <a:pt x="0" y="0"/>
+                </a:moveTo>
+                <a:lnTo>
+                  <a:pt x="120000" y="0"/>
+                </a:lnTo>
+                <a:lnTo>
+                  <a:pt x="120000" y="120000"/>
+                </a:lnTo>
+                <a:lnTo>
+                  <a:pt x="0" y="120000"/>
+                </a:lnTo>
+                <a:close/>
+              </a:path>
+            </a:pathLst>
+          </a:custGeom>
+        </p:spPr>
+      </p:sp>
+      <p:sp>
+        <p:nvSpPr>
+          <p:cNvPr id="102" name="Shape 102"/>
+          <p:cNvSpPr txBox="1"/>
+          <p:nvPr>
+            <p:ph idx="1" type="body"/>
+          </p:nvPr>
+        </p:nvSpPr>
+        <p:spPr>
+          <a:xfrm>
+            <a:off x="685800" y="4343400"/>
+            <a:ext cx="5486399" cy="4114800"/>
+          </a:xfrm>
+          <a:prstGeom prst="rect">
+            <a:avLst/>
+          </a:prstGeom>
+        </p:spPr>
+        <p:txBody>
+          <a:bodyPr anchorCtr="0" anchor="t" bIns="91425" lIns="91425" rIns="91425" tIns="91425">
+            <a:noAutofit/>
+          </a:bodyPr>
+          <a:lstStyle/>
+          <a:p>
+            <a:pPr lvl="0" rtl="0">
+              <a:spcBef>
+                <a:spcPts val="0"/>
+              </a:spcBef>
+              <a:buNone/>
+            </a:pPr>
+            <a:r>
+              <a:t/>
+            </a:r>
+            <a:endParaRPr/>
+          </a:p>
+        </p:txBody>
+      </p:sp>
+    </p:spTree>
+  </p:cSld>
+  <p:clrMapOvr>
+    <a:masterClrMapping/>
+  </p:clrMapOvr>
+</p:notes>
+</file>
+
+<file path=ppt/notesSlides/notesSlide8.xml><?xml version="1.0" encoding="utf-8"?>
+<p:notes xmlns:a="http://schemas.openxmlformats.org/drawingml/2006/main" xmlns:r="http://schemas.openxmlformats.org/officeDocument/2006/relationships" xmlns:mc="http://schemas.openxmlformats.org/markup-compatibility/2006" xmlns:mv="urn:schemas-microsoft-com:mac:vml" xmlns:p="http://schemas.openxmlformats.org/presentationml/2006/main" xmlns:c="http://schemas.openxmlformats.org/drawingml/2006/chart" xmlns:dgm="http://schemas.openxmlformats.org/drawingml/2006/diagram" xmlns:o="urn:schemas-microsoft-com:office:office" xmlns:v="urn:schemas-microsoft-com:vml" xmlns:pvml="urn:schemas-microsoft-com:office:powerpoint" xmlns:com="http://schemas.openxmlformats.org/drawingml/2006/compatibility" xmlns:p14="http://schemas.microsoft.com/office/powerpoint/2010/main" showMasterPhAnim="0" showMasterSp="0">
+  <p:cSld>
+    <p:spTree>
+      <p:nvGrpSpPr>
+        <p:cNvPr id="109" name="Shape 109"/>
+        <p:cNvGrpSpPr/>
+        <p:nvPr/>
+      </p:nvGrpSpPr>
+      <p:grpSpPr>
+        <a:xfrm>
+          <a:off x="0" y="0"/>
+          <a:ext cx="0" cy="0"/>
+          <a:chOff x="0" y="0"/>
+          <a:chExt cx="0" cy="0"/>
+        </a:xfrm>
+      </p:grpSpPr>
+      <p:sp>
+        <p:nvSpPr>
+          <p:cNvPr id="110" name="Shape 110"/>
+          <p:cNvSpPr/>
+          <p:nvPr>
+            <p:ph idx="2" type="sldImg"/>
+          </p:nvPr>
+        </p:nvSpPr>
+        <p:spPr>
+          <a:xfrm>
+            <a:off x="381300" y="685800"/>
+            <a:ext cx="6096000" cy="3429000"/>
+          </a:xfrm>
+          <a:custGeom>
+            <a:pathLst>
+              <a:path extrusionOk="0" h="120000" w="120000">
+                <a:moveTo>
+                  <a:pt x="0" y="0"/>
+                </a:moveTo>
+                <a:lnTo>
+                  <a:pt x="120000" y="0"/>
+                </a:lnTo>
+                <a:lnTo>
+                  <a:pt x="120000" y="120000"/>
+                </a:lnTo>
+                <a:lnTo>
+                  <a:pt x="0" y="120000"/>
+                </a:lnTo>
+                <a:close/>
+              </a:path>
+            </a:pathLst>
+          </a:custGeom>
+        </p:spPr>
+      </p:sp>
+      <p:sp>
+        <p:nvSpPr>
+          <p:cNvPr id="111" name="Shape 111"/>
+          <p:cNvSpPr txBox="1"/>
+          <p:nvPr>
+            <p:ph idx="1" type="body"/>
+          </p:nvPr>
+        </p:nvSpPr>
+        <p:spPr>
+          <a:xfrm>
+            <a:off x="685800" y="4343400"/>
+            <a:ext cx="5486399" cy="4114800"/>
+          </a:xfrm>
+          <a:prstGeom prst="rect">
+            <a:avLst/>
+          </a:prstGeom>
+        </p:spPr>
+        <p:txBody>
+          <a:bodyPr anchorCtr="0" anchor="t" bIns="91425" lIns="91425" rIns="91425" tIns="91425">
+            <a:noAutofit/>
+          </a:bodyPr>
+          <a:lstStyle/>
+          <a:p>
+            <a:pPr lvl="0" rtl="0">
+              <a:spcBef>
+                <a:spcPts val="0"/>
+              </a:spcBef>
+              <a:buNone/>
+            </a:pPr>
+            <a:r>
+              <a:t/>
+            </a:r>
+            <a:endParaRPr/>
+          </a:p>
+        </p:txBody>
+      </p:sp>
+    </p:spTree>
+  </p:cSld>
+  <p:clrMapOvr>
+    <a:masterClrMapping/>
+  </p:clrMapOvr>
+</p:notes>
+</file>
+
+<file path=ppt/notesSlides/notesSlide9.xml><?xml version="1.0" encoding="utf-8"?>
+<p:notes xmlns:a="http://schemas.openxmlformats.org/drawingml/2006/main" xmlns:r="http://schemas.openxmlformats.org/officeDocument/2006/relationships" xmlns:mc="http://schemas.openxmlformats.org/markup-compatibility/2006" xmlns:mv="urn:schemas-microsoft-com:mac:vml" xmlns:p="http://schemas.openxmlformats.org/presentationml/2006/main" xmlns:c="http://schemas.openxmlformats.org/drawingml/2006/chart" xmlns:dgm="http://schemas.openxmlformats.org/drawingml/2006/diagram" xmlns:o="urn:schemas-microsoft-com:office:office" xmlns:v="urn:schemas-microsoft-com:vml" xmlns:pvml="urn:schemas-microsoft-com:office:powerpoint" xmlns:com="http://schemas.openxmlformats.org/drawingml/2006/compatibility" xmlns:p14="http://schemas.microsoft.com/office/powerpoint/2010/main" showMasterPhAnim="0" showMasterSp="0">
+  <p:cSld>
+    <p:spTree>
+      <p:nvGrpSpPr>
+        <p:cNvPr id="119" name="Shape 119"/>
+        <p:cNvGrpSpPr/>
+        <p:nvPr/>
+      </p:nvGrpSpPr>
+      <p:grpSpPr>
+        <a:xfrm>
+          <a:off x="0" y="0"/>
+          <a:ext cx="0" cy="0"/>
+          <a:chOff x="0" y="0"/>
+          <a:chExt cx="0" cy="0"/>
+        </a:xfrm>
+      </p:grpSpPr>
+      <p:sp>
+        <p:nvSpPr>
+          <p:cNvPr id="120" name="Shape 120"/>
+          <p:cNvSpPr/>
+          <p:nvPr>
+            <p:ph idx="2" type="sldImg"/>
+          </p:nvPr>
+        </p:nvSpPr>
+        <p:spPr>
+          <a:xfrm>
+            <a:off x="381300" y="685800"/>
+            <a:ext cx="6096000" cy="3429000"/>
+          </a:xfrm>
+          <a:custGeom>
+            <a:pathLst>
+              <a:path extrusionOk="0" h="120000" w="120000">
+                <a:moveTo>
+                  <a:pt x="0" y="0"/>
+                </a:moveTo>
+                <a:lnTo>
+                  <a:pt x="120000" y="0"/>
+                </a:lnTo>
+                <a:lnTo>
+                  <a:pt x="120000" y="120000"/>
+                </a:lnTo>
+                <a:lnTo>
+                  <a:pt x="0" y="120000"/>
+                </a:lnTo>
+                <a:close/>
+              </a:path>
+            </a:pathLst>
+          </a:custGeom>
+        </p:spPr>
+      </p:sp>
+      <p:sp>
+        <p:nvSpPr>
+          <p:cNvPr id="121" name="Shape 121"/>
           <p:cNvSpPr txBox="1"/>
           <p:nvPr>
             <p:ph idx="1" type="body"/>
@@ -1955,7 +2346,7 @@
 
 <file path=ppt/slideLayouts/slideLayout2.xml><?xml version="1.0" encoding="utf-8"?>
 <p:sldLayout xmlns:a="http://schemas.openxmlformats.org/drawingml/2006/main" xmlns:r="http://schemas.openxmlformats.org/officeDocument/2006/relationships" xmlns:mc="http://schemas.openxmlformats.org/markup-compatibility/2006" xmlns:mv="urn:schemas-microsoft-com:mac:vml" xmlns:p="http://schemas.openxmlformats.org/presentationml/2006/main" xmlns:c="http://schemas.openxmlformats.org/drawingml/2006/chart" xmlns:dgm="http://schemas.openxmlformats.org/drawingml/2006/diagram" xmlns:o="urn:schemas-microsoft-com:office:office" xmlns:v="urn:schemas-microsoft-com:vml" xmlns:pvml="urn:schemas-microsoft-com:office:powerpoint" xmlns:com="http://schemas.openxmlformats.org/drawingml/2006/compatibility" xmlns:p14="http://schemas.microsoft.com/office/powerpoint/2010/main" type="secHead">
-  <p:cSld name="Section title">
+  <p:cSld name="Section header">
     <p:spTree>
       <p:nvGrpSpPr>
         <p:cNvPr id="17" name="Shape 17"/>
@@ -4484,7 +4875,6 @@
           <a:ea typeface="Arial"/>
           <a:cs typeface="Arial"/>
           <a:sym typeface="Arial"/>
-          <a:rtl val="0"/>
         </a:defRPr>
       </a:lvl1pPr>
     </p:titleStyle>
@@ -4519,7 +4909,6 @@
           <a:ea typeface="Arial"/>
           <a:cs typeface="Arial"/>
           <a:sym typeface="Arial"/>
-          <a:rtl val="0"/>
         </a:defRPr>
       </a:lvl1pPr>
       <a:lvl2pPr lvl="1" marR="0" rtl="0" algn="l">
@@ -4541,7 +4930,6 @@
           <a:ea typeface="Arial"/>
           <a:cs typeface="Arial"/>
           <a:sym typeface="Arial"/>
-          <a:rtl val="0"/>
         </a:defRPr>
       </a:lvl2pPr>
       <a:lvl3pPr lvl="2" marR="0" rtl="0" algn="l">
@@ -4563,7 +4951,6 @@
           <a:ea typeface="Arial"/>
           <a:cs typeface="Arial"/>
           <a:sym typeface="Arial"/>
-          <a:rtl val="0"/>
         </a:defRPr>
       </a:lvl3pPr>
       <a:lvl4pPr lvl="3" marR="0" rtl="0" algn="l">
@@ -4585,7 +4972,6 @@
           <a:ea typeface="Arial"/>
           <a:cs typeface="Arial"/>
           <a:sym typeface="Arial"/>
-          <a:rtl val="0"/>
         </a:defRPr>
       </a:lvl4pPr>
       <a:lvl5pPr lvl="4" marR="0" rtl="0" algn="l">
@@ -4607,7 +4993,6 @@
           <a:ea typeface="Arial"/>
           <a:cs typeface="Arial"/>
           <a:sym typeface="Arial"/>
-          <a:rtl val="0"/>
         </a:defRPr>
       </a:lvl5pPr>
       <a:lvl6pPr lvl="5" marR="0" rtl="0" algn="l">
@@ -4629,7 +5014,6 @@
           <a:ea typeface="Arial"/>
           <a:cs typeface="Arial"/>
           <a:sym typeface="Arial"/>
-          <a:rtl val="0"/>
         </a:defRPr>
       </a:lvl6pPr>
       <a:lvl7pPr lvl="6" marR="0" rtl="0" algn="l">
@@ -4651,7 +5035,6 @@
           <a:ea typeface="Arial"/>
           <a:cs typeface="Arial"/>
           <a:sym typeface="Arial"/>
-          <a:rtl val="0"/>
         </a:defRPr>
       </a:lvl7pPr>
       <a:lvl8pPr lvl="7" marR="0" rtl="0" algn="l">
@@ -4673,7 +5056,6 @@
           <a:ea typeface="Arial"/>
           <a:cs typeface="Arial"/>
           <a:sym typeface="Arial"/>
-          <a:rtl val="0"/>
         </a:defRPr>
       </a:lvl8pPr>
       <a:lvl9pPr lvl="8" marR="0" rtl="0" algn="l">
@@ -4695,7 +5077,6 @@
           <a:ea typeface="Arial"/>
           <a:cs typeface="Arial"/>
           <a:sym typeface="Arial"/>
-          <a:rtl val="0"/>
         </a:defRPr>
       </a:lvl9pPr>
     </p:bodyStyle>
@@ -4730,7 +5111,6 @@
           <a:ea typeface="Arial"/>
           <a:cs typeface="Arial"/>
           <a:sym typeface="Arial"/>
-          <a:rtl val="0"/>
         </a:defRPr>
       </a:lvl1pPr>
       <a:lvl2pPr lvl="1" marR="0" rtl="0" algn="l">
@@ -4752,7 +5132,6 @@
           <a:ea typeface="Arial"/>
           <a:cs typeface="Arial"/>
           <a:sym typeface="Arial"/>
-          <a:rtl val="0"/>
         </a:defRPr>
       </a:lvl2pPr>
       <a:lvl3pPr lvl="2" marR="0" rtl="0" algn="l">
@@ -4774,7 +5153,6 @@
           <a:ea typeface="Arial"/>
           <a:cs typeface="Arial"/>
           <a:sym typeface="Arial"/>
-          <a:rtl val="0"/>
         </a:defRPr>
       </a:lvl3pPr>
       <a:lvl4pPr lvl="3" marR="0" rtl="0" algn="l">
@@ -4796,7 +5174,6 @@
           <a:ea typeface="Arial"/>
           <a:cs typeface="Arial"/>
           <a:sym typeface="Arial"/>
-          <a:rtl val="0"/>
         </a:defRPr>
       </a:lvl4pPr>
       <a:lvl5pPr lvl="4" marR="0" rtl="0" algn="l">
@@ -4818,7 +5195,6 @@
           <a:ea typeface="Arial"/>
           <a:cs typeface="Arial"/>
           <a:sym typeface="Arial"/>
-          <a:rtl val="0"/>
         </a:defRPr>
       </a:lvl5pPr>
       <a:lvl6pPr lvl="5" marR="0" rtl="0" algn="l">
@@ -4840,7 +5216,6 @@
           <a:ea typeface="Arial"/>
           <a:cs typeface="Arial"/>
           <a:sym typeface="Arial"/>
-          <a:rtl val="0"/>
         </a:defRPr>
       </a:lvl6pPr>
       <a:lvl7pPr lvl="6" marR="0" rtl="0" algn="l">
@@ -4862,7 +5237,6 @@
           <a:ea typeface="Arial"/>
           <a:cs typeface="Arial"/>
           <a:sym typeface="Arial"/>
-          <a:rtl val="0"/>
         </a:defRPr>
       </a:lvl7pPr>
       <a:lvl8pPr lvl="7" marR="0" rtl="0" algn="l">
@@ -4884,7 +5258,6 @@
           <a:ea typeface="Arial"/>
           <a:cs typeface="Arial"/>
           <a:sym typeface="Arial"/>
-          <a:rtl val="0"/>
         </a:defRPr>
       </a:lvl8pPr>
       <a:lvl9pPr lvl="8" marR="0" rtl="0" algn="l">
@@ -4906,7 +5279,6 @@
           <a:ea typeface="Arial"/>
           <a:cs typeface="Arial"/>
           <a:sym typeface="Arial"/>
-          <a:rtl val="0"/>
         </a:defRPr>
       </a:lvl9pPr>
     </p:otherStyle>
@@ -4917,6 +5289,11 @@
 <file path=ppt/slides/slide1.xml><?xml version="1.0" encoding="utf-8"?>
 <p:sld xmlns:a="http://schemas.openxmlformats.org/drawingml/2006/main" xmlns:r="http://schemas.openxmlformats.org/officeDocument/2006/relationships" xmlns:mc="http://schemas.openxmlformats.org/markup-compatibility/2006" xmlns:mv="urn:schemas-microsoft-com:mac:vml" xmlns:p="http://schemas.openxmlformats.org/presentationml/2006/main" xmlns:c="http://schemas.openxmlformats.org/drawingml/2006/chart" xmlns:dgm="http://schemas.openxmlformats.org/drawingml/2006/diagram" xmlns:o="urn:schemas-microsoft-com:office:office" xmlns:v="urn:schemas-microsoft-com:vml" xmlns:pvml="urn:schemas-microsoft-com:office:powerpoint" xmlns:com="http://schemas.openxmlformats.org/drawingml/2006/compatibility" xmlns:p14="http://schemas.microsoft.com/office/powerpoint/2010/main">
   <p:cSld>
+    <p:bg>
+      <p:bgPr>
+        <a:noFill/>
+      </p:bgPr>
+    </p:bg>
     <p:spTree>
       <p:nvGrpSpPr>
         <p:cNvPr id="58" name="Shape 58"/>
@@ -4961,7 +5338,15 @@
               <a:buNone/>
             </a:pPr>
             <a:r>
-              <a:rPr lang="en"/>
+              <a:rPr lang="en">
+                <a:solidFill>
+                  <a:srgbClr val="000000"/>
+                </a:solidFill>
+                <a:latin typeface="Verdana"/>
+                <a:ea typeface="Verdana"/>
+                <a:cs typeface="Verdana"/>
+                <a:sym typeface="Verdana"/>
+              </a:rPr>
               <a:t>NotePlay</a:t>
             </a:r>
           </a:p>
@@ -4997,8 +5382,16 @@
               <a:buNone/>
             </a:pPr>
             <a:r>
-              <a:rPr lang="en"/>
-              <a:t>Soft computing project</a:t>
+              <a:rPr lang="en">
+                <a:solidFill>
+                  <a:srgbClr val="000000"/>
+                </a:solidFill>
+                <a:latin typeface="Verdana"/>
+                <a:ea typeface="Verdana"/>
+                <a:cs typeface="Verdana"/>
+                <a:sym typeface="Verdana"/>
+              </a:rPr>
+              <a:t>Soft computing projekat, 2015/2016</a:t>
             </a:r>
           </a:p>
           <a:p>
@@ -5009,19 +5402,1828 @@
               <a:buNone/>
             </a:pPr>
             <a:r>
-              <a:rPr lang="en"/>
-              <a:t>Faculty of Technical Sciences, Novi Sad</a:t>
-            </a:r>
-          </a:p>
-          <a:p>
-            <a:pPr lvl="0">
-              <a:spcBef>
-                <a:spcPts val="0"/>
-              </a:spcBef>
-              <a:buNone/>
-            </a:pPr>
-            <a:r>
-              <a:rPr lang="en"/>
+              <a:rPr lang="en">
+                <a:solidFill>
+                  <a:srgbClr val="0000FF"/>
+                </a:solidFill>
+                <a:latin typeface="Verdana"/>
+                <a:ea typeface="Verdana"/>
+                <a:cs typeface="Verdana"/>
+                <a:sym typeface="Verdana"/>
+              </a:rPr>
+              <a:t>Fakultet tehničkih nauka, Novi Sad</a:t>
+            </a:r>
+          </a:p>
+          <a:p>
+            <a:pPr lvl="0" rtl="0">
+              <a:spcBef>
+                <a:spcPts val="0"/>
+              </a:spcBef>
+              <a:buNone/>
+            </a:pPr>
+            <a:r>
+              <a:rPr lang="en">
+                <a:solidFill>
+                  <a:srgbClr val="000000"/>
+                </a:solidFill>
+                <a:latin typeface="Verdana"/>
+                <a:ea typeface="Verdana"/>
+                <a:cs typeface="Verdana"/>
+                <a:sym typeface="Verdana"/>
+              </a:rPr>
+              <a:t>Nikola Đuza RA6-2012</a:t>
+            </a:r>
+          </a:p>
+        </p:txBody>
+      </p:sp>
+      <p:pic>
+        <p:nvPicPr>
+          <p:cNvPr id="61" name="Shape 61"/>
+          <p:cNvPicPr preferRelativeResize="0"/>
+          <p:nvPr/>
+        </p:nvPicPr>
+        <p:blipFill>
+          <a:blip r:embed="rId3">
+            <a:alphaModFix/>
+          </a:blip>
+          <a:stretch>
+            <a:fillRect/>
+          </a:stretch>
+        </p:blipFill>
+        <p:spPr>
+          <a:xfrm>
+            <a:off x="435674" y="329825"/>
+            <a:ext cx="1535350" cy="1535350"/>
+          </a:xfrm>
+          <a:prstGeom prst="rect">
+            <a:avLst/>
+          </a:prstGeom>
+          <a:noFill/>
+          <a:ln>
+            <a:noFill/>
+          </a:ln>
+        </p:spPr>
+      </p:pic>
+      <p:sp>
+        <p:nvSpPr>
+          <p:cNvPr id="62" name="Shape 62"/>
+          <p:cNvSpPr txBox="1"/>
+          <p:nvPr>
+            <p:ph idx="1" type="subTitle"/>
+          </p:nvPr>
+        </p:nvSpPr>
+        <p:spPr>
+          <a:xfrm>
+            <a:off x="5156100" y="4689275"/>
+            <a:ext cx="4076699" cy="724500"/>
+          </a:xfrm>
+          <a:prstGeom prst="rect">
+            <a:avLst/>
+          </a:prstGeom>
+        </p:spPr>
+        <p:txBody>
+          <a:bodyPr anchorCtr="0" anchor="t" bIns="91425" lIns="91425" rIns="91425" tIns="91425">
+            <a:noAutofit/>
+          </a:bodyPr>
+          <a:lstStyle/>
+          <a:p>
+            <a:pPr lvl="0" rtl="0">
+              <a:spcBef>
+                <a:spcPts val="0"/>
+              </a:spcBef>
+              <a:buNone/>
+            </a:pPr>
+            <a:r>
+              <a:rPr lang="en">
+                <a:solidFill>
+                  <a:srgbClr val="000000"/>
+                </a:solidFill>
+                <a:latin typeface="Verdana"/>
+                <a:ea typeface="Verdana"/>
+                <a:cs typeface="Verdana"/>
+                <a:sym typeface="Verdana"/>
+              </a:rPr>
+              <a:t>Profesor: Đorđe Obradović</a:t>
+            </a:r>
+          </a:p>
+        </p:txBody>
+      </p:sp>
+      <p:sp>
+        <p:nvSpPr>
+          <p:cNvPr id="63" name="Shape 63"/>
+          <p:cNvSpPr txBox="1"/>
+          <p:nvPr>
+            <p:ph idx="1" type="subTitle"/>
+          </p:nvPr>
+        </p:nvSpPr>
+        <p:spPr>
+          <a:xfrm>
+            <a:off x="-273925" y="4689275"/>
+            <a:ext cx="4076699" cy="724500"/>
+          </a:xfrm>
+          <a:prstGeom prst="rect">
+            <a:avLst/>
+          </a:prstGeom>
+        </p:spPr>
+        <p:txBody>
+          <a:bodyPr anchorCtr="0" anchor="t" bIns="91425" lIns="91425" rIns="91425" tIns="91425">
+            <a:noAutofit/>
+          </a:bodyPr>
+          <a:lstStyle/>
+          <a:p>
+            <a:pPr lvl="0" rtl="0">
+              <a:spcBef>
+                <a:spcPts val="0"/>
+              </a:spcBef>
+              <a:buNone/>
+            </a:pPr>
+            <a:r>
+              <a:rPr lang="en">
+                <a:solidFill>
+                  <a:srgbClr val="000000"/>
+                </a:solidFill>
+                <a:latin typeface="Verdana"/>
+                <a:ea typeface="Verdana"/>
+                <a:cs typeface="Verdana"/>
+                <a:sym typeface="Verdana"/>
+              </a:rPr>
+              <a:t>Asistent: Miroslav Kondić</a:t>
+            </a:r>
+          </a:p>
+        </p:txBody>
+      </p:sp>
+    </p:spTree>
+  </p:cSld>
+  <p:clrMapOvr>
+    <a:masterClrMapping/>
+  </p:clrMapOvr>
+  <p:transition spd="slow">
+    <p:cut/>
+  </p:transition>
+</p:sld>
+</file>
+
+<file path=ppt/slides/slide10.xml><?xml version="1.0" encoding="utf-8"?>
+<p:sld xmlns:a="http://schemas.openxmlformats.org/drawingml/2006/main" xmlns:r="http://schemas.openxmlformats.org/officeDocument/2006/relationships" xmlns:mc="http://schemas.openxmlformats.org/markup-compatibility/2006" xmlns:mv="urn:schemas-microsoft-com:mac:vml" xmlns:p="http://schemas.openxmlformats.org/presentationml/2006/main" xmlns:c="http://schemas.openxmlformats.org/drawingml/2006/chart" xmlns:dgm="http://schemas.openxmlformats.org/drawingml/2006/diagram" xmlns:o="urn:schemas-microsoft-com:office:office" xmlns:v="urn:schemas-microsoft-com:vml" xmlns:pvml="urn:schemas-microsoft-com:office:powerpoint" xmlns:com="http://schemas.openxmlformats.org/drawingml/2006/compatibility" xmlns:p14="http://schemas.microsoft.com/office/powerpoint/2010/main">
+  <p:cSld>
+    <p:spTree>
+      <p:nvGrpSpPr>
+        <p:cNvPr id="131" name="Shape 131"/>
+        <p:cNvGrpSpPr/>
+        <p:nvPr/>
+      </p:nvGrpSpPr>
+      <p:grpSpPr>
+        <a:xfrm>
+          <a:off x="0" y="0"/>
+          <a:ext cx="0" cy="0"/>
+          <a:chOff x="0" y="0"/>
+          <a:chExt cx="0" cy="0"/>
+        </a:xfrm>
+      </p:grpSpPr>
+      <p:sp>
+        <p:nvSpPr>
+          <p:cNvPr id="132" name="Shape 132"/>
+          <p:cNvSpPr txBox="1"/>
+          <p:nvPr>
+            <p:ph type="title"/>
+          </p:nvPr>
+        </p:nvSpPr>
+        <p:spPr>
+          <a:xfrm>
+            <a:off x="263200" y="201550"/>
+            <a:ext cx="4046999" cy="572699"/>
+          </a:xfrm>
+          <a:prstGeom prst="rect">
+            <a:avLst/>
+          </a:prstGeom>
+        </p:spPr>
+        <p:txBody>
+          <a:bodyPr anchorCtr="0" anchor="t" bIns="91425" lIns="91425" rIns="91425" tIns="91425">
+            <a:noAutofit/>
+          </a:bodyPr>
+          <a:lstStyle/>
+          <a:p>
+            <a:pPr lvl="0" rtl="0" algn="ctr">
+              <a:spcBef>
+                <a:spcPts val="0"/>
+              </a:spcBef>
+              <a:buNone/>
+            </a:pPr>
+            <a:r>
+              <a:rPr lang="en" sz="2400">
+                <a:latin typeface="Verdana"/>
+                <a:ea typeface="Verdana"/>
+                <a:cs typeface="Verdana"/>
+                <a:sym typeface="Verdana"/>
+              </a:rPr>
+              <a:t>Implementacija rešenja</a:t>
+            </a:r>
+          </a:p>
+        </p:txBody>
+      </p:sp>
+      <p:sp>
+        <p:nvSpPr>
+          <p:cNvPr id="133" name="Shape 133"/>
+          <p:cNvSpPr txBox="1"/>
+          <p:nvPr>
+            <p:ph idx="1" type="body"/>
+          </p:nvPr>
+        </p:nvSpPr>
+        <p:spPr>
+          <a:xfrm>
+            <a:off x="311700" y="1017725"/>
+            <a:ext cx="4127400" cy="3416400"/>
+          </a:xfrm>
+          <a:prstGeom prst="rect">
+            <a:avLst/>
+          </a:prstGeom>
+        </p:spPr>
+        <p:txBody>
+          <a:bodyPr anchorCtr="0" anchor="t" bIns="91425" lIns="91425" rIns="91425" tIns="91425">
+            <a:noAutofit/>
+          </a:bodyPr>
+          <a:lstStyle/>
+          <a:p>
+            <a:pPr lvl="0" rtl="0">
+              <a:spcBef>
+                <a:spcPts val="0"/>
+              </a:spcBef>
+              <a:buNone/>
+            </a:pPr>
+            <a:r>
+              <a:rPr lang="en">
+                <a:latin typeface="Verdana"/>
+                <a:ea typeface="Verdana"/>
+                <a:cs typeface="Verdana"/>
+                <a:sym typeface="Verdana"/>
+              </a:rPr>
+              <a:t>5.   Određivanje dužine nota</a:t>
+            </a:r>
+          </a:p>
+        </p:txBody>
+      </p:sp>
+      <p:sp>
+        <p:nvSpPr>
+          <p:cNvPr id="134" name="Shape 134"/>
+          <p:cNvSpPr txBox="1"/>
+          <p:nvPr/>
+        </p:nvSpPr>
+        <p:spPr>
+          <a:xfrm>
+            <a:off x="110200" y="1569575"/>
+            <a:ext cx="4199999" cy="2987400"/>
+          </a:xfrm>
+          <a:prstGeom prst="rect">
+            <a:avLst/>
+          </a:prstGeom>
+          <a:noFill/>
+          <a:ln>
+            <a:noFill/>
+          </a:ln>
+        </p:spPr>
+        <p:txBody>
+          <a:bodyPr anchorCtr="0" anchor="t" bIns="91425" lIns="91425" rIns="91425" tIns="91425">
+            <a:noAutofit/>
+          </a:bodyPr>
+          <a:lstStyle/>
+          <a:p>
+            <a:pPr indent="-304800" lvl="0" marL="457200" rtl="0">
+              <a:lnSpc>
+                <a:spcPct val="115000"/>
+              </a:lnSpc>
+              <a:spcBef>
+                <a:spcPts val="0"/>
+              </a:spcBef>
+              <a:spcAft>
+                <a:spcPts val="1600"/>
+              </a:spcAft>
+              <a:buClr>
+                <a:schemeClr val="accent3"/>
+              </a:buClr>
+              <a:buSzPct val="100000"/>
+              <a:buFont typeface="Verdana"/>
+              <a:buChar char="●"/>
+            </a:pPr>
+            <a:r>
+              <a:rPr lang="en" sz="1200">
+                <a:solidFill>
+                  <a:schemeClr val="accent3"/>
+                </a:solidFill>
+                <a:latin typeface="Verdana"/>
+                <a:ea typeface="Verdana"/>
+                <a:cs typeface="Verdana"/>
+                <a:sym typeface="Verdana"/>
+              </a:rPr>
+              <a:t>za svaki takt prolazimo kroz sve note unutar njega</a:t>
+            </a:r>
+          </a:p>
+          <a:p>
+            <a:pPr indent="-304800" lvl="0" marL="457200" rtl="0">
+              <a:lnSpc>
+                <a:spcPct val="115000"/>
+              </a:lnSpc>
+              <a:spcBef>
+                <a:spcPts val="0"/>
+              </a:spcBef>
+              <a:spcAft>
+                <a:spcPts val="1600"/>
+              </a:spcAft>
+              <a:buClr>
+                <a:schemeClr val="accent3"/>
+              </a:buClr>
+              <a:buSzPct val="100000"/>
+              <a:buFont typeface="Verdana"/>
+              <a:buChar char="●"/>
+            </a:pPr>
+            <a:r>
+              <a:rPr lang="en" sz="1200">
+                <a:solidFill>
+                  <a:schemeClr val="accent3"/>
+                </a:solidFill>
+                <a:latin typeface="Verdana"/>
+                <a:ea typeface="Verdana"/>
+                <a:cs typeface="Verdana"/>
+                <a:sym typeface="Verdana"/>
+              </a:rPr>
+              <a:t>na osnovu broja nota unutar takta i ostalih nota u taktu određujemo </a:t>
+            </a:r>
+            <a:r>
+              <a:rPr lang="en" sz="1200">
+                <a:solidFill>
+                  <a:schemeClr val="accent3"/>
+                </a:solidFill>
+                <a:latin typeface="Courier New"/>
+                <a:ea typeface="Courier New"/>
+                <a:cs typeface="Courier New"/>
+                <a:sym typeface="Courier New"/>
+              </a:rPr>
+              <a:t>noteLength</a:t>
+            </a:r>
+          </a:p>
+          <a:p>
+            <a:pPr indent="-304800" lvl="0" marL="457200" rtl="0">
+              <a:lnSpc>
+                <a:spcPct val="115000"/>
+              </a:lnSpc>
+              <a:spcBef>
+                <a:spcPts val="0"/>
+              </a:spcBef>
+              <a:spcAft>
+                <a:spcPts val="1600"/>
+              </a:spcAft>
+              <a:buClr>
+                <a:schemeClr val="accent3"/>
+              </a:buClr>
+              <a:buSzPct val="100000"/>
+              <a:buFont typeface="Courier New"/>
+              <a:buChar char="●"/>
+            </a:pPr>
+            <a:r>
+              <a:rPr lang="en" sz="1200">
+                <a:solidFill>
+                  <a:schemeClr val="accent3"/>
+                </a:solidFill>
+                <a:latin typeface="Verdana"/>
+                <a:ea typeface="Verdana"/>
+                <a:cs typeface="Verdana"/>
+                <a:sym typeface="Verdana"/>
+              </a:rPr>
+              <a:t>imamo podatke o visinama note iz prvog koraka</a:t>
+            </a:r>
+          </a:p>
+          <a:p>
+            <a:pPr indent="-304800" lvl="0" marL="457200" rtl="0">
+              <a:lnSpc>
+                <a:spcPct val="115000"/>
+              </a:lnSpc>
+              <a:spcBef>
+                <a:spcPts val="0"/>
+              </a:spcBef>
+              <a:spcAft>
+                <a:spcPts val="1600"/>
+              </a:spcAft>
+              <a:buClr>
+                <a:schemeClr val="accent3"/>
+              </a:buClr>
+              <a:buSzPct val="100000"/>
+              <a:buFont typeface="Verdana"/>
+              <a:buChar char="●"/>
+            </a:pPr>
+            <a:r>
+              <a:rPr lang="en" sz="1200">
+                <a:solidFill>
+                  <a:schemeClr val="accent3"/>
+                </a:solidFill>
+                <a:latin typeface="Verdana"/>
+                <a:ea typeface="Verdana"/>
+                <a:cs typeface="Verdana"/>
+                <a:sym typeface="Verdana"/>
+              </a:rPr>
+              <a:t>kombinujući ovu informaciju sa koordinatama ostalih nota i tipa note odrađujemo </a:t>
+            </a:r>
+            <a:r>
+              <a:rPr lang="en" sz="1200">
+                <a:solidFill>
+                  <a:schemeClr val="accent3"/>
+                </a:solidFill>
+                <a:latin typeface="Courier New"/>
+                <a:ea typeface="Courier New"/>
+                <a:cs typeface="Courier New"/>
+                <a:sym typeface="Courier New"/>
+              </a:rPr>
+              <a:t>noteHeight</a:t>
+            </a:r>
+          </a:p>
+          <a:p>
+            <a:pPr indent="-304800" lvl="0" marL="457200" rtl="0">
+              <a:lnSpc>
+                <a:spcPct val="115000"/>
+              </a:lnSpc>
+              <a:spcBef>
+                <a:spcPts val="0"/>
+              </a:spcBef>
+              <a:spcAft>
+                <a:spcPts val="1600"/>
+              </a:spcAft>
+              <a:buClr>
+                <a:schemeClr val="accent3"/>
+              </a:buClr>
+              <a:buSzPct val="100000"/>
+              <a:buFont typeface="Courier New"/>
+              <a:buChar char="●"/>
+            </a:pPr>
+            <a:r>
+              <a:rPr lang="en" sz="1200">
+                <a:solidFill>
+                  <a:schemeClr val="accent3"/>
+                </a:solidFill>
+                <a:latin typeface="Verdana"/>
+                <a:ea typeface="Verdana"/>
+                <a:cs typeface="Verdana"/>
+                <a:sym typeface="Verdana"/>
+              </a:rPr>
+              <a:t>dobijamo output:</a:t>
+            </a:r>
+          </a:p>
+          <a:p>
+            <a:pPr lvl="0" rtl="0">
+              <a:lnSpc>
+                <a:spcPct val="121429"/>
+              </a:lnSpc>
+              <a:spcBef>
+                <a:spcPts val="0"/>
+              </a:spcBef>
+              <a:buNone/>
+            </a:pPr>
+            <a:r>
+              <a:rPr b="1" lang="en" sz="1050">
+                <a:solidFill>
+                  <a:srgbClr val="FF0000"/>
+                </a:solidFill>
+                <a:latin typeface="Courier New"/>
+                <a:ea typeface="Courier New"/>
+                <a:cs typeface="Courier New"/>
+                <a:sym typeface="Courier New"/>
+              </a:rPr>
+              <a:t>[(2, 52), (2, 52), (1, 52), (1, 60), (2, 59), ...</a:t>
+            </a:r>
+            <a:r>
+              <a:rPr lang="en" sz="1050">
+                <a:highlight>
+                  <a:srgbClr val="FFFFFF"/>
+                </a:highlight>
+              </a:rPr>
+              <a:t>]</a:t>
+            </a:r>
+          </a:p>
+          <a:p>
+            <a:pPr lvl="0" rtl="0">
+              <a:lnSpc>
+                <a:spcPct val="121429"/>
+              </a:lnSpc>
+              <a:spcBef>
+                <a:spcPts val="0"/>
+              </a:spcBef>
+              <a:buNone/>
+            </a:pPr>
+            <a:r>
+              <a:t/>
+            </a:r>
+            <a:endParaRPr b="1" sz="1050">
+              <a:solidFill>
+                <a:srgbClr val="FF0000"/>
+              </a:solidFill>
+              <a:latin typeface="Courier New"/>
+              <a:ea typeface="Courier New"/>
+              <a:cs typeface="Courier New"/>
+              <a:sym typeface="Courier New"/>
+            </a:endParaRPr>
+          </a:p>
+          <a:p>
+            <a:pPr indent="-304800" lvl="0" marL="457200" rtl="0">
+              <a:lnSpc>
+                <a:spcPct val="115000"/>
+              </a:lnSpc>
+              <a:spcBef>
+                <a:spcPts val="0"/>
+              </a:spcBef>
+              <a:spcAft>
+                <a:spcPts val="1600"/>
+              </a:spcAft>
+              <a:buClr>
+                <a:schemeClr val="accent3"/>
+              </a:buClr>
+              <a:buSzPct val="100000"/>
+              <a:buFont typeface="Verdana"/>
+              <a:buChar char="●"/>
+            </a:pPr>
+            <a:r>
+              <a:rPr lang="en" sz="1200">
+                <a:solidFill>
+                  <a:schemeClr val="accent3"/>
+                </a:solidFill>
+                <a:latin typeface="Verdana"/>
+                <a:ea typeface="Verdana"/>
+                <a:cs typeface="Verdana"/>
+                <a:sym typeface="Verdana"/>
+              </a:rPr>
+              <a:t>prvi broj svakog člana je dužina trajanja note</a:t>
+            </a:r>
+          </a:p>
+          <a:p>
+            <a:pPr indent="-304800" lvl="0" marL="457200" rtl="0">
+              <a:lnSpc>
+                <a:spcPct val="115000"/>
+              </a:lnSpc>
+              <a:spcBef>
+                <a:spcPts val="0"/>
+              </a:spcBef>
+              <a:spcAft>
+                <a:spcPts val="1600"/>
+              </a:spcAft>
+              <a:buClr>
+                <a:schemeClr val="accent3"/>
+              </a:buClr>
+              <a:buSzPct val="100000"/>
+              <a:buFont typeface="Verdana"/>
+              <a:buChar char="●"/>
+            </a:pPr>
+            <a:r>
+              <a:rPr lang="en" sz="1200">
+                <a:solidFill>
+                  <a:schemeClr val="accent3"/>
+                </a:solidFill>
+                <a:latin typeface="Verdana"/>
+                <a:ea typeface="Verdana"/>
+                <a:cs typeface="Verdana"/>
+                <a:sym typeface="Verdana"/>
+              </a:rPr>
+              <a:t>drugi broj svakog člana je visina tona note</a:t>
+            </a:r>
+          </a:p>
+          <a:p>
+            <a:pPr lvl="0" rtl="0">
+              <a:lnSpc>
+                <a:spcPct val="121429"/>
+              </a:lnSpc>
+              <a:spcBef>
+                <a:spcPts val="0"/>
+              </a:spcBef>
+              <a:buNone/>
+            </a:pPr>
+            <a:r>
+              <a:t/>
+            </a:r>
+            <a:endParaRPr sz="1050">
+              <a:highlight>
+                <a:srgbClr val="FFFFFF"/>
+              </a:highlight>
+            </a:endParaRPr>
+          </a:p>
+          <a:p>
+            <a:pPr lvl="0" rtl="0">
+              <a:lnSpc>
+                <a:spcPct val="115000"/>
+              </a:lnSpc>
+              <a:spcBef>
+                <a:spcPts val="0"/>
+              </a:spcBef>
+              <a:spcAft>
+                <a:spcPts val="1600"/>
+              </a:spcAft>
+              <a:buNone/>
+            </a:pPr>
+            <a:r>
+              <a:t/>
+            </a:r>
+            <a:endParaRPr i="1" sz="1200">
+              <a:solidFill>
+                <a:schemeClr val="accent3"/>
+              </a:solidFill>
+              <a:latin typeface="Verdana"/>
+              <a:ea typeface="Verdana"/>
+              <a:cs typeface="Verdana"/>
+              <a:sym typeface="Verdana"/>
+            </a:endParaRPr>
+          </a:p>
+        </p:txBody>
+      </p:sp>
+      <p:sp>
+        <p:nvSpPr>
+          <p:cNvPr id="135" name="Shape 135"/>
+          <p:cNvSpPr txBox="1"/>
+          <p:nvPr/>
+        </p:nvSpPr>
+        <p:spPr>
+          <a:xfrm>
+            <a:off x="4979475" y="4434125"/>
+            <a:ext cx="3948600" cy="540000"/>
+          </a:xfrm>
+          <a:prstGeom prst="rect">
+            <a:avLst/>
+          </a:prstGeom>
+          <a:noFill/>
+          <a:ln>
+            <a:noFill/>
+          </a:ln>
+        </p:spPr>
+        <p:txBody>
+          <a:bodyPr anchorCtr="0" anchor="t" bIns="91425" lIns="91425" rIns="91425" tIns="91425">
+            <a:noAutofit/>
+          </a:bodyPr>
+          <a:lstStyle/>
+          <a:p>
+            <a:pPr lvl="0" rtl="0" algn="ctr">
+              <a:lnSpc>
+                <a:spcPct val="115000"/>
+              </a:lnSpc>
+              <a:spcBef>
+                <a:spcPts val="0"/>
+              </a:spcBef>
+              <a:spcAft>
+                <a:spcPts val="1600"/>
+              </a:spcAft>
+              <a:buNone/>
+            </a:pPr>
+            <a:r>
+              <a:rPr i="1" lang="en" sz="1200">
+                <a:solidFill>
+                  <a:schemeClr val="accent3"/>
+                </a:solidFill>
+                <a:latin typeface="Verdana"/>
+                <a:ea typeface="Verdana"/>
+                <a:cs typeface="Verdana"/>
+                <a:sym typeface="Verdana"/>
+              </a:rPr>
+              <a:t>nastavak metode </a:t>
+            </a:r>
+            <a:r>
+              <a:rPr lang="en" sz="1200">
+                <a:solidFill>
+                  <a:schemeClr val="accent3"/>
+                </a:solidFill>
+                <a:latin typeface="Courier New"/>
+                <a:ea typeface="Courier New"/>
+                <a:cs typeface="Courier New"/>
+                <a:sym typeface="Courier New"/>
+              </a:rPr>
+              <a:t>find_all_notes</a:t>
+            </a:r>
+          </a:p>
+        </p:txBody>
+      </p:sp>
+      <p:pic>
+        <p:nvPicPr>
+          <p:cNvPr id="136" name="Shape 136"/>
+          <p:cNvPicPr preferRelativeResize="0"/>
+          <p:nvPr/>
+        </p:nvPicPr>
+        <p:blipFill>
+          <a:blip r:embed="rId3">
+            <a:alphaModFix/>
+          </a:blip>
+          <a:stretch>
+            <a:fillRect/>
+          </a:stretch>
+        </p:blipFill>
+        <p:spPr>
+          <a:xfrm>
+            <a:off x="4849975" y="83675"/>
+            <a:ext cx="3981400" cy="4350449"/>
+          </a:xfrm>
+          <a:prstGeom prst="rect">
+            <a:avLst/>
+          </a:prstGeom>
+          <a:noFill/>
+          <a:ln>
+            <a:noFill/>
+          </a:ln>
+        </p:spPr>
+      </p:pic>
+    </p:spTree>
+  </p:cSld>
+  <p:clrMapOvr>
+    <a:masterClrMapping/>
+  </p:clrMapOvr>
+  <p:transition spd="slow">
+    <p:cut/>
+  </p:transition>
+</p:sld>
+</file>
+
+<file path=ppt/slides/slide11.xml><?xml version="1.0" encoding="utf-8"?>
+<p:sld xmlns:a="http://schemas.openxmlformats.org/drawingml/2006/main" xmlns:r="http://schemas.openxmlformats.org/officeDocument/2006/relationships" xmlns:mc="http://schemas.openxmlformats.org/markup-compatibility/2006" xmlns:mv="urn:schemas-microsoft-com:mac:vml" xmlns:p="http://schemas.openxmlformats.org/presentationml/2006/main" xmlns:c="http://schemas.openxmlformats.org/drawingml/2006/chart" xmlns:dgm="http://schemas.openxmlformats.org/drawingml/2006/diagram" xmlns:o="urn:schemas-microsoft-com:office:office" xmlns:v="urn:schemas-microsoft-com:vml" xmlns:pvml="urn:schemas-microsoft-com:office:powerpoint" xmlns:com="http://schemas.openxmlformats.org/drawingml/2006/compatibility" xmlns:p14="http://schemas.microsoft.com/office/powerpoint/2010/main">
+  <p:cSld>
+    <p:spTree>
+      <p:nvGrpSpPr>
+        <p:cNvPr id="140" name="Shape 140"/>
+        <p:cNvGrpSpPr/>
+        <p:nvPr/>
+      </p:nvGrpSpPr>
+      <p:grpSpPr>
+        <a:xfrm>
+          <a:off x="0" y="0"/>
+          <a:ext cx="0" cy="0"/>
+          <a:chOff x="0" y="0"/>
+          <a:chExt cx="0" cy="0"/>
+        </a:xfrm>
+      </p:grpSpPr>
+      <p:sp>
+        <p:nvSpPr>
+          <p:cNvPr id="141" name="Shape 141"/>
+          <p:cNvSpPr txBox="1"/>
+          <p:nvPr>
+            <p:ph type="title"/>
+          </p:nvPr>
+        </p:nvSpPr>
+        <p:spPr>
+          <a:xfrm>
+            <a:off x="408375" y="237000"/>
+            <a:ext cx="4127400" cy="572699"/>
+          </a:xfrm>
+          <a:prstGeom prst="rect">
+            <a:avLst/>
+          </a:prstGeom>
+        </p:spPr>
+        <p:txBody>
+          <a:bodyPr anchorCtr="0" anchor="t" bIns="91425" lIns="91425" rIns="91425" tIns="91425">
+            <a:noAutofit/>
+          </a:bodyPr>
+          <a:lstStyle/>
+          <a:p>
+            <a:pPr lvl="0" rtl="0" algn="ctr">
+              <a:spcBef>
+                <a:spcPts val="0"/>
+              </a:spcBef>
+              <a:buNone/>
+            </a:pPr>
+            <a:r>
+              <a:rPr lang="en" sz="2400">
+                <a:latin typeface="Verdana"/>
+                <a:ea typeface="Verdana"/>
+                <a:cs typeface="Verdana"/>
+                <a:sym typeface="Verdana"/>
+              </a:rPr>
+              <a:t>Implementacija rešenja</a:t>
+            </a:r>
+          </a:p>
+        </p:txBody>
+      </p:sp>
+      <p:sp>
+        <p:nvSpPr>
+          <p:cNvPr id="142" name="Shape 142"/>
+          <p:cNvSpPr txBox="1"/>
+          <p:nvPr>
+            <p:ph idx="1" type="body"/>
+          </p:nvPr>
+        </p:nvSpPr>
+        <p:spPr>
+          <a:xfrm>
+            <a:off x="335850" y="1098300"/>
+            <a:ext cx="4127400" cy="456599"/>
+          </a:xfrm>
+          <a:prstGeom prst="rect">
+            <a:avLst/>
+          </a:prstGeom>
+        </p:spPr>
+        <p:txBody>
+          <a:bodyPr anchorCtr="0" anchor="t" bIns="91425" lIns="91425" rIns="91425" tIns="91425">
+            <a:noAutofit/>
+          </a:bodyPr>
+          <a:lstStyle/>
+          <a:p>
+            <a:pPr lvl="0" rtl="0">
+              <a:spcBef>
+                <a:spcPts val="0"/>
+              </a:spcBef>
+              <a:buNone/>
+            </a:pPr>
+            <a:r>
+              <a:rPr lang="en">
+                <a:latin typeface="Verdana"/>
+                <a:ea typeface="Verdana"/>
+                <a:cs typeface="Verdana"/>
+                <a:sym typeface="Verdana"/>
+              </a:rPr>
+              <a:t>6.   Eksportovanje u MIDI fajl</a:t>
+            </a:r>
+          </a:p>
+        </p:txBody>
+      </p:sp>
+      <p:sp>
+        <p:nvSpPr>
+          <p:cNvPr id="143" name="Shape 143"/>
+          <p:cNvSpPr txBox="1"/>
+          <p:nvPr/>
+        </p:nvSpPr>
+        <p:spPr>
+          <a:xfrm>
+            <a:off x="577475" y="1843500"/>
+            <a:ext cx="7680300" cy="2987400"/>
+          </a:xfrm>
+          <a:prstGeom prst="rect">
+            <a:avLst/>
+          </a:prstGeom>
+          <a:noFill/>
+          <a:ln>
+            <a:noFill/>
+          </a:ln>
+        </p:spPr>
+        <p:txBody>
+          <a:bodyPr anchorCtr="0" anchor="t" bIns="91425" lIns="91425" rIns="91425" tIns="91425">
+            <a:noAutofit/>
+          </a:bodyPr>
+          <a:lstStyle/>
+          <a:p>
+            <a:pPr indent="-304800" lvl="0" marL="457200" rtl="0">
+              <a:lnSpc>
+                <a:spcPct val="115000"/>
+              </a:lnSpc>
+              <a:spcBef>
+                <a:spcPts val="0"/>
+              </a:spcBef>
+              <a:spcAft>
+                <a:spcPts val="1600"/>
+              </a:spcAft>
+              <a:buClr>
+                <a:schemeClr val="accent3"/>
+              </a:buClr>
+              <a:buSzPct val="100000"/>
+              <a:buFont typeface="Courier New"/>
+              <a:buChar char="●"/>
+            </a:pPr>
+            <a:r>
+              <a:rPr lang="en" sz="1200">
+                <a:solidFill>
+                  <a:schemeClr val="accent3"/>
+                </a:solidFill>
+                <a:latin typeface="Verdana"/>
+                <a:ea typeface="Verdana"/>
+                <a:cs typeface="Verdana"/>
+                <a:sym typeface="Verdana"/>
+              </a:rPr>
+              <a:t>Imamo dužinu i visinu note</a:t>
+            </a:r>
+          </a:p>
+          <a:p>
+            <a:pPr lvl="0" rtl="0">
+              <a:lnSpc>
+                <a:spcPct val="121429"/>
+              </a:lnSpc>
+              <a:spcBef>
+                <a:spcPts val="0"/>
+              </a:spcBef>
+              <a:buNone/>
+            </a:pPr>
+            <a:r>
+              <a:rPr b="1" lang="en" sz="1050">
+                <a:solidFill>
+                  <a:srgbClr val="FF0000"/>
+                </a:solidFill>
+                <a:latin typeface="Courier New"/>
+                <a:ea typeface="Courier New"/>
+                <a:cs typeface="Courier New"/>
+                <a:sym typeface="Courier New"/>
+              </a:rPr>
+              <a:t>[(2, 52), (2, 52), (1, 52), (1, 60), (2, 59), ...</a:t>
+            </a:r>
+            <a:r>
+              <a:rPr lang="en" sz="1050">
+                <a:highlight>
+                  <a:srgbClr val="FFFFFF"/>
+                </a:highlight>
+              </a:rPr>
+              <a:t>]</a:t>
+            </a:r>
+          </a:p>
+          <a:p>
+            <a:pPr lvl="0" rtl="0">
+              <a:lnSpc>
+                <a:spcPct val="121429"/>
+              </a:lnSpc>
+              <a:spcBef>
+                <a:spcPts val="0"/>
+              </a:spcBef>
+              <a:buNone/>
+            </a:pPr>
+            <a:r>
+              <a:t/>
+            </a:r>
+            <a:endParaRPr b="1" sz="1050">
+              <a:solidFill>
+                <a:srgbClr val="FF0000"/>
+              </a:solidFill>
+              <a:latin typeface="Courier New"/>
+              <a:ea typeface="Courier New"/>
+              <a:cs typeface="Courier New"/>
+              <a:sym typeface="Courier New"/>
+            </a:endParaRPr>
+          </a:p>
+          <a:p>
+            <a:pPr indent="-304800" lvl="0" marL="457200" rtl="0">
+              <a:lnSpc>
+                <a:spcPct val="115000"/>
+              </a:lnSpc>
+              <a:spcBef>
+                <a:spcPts val="0"/>
+              </a:spcBef>
+              <a:spcAft>
+                <a:spcPts val="1600"/>
+              </a:spcAft>
+              <a:buClr>
+                <a:schemeClr val="accent3"/>
+              </a:buClr>
+              <a:buSzPct val="100000"/>
+              <a:buFont typeface="Verdana"/>
+              <a:buChar char="●"/>
+            </a:pPr>
+            <a:r>
+              <a:rPr lang="en" sz="1200">
+                <a:solidFill>
+                  <a:schemeClr val="accent3"/>
+                </a:solidFill>
+                <a:latin typeface="Verdana"/>
+                <a:ea typeface="Verdana"/>
+                <a:cs typeface="Verdana"/>
+                <a:sym typeface="Verdana"/>
+              </a:rPr>
+              <a:t>Sada možemo na osnovu toga napraviti muziku</a:t>
+            </a:r>
+          </a:p>
+          <a:p>
+            <a:pPr indent="-304800" lvl="0" marL="457200" rtl="0">
+              <a:lnSpc>
+                <a:spcPct val="115000"/>
+              </a:lnSpc>
+              <a:spcBef>
+                <a:spcPts val="0"/>
+              </a:spcBef>
+              <a:spcAft>
+                <a:spcPts val="1600"/>
+              </a:spcAft>
+              <a:buClr>
+                <a:schemeClr val="accent3"/>
+              </a:buClr>
+              <a:buSzPct val="100000"/>
+              <a:buFont typeface="Verdana"/>
+              <a:buChar char="●"/>
+            </a:pPr>
+            <a:r>
+              <a:rPr lang="en" sz="1200">
+                <a:solidFill>
+                  <a:schemeClr val="accent3"/>
+                </a:solidFill>
+                <a:latin typeface="Verdana"/>
+                <a:ea typeface="Verdana"/>
+                <a:cs typeface="Verdana"/>
+                <a:sym typeface="Verdana"/>
+              </a:rPr>
+              <a:t>Korišćena je biblioteka </a:t>
+            </a:r>
+            <a:r>
+              <a:rPr b="1" lang="en" sz="1200">
+                <a:solidFill>
+                  <a:schemeClr val="accent3"/>
+                </a:solidFill>
+                <a:latin typeface="Verdana"/>
+                <a:ea typeface="Verdana"/>
+                <a:cs typeface="Verdana"/>
+                <a:sym typeface="Verdana"/>
+              </a:rPr>
+              <a:t>MIDIUtil</a:t>
+            </a:r>
+          </a:p>
+          <a:p>
+            <a:pPr indent="-304800" lvl="1" marL="914400" rtl="0">
+              <a:lnSpc>
+                <a:spcPct val="115000"/>
+              </a:lnSpc>
+              <a:spcBef>
+                <a:spcPts val="0"/>
+              </a:spcBef>
+              <a:spcAft>
+                <a:spcPts val="1600"/>
+              </a:spcAft>
+              <a:buClr>
+                <a:schemeClr val="accent3"/>
+              </a:buClr>
+              <a:buSzPct val="100000"/>
+              <a:buFont typeface="Verdana"/>
+              <a:buChar char="○"/>
+            </a:pPr>
+            <a:r>
+              <a:rPr lang="en" sz="1200" u="sng">
+                <a:solidFill>
+                  <a:schemeClr val="hlink"/>
+                </a:solidFill>
+                <a:latin typeface="Verdana"/>
+                <a:ea typeface="Verdana"/>
+                <a:cs typeface="Verdana"/>
+                <a:sym typeface="Verdana"/>
+                <a:hlinkClick r:id="rId3"/>
+              </a:rPr>
+              <a:t>http://www.emergentmusics.org/midiutil</a:t>
+            </a:r>
+          </a:p>
+          <a:p>
+            <a:pPr indent="-304800" lvl="1" marL="914400" rtl="0">
+              <a:lnSpc>
+                <a:spcPct val="115000"/>
+              </a:lnSpc>
+              <a:spcBef>
+                <a:spcPts val="0"/>
+              </a:spcBef>
+              <a:spcAft>
+                <a:spcPts val="1600"/>
+              </a:spcAft>
+              <a:buClr>
+                <a:schemeClr val="accent3"/>
+              </a:buClr>
+              <a:buSzPct val="100000"/>
+              <a:buFont typeface="Verdana"/>
+              <a:buChar char="○"/>
+            </a:pPr>
+            <a:r>
+              <a:rPr lang="en" sz="1200">
+                <a:solidFill>
+                  <a:schemeClr val="accent3"/>
+                </a:solidFill>
+                <a:latin typeface="Verdana"/>
+                <a:ea typeface="Verdana"/>
+                <a:cs typeface="Verdana"/>
+                <a:sym typeface="Verdana"/>
+              </a:rPr>
+              <a:t>open source</a:t>
+            </a:r>
+          </a:p>
+          <a:p>
+            <a:pPr indent="-304800" lvl="1" marL="914400" rtl="0">
+              <a:lnSpc>
+                <a:spcPct val="115000"/>
+              </a:lnSpc>
+              <a:spcBef>
+                <a:spcPts val="0"/>
+              </a:spcBef>
+              <a:spcAft>
+                <a:spcPts val="1600"/>
+              </a:spcAft>
+              <a:buClr>
+                <a:schemeClr val="accent3"/>
+              </a:buClr>
+              <a:buSzPct val="100000"/>
+              <a:buFont typeface="Verdana"/>
+              <a:buChar char="○"/>
+            </a:pPr>
+            <a:r>
+              <a:rPr lang="en" sz="1200">
+                <a:solidFill>
+                  <a:schemeClr val="accent3"/>
+                </a:solidFill>
+                <a:latin typeface="Verdana"/>
+                <a:ea typeface="Verdana"/>
+                <a:cs typeface="Verdana"/>
+                <a:sym typeface="Verdana"/>
+              </a:rPr>
+              <a:t>lako kreiranje MIDI fajlova</a:t>
+            </a:r>
+          </a:p>
+          <a:p>
+            <a:pPr indent="-304800" lvl="0" marL="457200" rtl="0">
+              <a:lnSpc>
+                <a:spcPct val="115000"/>
+              </a:lnSpc>
+              <a:spcBef>
+                <a:spcPts val="0"/>
+              </a:spcBef>
+              <a:spcAft>
+                <a:spcPts val="1600"/>
+              </a:spcAft>
+              <a:buClr>
+                <a:schemeClr val="accent3"/>
+              </a:buClr>
+              <a:buSzPct val="100000"/>
+              <a:buFont typeface="Verdana"/>
+              <a:buChar char="●"/>
+            </a:pPr>
+            <a:r>
+              <a:rPr lang="en" sz="1200">
+                <a:solidFill>
+                  <a:schemeClr val="accent3"/>
+                </a:solidFill>
+                <a:latin typeface="Verdana"/>
+                <a:ea typeface="Verdana"/>
+                <a:cs typeface="Verdana"/>
+                <a:sym typeface="Verdana"/>
+              </a:rPr>
+              <a:t>rezultat je </a:t>
+            </a:r>
+            <a:r>
+              <a:rPr b="1" lang="en" sz="1200">
+                <a:solidFill>
+                  <a:schemeClr val="accent3"/>
+                </a:solidFill>
+                <a:latin typeface="Verdana"/>
+                <a:ea typeface="Verdana"/>
+                <a:cs typeface="Verdana"/>
+                <a:sym typeface="Verdana"/>
+              </a:rPr>
+              <a:t>MIDI fajl</a:t>
+            </a:r>
+            <a:r>
+              <a:rPr lang="en" sz="1200">
+                <a:solidFill>
+                  <a:schemeClr val="accent3"/>
+                </a:solidFill>
+                <a:latin typeface="Verdana"/>
+                <a:ea typeface="Verdana"/>
+                <a:cs typeface="Verdana"/>
+                <a:sym typeface="Verdana"/>
+              </a:rPr>
+              <a:t> koji možemo pustiti preko </a:t>
+            </a:r>
+            <a:r>
+              <a:rPr b="1" lang="en" sz="1200">
+                <a:solidFill>
+                  <a:schemeClr val="accent3"/>
+                </a:solidFill>
+                <a:latin typeface="Verdana"/>
+                <a:ea typeface="Verdana"/>
+                <a:cs typeface="Verdana"/>
+                <a:sym typeface="Verdana"/>
+              </a:rPr>
+              <a:t>VLC plejera</a:t>
+            </a:r>
+          </a:p>
+          <a:p>
+            <a:pPr indent="0" lvl="0" marL="0" rtl="0">
+              <a:lnSpc>
+                <a:spcPct val="115000"/>
+              </a:lnSpc>
+              <a:spcBef>
+                <a:spcPts val="0"/>
+              </a:spcBef>
+              <a:spcAft>
+                <a:spcPts val="1600"/>
+              </a:spcAft>
+              <a:buNone/>
+            </a:pPr>
+            <a:r>
+              <a:t/>
+            </a:r>
+            <a:endParaRPr b="1" sz="1200">
+              <a:solidFill>
+                <a:schemeClr val="accent3"/>
+              </a:solidFill>
+              <a:latin typeface="Verdana"/>
+              <a:ea typeface="Verdana"/>
+              <a:cs typeface="Verdana"/>
+              <a:sym typeface="Verdana"/>
+            </a:endParaRPr>
+          </a:p>
+          <a:p>
+            <a:pPr lvl="0" rtl="0">
+              <a:lnSpc>
+                <a:spcPct val="121429"/>
+              </a:lnSpc>
+              <a:spcBef>
+                <a:spcPts val="0"/>
+              </a:spcBef>
+              <a:buNone/>
+            </a:pPr>
+            <a:r>
+              <a:t/>
+            </a:r>
+            <a:endParaRPr sz="1050">
+              <a:highlight>
+                <a:srgbClr val="FFFFFF"/>
+              </a:highlight>
+            </a:endParaRPr>
+          </a:p>
+          <a:p>
+            <a:pPr lvl="0" rtl="0">
+              <a:lnSpc>
+                <a:spcPct val="115000"/>
+              </a:lnSpc>
+              <a:spcBef>
+                <a:spcPts val="0"/>
+              </a:spcBef>
+              <a:spcAft>
+                <a:spcPts val="1600"/>
+              </a:spcAft>
+              <a:buNone/>
+            </a:pPr>
+            <a:r>
+              <a:t/>
+            </a:r>
+            <a:endParaRPr i="1" sz="1200">
+              <a:solidFill>
+                <a:schemeClr val="accent3"/>
+              </a:solidFill>
+              <a:latin typeface="Verdana"/>
+              <a:ea typeface="Verdana"/>
+              <a:cs typeface="Verdana"/>
+              <a:sym typeface="Verdana"/>
+            </a:endParaRPr>
+          </a:p>
+        </p:txBody>
+      </p:sp>
+      <p:pic>
+        <p:nvPicPr>
+          <p:cNvPr id="144" name="Shape 144"/>
+          <p:cNvPicPr preferRelativeResize="0"/>
+          <p:nvPr/>
+        </p:nvPicPr>
+        <p:blipFill>
+          <a:blip r:embed="rId4">
+            <a:alphaModFix/>
+          </a:blip>
+          <a:stretch>
+            <a:fillRect/>
+          </a:stretch>
+        </p:blipFill>
+        <p:spPr>
+          <a:xfrm>
+            <a:off x="4964400" y="277274"/>
+            <a:ext cx="4020449" cy="2591625"/>
+          </a:xfrm>
+          <a:prstGeom prst="rect">
+            <a:avLst/>
+          </a:prstGeom>
+          <a:noFill/>
+          <a:ln>
+            <a:noFill/>
+          </a:ln>
+        </p:spPr>
+      </p:pic>
+    </p:spTree>
+  </p:cSld>
+  <p:clrMapOvr>
+    <a:masterClrMapping/>
+  </p:clrMapOvr>
+  <p:transition spd="slow">
+    <p:cut/>
+  </p:transition>
+</p:sld>
+</file>
+
+<file path=ppt/slides/slide12.xml><?xml version="1.0" encoding="utf-8"?>
+<p:sld xmlns:a="http://schemas.openxmlformats.org/drawingml/2006/main" xmlns:r="http://schemas.openxmlformats.org/officeDocument/2006/relationships" xmlns:mc="http://schemas.openxmlformats.org/markup-compatibility/2006" xmlns:mv="urn:schemas-microsoft-com:mac:vml" xmlns:p="http://schemas.openxmlformats.org/presentationml/2006/main" xmlns:c="http://schemas.openxmlformats.org/drawingml/2006/chart" xmlns:dgm="http://schemas.openxmlformats.org/drawingml/2006/diagram" xmlns:o="urn:schemas-microsoft-com:office:office" xmlns:v="urn:schemas-microsoft-com:vml" xmlns:pvml="urn:schemas-microsoft-com:office:powerpoint" xmlns:com="http://schemas.openxmlformats.org/drawingml/2006/compatibility" xmlns:p14="http://schemas.microsoft.com/office/powerpoint/2010/main">
+  <p:cSld>
+    <p:spTree>
+      <p:nvGrpSpPr>
+        <p:cNvPr id="148" name="Shape 148"/>
+        <p:cNvGrpSpPr/>
+        <p:nvPr/>
+      </p:nvGrpSpPr>
+      <p:grpSpPr>
+        <a:xfrm>
+          <a:off x="0" y="0"/>
+          <a:ext cx="0" cy="0"/>
+          <a:chOff x="0" y="0"/>
+          <a:chExt cx="0" cy="0"/>
+        </a:xfrm>
+      </p:grpSpPr>
+      <p:sp>
+        <p:nvSpPr>
+          <p:cNvPr id="149" name="Shape 149"/>
+          <p:cNvSpPr txBox="1"/>
+          <p:nvPr>
+            <p:ph type="title"/>
+          </p:nvPr>
+        </p:nvSpPr>
+        <p:spPr>
+          <a:xfrm>
+            <a:off x="311700" y="445025"/>
+            <a:ext cx="8520599" cy="572699"/>
+          </a:xfrm>
+          <a:prstGeom prst="rect">
+            <a:avLst/>
+          </a:prstGeom>
+        </p:spPr>
+        <p:txBody>
+          <a:bodyPr anchorCtr="0" anchor="t" bIns="91425" lIns="91425" rIns="91425" tIns="91425">
+            <a:noAutofit/>
+          </a:bodyPr>
+          <a:lstStyle/>
+          <a:p>
+            <a:pPr lvl="0" rtl="0" algn="ctr">
+              <a:spcBef>
+                <a:spcPts val="0"/>
+              </a:spcBef>
+              <a:buNone/>
+            </a:pPr>
+            <a:r>
+              <a:rPr lang="en">
+                <a:latin typeface="Verdana"/>
+                <a:ea typeface="Verdana"/>
+                <a:cs typeface="Verdana"/>
+                <a:sym typeface="Verdana"/>
+              </a:rPr>
+              <a:t>Zapažanja i poboljšanja</a:t>
+            </a:r>
+          </a:p>
+        </p:txBody>
+      </p:sp>
+      <p:sp>
+        <p:nvSpPr>
+          <p:cNvPr id="150" name="Shape 150"/>
+          <p:cNvSpPr txBox="1"/>
+          <p:nvPr>
+            <p:ph idx="1" type="body"/>
+          </p:nvPr>
+        </p:nvSpPr>
+        <p:spPr>
+          <a:xfrm>
+            <a:off x="311700" y="1152475"/>
+            <a:ext cx="8520599" cy="3416400"/>
+          </a:xfrm>
+          <a:prstGeom prst="rect">
+            <a:avLst/>
+          </a:prstGeom>
+        </p:spPr>
+        <p:txBody>
+          <a:bodyPr anchorCtr="0" anchor="t" bIns="91425" lIns="91425" rIns="91425" tIns="91425">
+            <a:noAutofit/>
+          </a:bodyPr>
+          <a:lstStyle/>
+          <a:p>
+            <a:pPr lvl="0" rtl="0">
+              <a:spcBef>
+                <a:spcPts val="0"/>
+              </a:spcBef>
+              <a:buNone/>
+            </a:pPr>
+            <a:r>
+              <a:rPr lang="en">
+                <a:latin typeface="Verdana"/>
+                <a:ea typeface="Verdana"/>
+                <a:cs typeface="Verdana"/>
+                <a:sym typeface="Verdana"/>
+              </a:rPr>
+              <a:t>Zapažanja:</a:t>
+            </a:r>
+          </a:p>
+          <a:p>
+            <a:pPr indent="-228600" lvl="0" marL="457200" rtl="0">
+              <a:spcBef>
+                <a:spcPts val="0"/>
+              </a:spcBef>
+              <a:buFont typeface="Verdana"/>
+            </a:pPr>
+            <a:r>
+              <a:rPr lang="en">
+                <a:latin typeface="Verdana"/>
+                <a:ea typeface="Verdana"/>
+                <a:cs typeface="Verdana"/>
+                <a:sym typeface="Verdana"/>
+              </a:rPr>
+              <a:t>Zvuk je zadovoljavajući, fali detalja</a:t>
+            </a:r>
+          </a:p>
+          <a:p>
+            <a:pPr indent="-228600" lvl="0" marL="457200" rtl="0">
+              <a:spcBef>
+                <a:spcPts val="0"/>
+              </a:spcBef>
+              <a:buFont typeface="Verdana"/>
+            </a:pPr>
+            <a:r>
+              <a:rPr lang="en">
+                <a:latin typeface="Verdana"/>
+                <a:ea typeface="Verdana"/>
+                <a:cs typeface="Verdana"/>
+                <a:sym typeface="Verdana"/>
+              </a:rPr>
+              <a:t>Radi sa jednostavnim notama</a:t>
+            </a:r>
+          </a:p>
+          <a:p>
+            <a:pPr indent="-228600" lvl="0" marL="457200" rtl="0">
+              <a:spcBef>
+                <a:spcPts val="0"/>
+              </a:spcBef>
+              <a:buFont typeface="Verdana"/>
+            </a:pPr>
+            <a:r>
+              <a:rPr lang="en">
+                <a:latin typeface="Verdana"/>
+                <a:ea typeface="Verdana"/>
+                <a:cs typeface="Verdana"/>
+                <a:sym typeface="Verdana"/>
+              </a:rPr>
+              <a:t>Relativno brz algoritam</a:t>
+            </a:r>
+          </a:p>
+          <a:p>
+            <a:pPr lvl="0" rtl="0">
+              <a:spcBef>
+                <a:spcPts val="0"/>
+              </a:spcBef>
+              <a:buNone/>
+            </a:pPr>
+            <a:r>
+              <a:rPr lang="en">
+                <a:latin typeface="Verdana"/>
+                <a:ea typeface="Verdana"/>
+                <a:cs typeface="Verdana"/>
+                <a:sym typeface="Verdana"/>
+              </a:rPr>
+              <a:t>Mesta za poboljšanje ima dosta</a:t>
+            </a:r>
+          </a:p>
+          <a:p>
+            <a:pPr indent="-228600" lvl="0" marL="457200" rtl="0">
+              <a:spcBef>
+                <a:spcPts val="0"/>
+              </a:spcBef>
+              <a:buFont typeface="Verdana"/>
+            </a:pPr>
+            <a:r>
+              <a:rPr lang="en">
+                <a:latin typeface="Verdana"/>
+                <a:ea typeface="Verdana"/>
+                <a:cs typeface="Verdana"/>
+                <a:sym typeface="Verdana"/>
+              </a:rPr>
+              <a:t>Metoda HoughLines nije baš najbolja</a:t>
+            </a:r>
+          </a:p>
+          <a:p>
+            <a:pPr indent="-228600" lvl="0" marL="457200" rtl="0">
+              <a:spcBef>
+                <a:spcPts val="0"/>
+              </a:spcBef>
+              <a:buFont typeface="Verdana"/>
+            </a:pPr>
+            <a:r>
+              <a:rPr lang="en">
+                <a:latin typeface="Verdana"/>
+                <a:ea typeface="Verdana"/>
+                <a:cs typeface="Verdana"/>
+                <a:sym typeface="Verdana"/>
+              </a:rPr>
+              <a:t>Uvođenje neuronske mreže i mogućnost prepoznavanja tempa i ostalih elemenata u muzičkom zapisu</a:t>
+            </a:r>
+          </a:p>
+          <a:p>
+            <a:pPr lvl="0" rtl="0" algn="r">
+              <a:spcBef>
+                <a:spcPts val="0"/>
+              </a:spcBef>
+              <a:buNone/>
+            </a:pPr>
+            <a:r>
+              <a:t/>
+            </a:r>
+            <a:endParaRPr>
+              <a:latin typeface="Verdana"/>
+              <a:ea typeface="Verdana"/>
+              <a:cs typeface="Verdana"/>
+              <a:sym typeface="Verdana"/>
+            </a:endParaRPr>
+          </a:p>
+        </p:txBody>
+      </p:sp>
+      <p:pic>
+        <p:nvPicPr>
+          <p:cNvPr id="151" name="Shape 151"/>
+          <p:cNvPicPr preferRelativeResize="0"/>
+          <p:nvPr/>
+        </p:nvPicPr>
+        <p:blipFill>
+          <a:blip r:embed="rId3">
+            <a:alphaModFix/>
+          </a:blip>
+          <a:stretch>
+            <a:fillRect/>
+          </a:stretch>
+        </p:blipFill>
+        <p:spPr>
+          <a:xfrm>
+            <a:off x="5496960" y="1200825"/>
+            <a:ext cx="3111715" cy="1991499"/>
+          </a:xfrm>
+          <a:prstGeom prst="rect">
+            <a:avLst/>
+          </a:prstGeom>
+          <a:noFill/>
+          <a:ln>
+            <a:noFill/>
+          </a:ln>
+        </p:spPr>
+      </p:pic>
+    </p:spTree>
+  </p:cSld>
+  <p:clrMapOvr>
+    <a:masterClrMapping/>
+  </p:clrMapOvr>
+  <p:transition spd="slow">
+    <p:cut/>
+  </p:transition>
+</p:sld>
+</file>
+
+<file path=ppt/slides/slide13.xml><?xml version="1.0" encoding="utf-8"?>
+<p:sld xmlns:a="http://schemas.openxmlformats.org/drawingml/2006/main" xmlns:r="http://schemas.openxmlformats.org/officeDocument/2006/relationships" xmlns:mc="http://schemas.openxmlformats.org/markup-compatibility/2006" xmlns:mv="urn:schemas-microsoft-com:mac:vml" xmlns:p="http://schemas.openxmlformats.org/presentationml/2006/main" xmlns:c="http://schemas.openxmlformats.org/drawingml/2006/chart" xmlns:dgm="http://schemas.openxmlformats.org/drawingml/2006/diagram" xmlns:o="urn:schemas-microsoft-com:office:office" xmlns:v="urn:schemas-microsoft-com:vml" xmlns:pvml="urn:schemas-microsoft-com:office:powerpoint" xmlns:com="http://schemas.openxmlformats.org/drawingml/2006/compatibility" xmlns:p14="http://schemas.microsoft.com/office/powerpoint/2010/main">
+  <p:cSld>
+    <p:bg>
+      <p:bgPr>
+        <a:noFill/>
+      </p:bgPr>
+    </p:bg>
+    <p:spTree>
+      <p:nvGrpSpPr>
+        <p:cNvPr id="155" name="Shape 155"/>
+        <p:cNvGrpSpPr/>
+        <p:nvPr/>
+      </p:nvGrpSpPr>
+      <p:grpSpPr>
+        <a:xfrm>
+          <a:off x="0" y="0"/>
+          <a:ext cx="0" cy="0"/>
+          <a:chOff x="0" y="0"/>
+          <a:chExt cx="0" cy="0"/>
+        </a:xfrm>
+      </p:grpSpPr>
+      <p:sp>
+        <p:nvSpPr>
+          <p:cNvPr id="156" name="Shape 156"/>
+          <p:cNvSpPr txBox="1"/>
+          <p:nvPr>
+            <p:ph type="ctrTitle"/>
+          </p:nvPr>
+        </p:nvSpPr>
+        <p:spPr>
+          <a:xfrm>
+            <a:off x="671257" y="990800"/>
+            <a:ext cx="7801500" cy="1730099"/>
+          </a:xfrm>
+          <a:prstGeom prst="rect">
+            <a:avLst/>
+          </a:prstGeom>
+        </p:spPr>
+        <p:txBody>
+          <a:bodyPr anchorCtr="0" anchor="b" bIns="91425" lIns="91425" rIns="91425" tIns="91425">
+            <a:noAutofit/>
+          </a:bodyPr>
+          <a:lstStyle/>
+          <a:p>
+            <a:pPr lvl="0" rtl="0">
+              <a:spcBef>
+                <a:spcPts val="0"/>
+              </a:spcBef>
+              <a:buNone/>
+            </a:pPr>
+            <a:r>
+              <a:rPr lang="en">
+                <a:solidFill>
+                  <a:srgbClr val="000000"/>
+                </a:solidFill>
+                <a:latin typeface="Verdana"/>
+                <a:ea typeface="Verdana"/>
+                <a:cs typeface="Verdana"/>
+                <a:sym typeface="Verdana"/>
+              </a:rPr>
+              <a:t>Kraj</a:t>
+            </a:r>
+          </a:p>
+          <a:p>
+            <a:pPr lvl="0" rtl="0">
+              <a:spcBef>
+                <a:spcPts val="0"/>
+              </a:spcBef>
+              <a:buNone/>
+            </a:pPr>
+            <a:r>
+              <a:rPr lang="en" sz="2400">
+                <a:solidFill>
+                  <a:srgbClr val="000000"/>
+                </a:solidFill>
+                <a:latin typeface="Verdana"/>
+                <a:ea typeface="Verdana"/>
+                <a:cs typeface="Verdana"/>
+                <a:sym typeface="Verdana"/>
+              </a:rPr>
+              <a:t>Hvala na pažnji</a:t>
+            </a:r>
+          </a:p>
+        </p:txBody>
+      </p:sp>
+      <p:pic>
+        <p:nvPicPr>
+          <p:cNvPr id="157" name="Shape 157"/>
+          <p:cNvPicPr preferRelativeResize="0"/>
+          <p:nvPr/>
+        </p:nvPicPr>
+        <p:blipFill>
+          <a:blip r:embed="rId3">
+            <a:alphaModFix/>
+          </a:blip>
+          <a:stretch>
+            <a:fillRect/>
+          </a:stretch>
+        </p:blipFill>
+        <p:spPr>
+          <a:xfrm>
+            <a:off x="435674" y="329825"/>
+            <a:ext cx="1535350" cy="1535350"/>
+          </a:xfrm>
+          <a:prstGeom prst="rect">
+            <a:avLst/>
+          </a:prstGeom>
+          <a:noFill/>
+          <a:ln>
+            <a:noFill/>
+          </a:ln>
+        </p:spPr>
+      </p:pic>
+      <p:sp>
+        <p:nvSpPr>
+          <p:cNvPr id="158" name="Shape 158"/>
+          <p:cNvSpPr txBox="1"/>
+          <p:nvPr>
+            <p:ph idx="1" type="subTitle"/>
+          </p:nvPr>
+        </p:nvSpPr>
+        <p:spPr>
+          <a:xfrm>
+            <a:off x="5156100" y="4689275"/>
+            <a:ext cx="4076699" cy="724500"/>
+          </a:xfrm>
+          <a:prstGeom prst="rect">
+            <a:avLst/>
+          </a:prstGeom>
+        </p:spPr>
+        <p:txBody>
+          <a:bodyPr anchorCtr="0" anchor="t" bIns="91425" lIns="91425" rIns="91425" tIns="91425">
+            <a:noAutofit/>
+          </a:bodyPr>
+          <a:lstStyle/>
+          <a:p>
+            <a:pPr lvl="0" rtl="0">
+              <a:spcBef>
+                <a:spcPts val="0"/>
+              </a:spcBef>
+              <a:buNone/>
+            </a:pPr>
+            <a:r>
+              <a:rPr lang="en">
+                <a:solidFill>
+                  <a:srgbClr val="000000"/>
+                </a:solidFill>
+                <a:latin typeface="Verdana"/>
+                <a:ea typeface="Verdana"/>
+                <a:cs typeface="Verdana"/>
+                <a:sym typeface="Verdana"/>
+              </a:rPr>
+              <a:t>Profesor: Đorđe Obradović</a:t>
+            </a:r>
+          </a:p>
+        </p:txBody>
+      </p:sp>
+      <p:sp>
+        <p:nvSpPr>
+          <p:cNvPr id="159" name="Shape 159"/>
+          <p:cNvSpPr txBox="1"/>
+          <p:nvPr>
+            <p:ph idx="1" type="subTitle"/>
+          </p:nvPr>
+        </p:nvSpPr>
+        <p:spPr>
+          <a:xfrm>
+            <a:off x="-273925" y="4689275"/>
+            <a:ext cx="4076699" cy="724500"/>
+          </a:xfrm>
+          <a:prstGeom prst="rect">
+            <a:avLst/>
+          </a:prstGeom>
+        </p:spPr>
+        <p:txBody>
+          <a:bodyPr anchorCtr="0" anchor="t" bIns="91425" lIns="91425" rIns="91425" tIns="91425">
+            <a:noAutofit/>
+          </a:bodyPr>
+          <a:lstStyle/>
+          <a:p>
+            <a:pPr lvl="0" rtl="0">
+              <a:spcBef>
+                <a:spcPts val="0"/>
+              </a:spcBef>
+              <a:buNone/>
+            </a:pPr>
+            <a:r>
+              <a:rPr lang="en">
+                <a:solidFill>
+                  <a:srgbClr val="000000"/>
+                </a:solidFill>
+                <a:latin typeface="Verdana"/>
+                <a:ea typeface="Verdana"/>
+                <a:cs typeface="Verdana"/>
+                <a:sym typeface="Verdana"/>
+              </a:rPr>
+              <a:t>Asistent: Miroslav Kondić</a:t>
+            </a:r>
+          </a:p>
+        </p:txBody>
+      </p:sp>
+      <p:sp>
+        <p:nvSpPr>
+          <p:cNvPr id="160" name="Shape 160"/>
+          <p:cNvSpPr txBox="1"/>
+          <p:nvPr>
+            <p:ph idx="1" type="subTitle"/>
+          </p:nvPr>
+        </p:nvSpPr>
+        <p:spPr>
+          <a:xfrm>
+            <a:off x="671250" y="3174875"/>
+            <a:ext cx="7801500" cy="792600"/>
+          </a:xfrm>
+          <a:prstGeom prst="rect">
+            <a:avLst/>
+          </a:prstGeom>
+        </p:spPr>
+        <p:txBody>
+          <a:bodyPr anchorCtr="0" anchor="t" bIns="91425" lIns="91425" rIns="91425" tIns="91425">
+            <a:noAutofit/>
+          </a:bodyPr>
+          <a:lstStyle/>
+          <a:p>
+            <a:pPr lvl="0" rtl="0">
+              <a:spcBef>
+                <a:spcPts val="0"/>
+              </a:spcBef>
+              <a:buNone/>
+            </a:pPr>
+            <a:r>
+              <a:rPr lang="en">
+                <a:solidFill>
+                  <a:srgbClr val="000000"/>
+                </a:solidFill>
+                <a:latin typeface="Verdana"/>
+                <a:ea typeface="Verdana"/>
+                <a:cs typeface="Verdana"/>
+                <a:sym typeface="Verdana"/>
+              </a:rPr>
+              <a:t>Soft computing projekat, 2015/2016</a:t>
+            </a:r>
+          </a:p>
+          <a:p>
+            <a:pPr lvl="0" rtl="0">
+              <a:spcBef>
+                <a:spcPts val="0"/>
+              </a:spcBef>
+              <a:buNone/>
+            </a:pPr>
+            <a:r>
+              <a:rPr lang="en">
+                <a:solidFill>
+                  <a:srgbClr val="0000FF"/>
+                </a:solidFill>
+                <a:latin typeface="Verdana"/>
+                <a:ea typeface="Verdana"/>
+                <a:cs typeface="Verdana"/>
+                <a:sym typeface="Verdana"/>
+              </a:rPr>
+              <a:t>Fakultet tehničkih nauka, Novi Sad</a:t>
+            </a:r>
+          </a:p>
+          <a:p>
+            <a:pPr lvl="0" rtl="0">
+              <a:spcBef>
+                <a:spcPts val="0"/>
+              </a:spcBef>
+              <a:buNone/>
+            </a:pPr>
+            <a:r>
+              <a:rPr lang="en">
+                <a:solidFill>
+                  <a:srgbClr val="000000"/>
+                </a:solidFill>
+                <a:latin typeface="Verdana"/>
+                <a:ea typeface="Verdana"/>
+                <a:cs typeface="Verdana"/>
+                <a:sym typeface="Verdana"/>
+              </a:rPr>
               <a:t>Nikola Đuza RA6-2012</a:t>
             </a:r>
           </a:p>
@@ -5043,7 +7245,7 @@
   <p:cSld>
     <p:spTree>
       <p:nvGrpSpPr>
-        <p:cNvPr id="64" name="Shape 64"/>
+        <p:cNvPr id="67" name="Shape 67"/>
         <p:cNvGrpSpPr/>
         <p:nvPr/>
       </p:nvGrpSpPr>
@@ -5057,7 +7259,7 @@
       </p:grpSpPr>
       <p:sp>
         <p:nvSpPr>
-          <p:cNvPr id="65" name="Shape 65"/>
+          <p:cNvPr id="68" name="Shape 68"/>
           <p:cNvSpPr txBox="1"/>
           <p:nvPr>
             <p:ph type="title"/>
@@ -5065,7 +7267,7 @@
         </p:nvSpPr>
         <p:spPr>
           <a:xfrm>
-            <a:off x="311700" y="445025"/>
+            <a:off x="311700" y="477375"/>
             <a:ext cx="8520599" cy="572699"/>
           </a:xfrm>
           <a:prstGeom prst="rect">
@@ -5085,15 +7287,20 @@
               <a:buNone/>
             </a:pPr>
             <a:r>
-              <a:rPr lang="en"/>
-              <a:t>Ideja</a:t>
+              <a:rPr lang="en">
+                <a:latin typeface="Verdana"/>
+                <a:ea typeface="Verdana"/>
+                <a:cs typeface="Verdana"/>
+                <a:sym typeface="Verdana"/>
+              </a:rPr>
+              <a:t>Note</a:t>
             </a:r>
           </a:p>
         </p:txBody>
       </p:sp>
       <p:sp>
         <p:nvSpPr>
-          <p:cNvPr id="66" name="Shape 66"/>
+          <p:cNvPr id="69" name="Shape 69"/>
           <p:cNvSpPr txBox="1"/>
           <p:nvPr>
             <p:ph idx="1" type="body"/>
@@ -5118,10 +7325,16 @@
               <a:spcBef>
                 <a:spcPts val="0"/>
               </a:spcBef>
-            </a:pPr>
-            <a:r>
-              <a:rPr lang="en"/>
-              <a:t>Ulaz - slika nota</a:t>
+              <a:buFont typeface="Verdana"/>
+            </a:pPr>
+            <a:r>
+              <a:rPr lang="en">
+                <a:latin typeface="Verdana"/>
+                <a:ea typeface="Verdana"/>
+                <a:cs typeface="Verdana"/>
+                <a:sym typeface="Verdana"/>
+              </a:rPr>
+              <a:t>Muzika je umetnost stvaranja uređenih odnosa između tonova. Muzika ima tri osnovna elementa: melodiju, ritam i harmoniju.</a:t>
             </a:r>
           </a:p>
           <a:p>
@@ -5129,11 +7342,17 @@
               <a:spcBef>
                 <a:spcPts val="0"/>
               </a:spcBef>
+              <a:buFont typeface="Verdana"/>
             </a:pPr>
             <a:r>
               <a:t/>
             </a:r>
-            <a:endParaRPr/>
+            <a:endParaRPr>
+              <a:latin typeface="Verdana"/>
+              <a:ea typeface="Verdana"/>
+              <a:cs typeface="Verdana"/>
+              <a:sym typeface="Verdana"/>
+            </a:endParaRPr>
           </a:p>
           <a:p>
             <a:pPr lvl="0" rtl="0">
@@ -5145,7 +7364,12 @@
             <a:r>
               <a:t/>
             </a:r>
-            <a:endParaRPr/>
+            <a:endParaRPr>
+              <a:latin typeface="Verdana"/>
+              <a:ea typeface="Verdana"/>
+              <a:cs typeface="Verdana"/>
+              <a:sym typeface="Verdana"/>
+            </a:endParaRPr>
           </a:p>
           <a:p>
             <a:pPr lvl="0" rtl="0">
@@ -5157,7 +7381,12 @@
             <a:r>
               <a:t/>
             </a:r>
-            <a:endParaRPr/>
+            <a:endParaRPr>
+              <a:latin typeface="Verdana"/>
+              <a:ea typeface="Verdana"/>
+              <a:cs typeface="Verdana"/>
+              <a:sym typeface="Verdana"/>
+            </a:endParaRPr>
           </a:p>
           <a:p>
             <a:pPr lvl="0" rtl="0">
@@ -5169,17 +7398,45 @@
             <a:r>
               <a:t/>
             </a:r>
-            <a:endParaRPr/>
+            <a:endParaRPr>
+              <a:latin typeface="Verdana"/>
+              <a:ea typeface="Verdana"/>
+              <a:cs typeface="Verdana"/>
+              <a:sym typeface="Verdana"/>
+            </a:endParaRPr>
           </a:p>
           <a:p>
             <a:pPr indent="-228600" lvl="0" marL="457200" rtl="0">
               <a:spcBef>
                 <a:spcPts val="0"/>
               </a:spcBef>
-            </a:pPr>
-            <a:r>
-              <a:rPr lang="en"/>
-              <a:t>Izlaz - svirani tonovi u skladu sa notama</a:t>
+              <a:buFont typeface="Verdana"/>
+            </a:pPr>
+            <a:r>
+              <a:rPr lang="en">
+                <a:latin typeface="Verdana"/>
+                <a:ea typeface="Verdana"/>
+                <a:cs typeface="Verdana"/>
+                <a:sym typeface="Verdana"/>
+              </a:rPr>
+              <a:t>Note su zapis muzike na papir, </a:t>
+            </a:r>
+          </a:p>
+          <a:p>
+            <a:pPr indent="-228600" lvl="0" marL="457200" rtl="0">
+              <a:spcBef>
+                <a:spcPts val="0"/>
+              </a:spcBef>
+              <a:buFont typeface="Verdana"/>
+            </a:pPr>
+            <a:r>
+              <a:rPr lang="en">
+                <a:latin typeface="Verdana"/>
+                <a:ea typeface="Verdana"/>
+                <a:cs typeface="Verdana"/>
+                <a:sym typeface="Verdana"/>
+              </a:rPr>
+              <a:t>crta se sa 5 crta gde pozicija note u odnosu na sistem označava njenu visinu, a grafički izgled trajanje note</a:t>
             </a:r>
           </a:p>
           <a:p>
@@ -5192,13 +7449,18 @@
             <a:r>
               <a:t/>
             </a:r>
-            <a:endParaRPr/>
+            <a:endParaRPr>
+              <a:latin typeface="Verdana"/>
+              <a:ea typeface="Verdana"/>
+              <a:cs typeface="Verdana"/>
+              <a:sym typeface="Verdana"/>
+            </a:endParaRPr>
           </a:p>
         </p:txBody>
       </p:sp>
       <p:pic>
         <p:nvPicPr>
-          <p:cNvPr id="67" name="Shape 67"/>
+          <p:cNvPr id="70" name="Shape 70"/>
           <p:cNvPicPr preferRelativeResize="0"/>
           <p:nvPr/>
         </p:nvPicPr>
@@ -5212,7 +7474,7 @@
         </p:blipFill>
         <p:spPr>
           <a:xfrm>
-            <a:off x="1255587" y="1660512"/>
+            <a:off x="1449862" y="1962475"/>
             <a:ext cx="6010275" cy="1666875"/>
           </a:xfrm>
           <a:prstGeom prst="rect">
@@ -5240,7 +7502,7 @@
   <p:cSld>
     <p:spTree>
       <p:nvGrpSpPr>
-        <p:cNvPr id="71" name="Shape 71"/>
+        <p:cNvPr id="74" name="Shape 74"/>
         <p:cNvGrpSpPr/>
         <p:nvPr/>
       </p:nvGrpSpPr>
@@ -5254,7 +7516,7 @@
       </p:grpSpPr>
       <p:sp>
         <p:nvSpPr>
-          <p:cNvPr id="72" name="Shape 72"/>
+          <p:cNvPr id="75" name="Shape 75"/>
           <p:cNvSpPr txBox="1"/>
           <p:nvPr>
             <p:ph type="title"/>
@@ -5282,15 +7544,20 @@
               <a:buNone/>
             </a:pPr>
             <a:r>
-              <a:rPr lang="en"/>
-              <a:t>Plan</a:t>
+              <a:rPr lang="en">
+                <a:latin typeface="Verdana"/>
+                <a:ea typeface="Verdana"/>
+                <a:cs typeface="Verdana"/>
+                <a:sym typeface="Verdana"/>
+              </a:rPr>
+              <a:t>Motivacija</a:t>
             </a:r>
           </a:p>
         </p:txBody>
       </p:sp>
       <p:sp>
         <p:nvSpPr>
-          <p:cNvPr id="73" name="Shape 73"/>
+          <p:cNvPr id="76" name="Shape 76"/>
           <p:cNvSpPr txBox="1"/>
           <p:nvPr>
             <p:ph idx="1" type="body"/>
@@ -5298,7 +7565,7 @@
         </p:nvSpPr>
         <p:spPr>
           <a:xfrm>
-            <a:off x="311700" y="1152475"/>
+            <a:off x="311700" y="1017725"/>
             <a:ext cx="8520599" cy="3416400"/>
           </a:xfrm>
           <a:prstGeom prst="rect">
@@ -5311,82 +7578,61 @@
           </a:bodyPr>
           <a:lstStyle/>
           <a:p>
+            <a:pPr lvl="0" rtl="0">
+              <a:spcBef>
+                <a:spcPts val="0"/>
+              </a:spcBef>
+              <a:buNone/>
+            </a:pPr>
+            <a:r>
+              <a:t/>
+            </a:r>
+            <a:endParaRPr>
+              <a:latin typeface="Verdana"/>
+              <a:ea typeface="Verdana"/>
+              <a:cs typeface="Verdana"/>
+              <a:sym typeface="Verdana"/>
+            </a:endParaRPr>
+          </a:p>
+          <a:p>
             <a:pPr indent="-228600" lvl="0" marL="457200" rtl="0">
               <a:spcBef>
                 <a:spcPts val="0"/>
               </a:spcBef>
-              <a:buAutoNum type="arabicPeriod"/>
-            </a:pPr>
-            <a:r>
-              <a:rPr lang="en"/>
-              <a:t>Selektovanje nota i ostalih notacija</a:t>
-            </a:r>
-          </a:p>
-          <a:p>
-            <a:pPr lvl="0" rtl="0">
-              <a:spcBef>
-                <a:spcPts val="0"/>
-              </a:spcBef>
-              <a:buNone/>
-            </a:pPr>
-            <a:r>
-              <a:t/>
-            </a:r>
-            <a:endParaRPr/>
-          </a:p>
-          <a:p>
-            <a:pPr lvl="0" rtl="0">
-              <a:spcBef>
-                <a:spcPts val="0"/>
-              </a:spcBef>
-              <a:buNone/>
-            </a:pPr>
-            <a:r>
-              <a:t/>
-            </a:r>
-            <a:endParaRPr/>
-          </a:p>
-          <a:p>
-            <a:pPr lvl="0" rtl="0">
-              <a:spcBef>
-                <a:spcPts val="0"/>
-              </a:spcBef>
-              <a:buNone/>
-            </a:pPr>
-            <a:r>
-              <a:t/>
-            </a:r>
-            <a:endParaRPr/>
-          </a:p>
-          <a:p>
-            <a:pPr lvl="0" rtl="0">
-              <a:spcBef>
-                <a:spcPts val="0"/>
-              </a:spcBef>
-              <a:buNone/>
-            </a:pPr>
-            <a:r>
-              <a:t/>
-            </a:r>
-            <a:endParaRPr/>
-          </a:p>
-          <a:p>
-            <a:pPr lvl="0">
-              <a:spcBef>
-                <a:spcPts val="0"/>
-              </a:spcBef>
-              <a:buNone/>
-            </a:pPr>
-            <a:r>
-              <a:rPr lang="en"/>
-              <a:t> 2.    Prepoznavanje selektovane notacije na osnovu obučene neuronske mreže</a:t>
+              <a:buFont typeface="Verdana"/>
+            </a:pPr>
+            <a:r>
+              <a:rPr lang="en">
+                <a:latin typeface="Verdana"/>
+                <a:ea typeface="Verdana"/>
+                <a:cs typeface="Verdana"/>
+                <a:sym typeface="Verdana"/>
+              </a:rPr>
+              <a:t>Obučavanje računara da konvertuje zapis na “papiru” u zvuk</a:t>
+            </a:r>
+          </a:p>
+          <a:p>
+            <a:pPr indent="-228600" lvl="0" marL="457200" rtl="0">
+              <a:spcBef>
+                <a:spcPts val="0"/>
+              </a:spcBef>
+              <a:buFont typeface="Verdana"/>
+            </a:pPr>
+            <a:r>
+              <a:rPr lang="en">
+                <a:latin typeface="Verdana"/>
+                <a:ea typeface="Verdana"/>
+                <a:cs typeface="Verdana"/>
+                <a:sym typeface="Verdana"/>
+              </a:rPr>
+              <a:t>Ispitivanje prednosti i mogućnosti računara u prepoznavanju nota i reprodukciji zvuka</a:t>
             </a:r>
           </a:p>
         </p:txBody>
       </p:sp>
       <p:pic>
         <p:nvPicPr>
-          <p:cNvPr id="74" name="Shape 74"/>
+          <p:cNvPr id="77" name="Shape 77"/>
           <p:cNvPicPr preferRelativeResize="0"/>
           <p:nvPr/>
         </p:nvPicPr>
@@ -5400,36 +7646,8 @@
         </p:blipFill>
         <p:spPr>
           <a:xfrm>
-            <a:off x="843848" y="1616798"/>
+            <a:off x="2428873" y="2875273"/>
             <a:ext cx="4286250" cy="1991508"/>
-          </a:xfrm>
-          <a:prstGeom prst="rect">
-            <a:avLst/>
-          </a:prstGeom>
-          <a:noFill/>
-          <a:ln>
-            <a:noFill/>
-          </a:ln>
-        </p:spPr>
-      </p:pic>
-      <p:pic>
-        <p:nvPicPr>
-          <p:cNvPr id="75" name="Shape 75"/>
-          <p:cNvPicPr preferRelativeResize="0"/>
-          <p:nvPr/>
-        </p:nvPicPr>
-        <p:blipFill>
-          <a:blip r:embed="rId4">
-            <a:alphaModFix/>
-          </a:blip>
-          <a:stretch>
-            <a:fillRect/>
-          </a:stretch>
-        </p:blipFill>
-        <p:spPr>
-          <a:xfrm>
-            <a:off x="5448585" y="1616800"/>
-            <a:ext cx="3111715" cy="1991499"/>
           </a:xfrm>
           <a:prstGeom prst="rect">
             <a:avLst/>
@@ -5456,7 +7674,7 @@
   <p:cSld>
     <p:spTree>
       <p:nvGrpSpPr>
-        <p:cNvPr id="79" name="Shape 79"/>
+        <p:cNvPr id="81" name="Shape 81"/>
         <p:cNvGrpSpPr/>
         <p:nvPr/>
       </p:nvGrpSpPr>
@@ -5470,7 +7688,7 @@
       </p:grpSpPr>
       <p:sp>
         <p:nvSpPr>
-          <p:cNvPr id="80" name="Shape 80"/>
+          <p:cNvPr id="82" name="Shape 82"/>
           <p:cNvSpPr txBox="1"/>
           <p:nvPr>
             <p:ph type="title"/>
@@ -5498,15 +7716,20 @@
               <a:buNone/>
             </a:pPr>
             <a:r>
-              <a:rPr lang="en"/>
-              <a:t>Plan</a:t>
+              <a:rPr lang="en">
+                <a:latin typeface="Verdana"/>
+                <a:ea typeface="Verdana"/>
+                <a:cs typeface="Verdana"/>
+                <a:sym typeface="Verdana"/>
+              </a:rPr>
+              <a:t>Postojeća rešenja</a:t>
             </a:r>
           </a:p>
         </p:txBody>
       </p:sp>
       <p:sp>
         <p:nvSpPr>
-          <p:cNvPr id="81" name="Shape 81"/>
+          <p:cNvPr id="83" name="Shape 83"/>
           <p:cNvSpPr txBox="1"/>
           <p:nvPr>
             <p:ph idx="1" type="body"/>
@@ -5527,27 +7750,29 @@
           </a:bodyPr>
           <a:lstStyle/>
           <a:p>
-            <a:pPr lvl="0" rtl="0">
-              <a:spcBef>
-                <a:spcPts val="0"/>
-              </a:spcBef>
-              <a:buNone/>
-            </a:pPr>
-            <a:r>
-              <a:rPr lang="en"/>
-              <a:t> 3.    Reprodukcija prepoznatih nota</a:t>
-            </a:r>
-          </a:p>
-          <a:p>
             <a:pPr indent="-228600" lvl="0" marL="914400" rtl="0">
               <a:spcBef>
                 <a:spcPts val="0"/>
               </a:spcBef>
-              <a:buChar char="●"/>
-            </a:pPr>
-            <a:r>
-              <a:rPr lang="en"/>
-              <a:t>Pomoću već napisanih biblioteka za reprodukciju zvuka u Pyhton-u</a:t>
+              <a:buFont typeface="Verdana"/>
+            </a:pPr>
+            <a:r>
+              <a:rPr b="1" lang="en">
+                <a:latin typeface="Verdana"/>
+                <a:ea typeface="Verdana"/>
+                <a:cs typeface="Verdana"/>
+                <a:sym typeface="Verdana"/>
+              </a:rPr>
+              <a:t>OMR</a:t>
+            </a:r>
+            <a:r>
+              <a:rPr lang="en">
+                <a:latin typeface="Verdana"/>
+                <a:ea typeface="Verdana"/>
+                <a:cs typeface="Verdana"/>
+                <a:sym typeface="Verdana"/>
+              </a:rPr>
+              <a:t> (Optical Music Recognition)</a:t>
             </a:r>
           </a:p>
           <a:p>
@@ -5555,28 +7780,76 @@
               <a:spcBef>
                 <a:spcPts val="0"/>
               </a:spcBef>
-              <a:buChar char="●"/>
-            </a:pPr>
-            <a:r>
-              <a:rPr lang="en" u="sng">
-                <a:solidFill>
-                  <a:schemeClr val="hlink"/>
-                </a:solidFill>
-                <a:hlinkClick r:id="rId3"/>
-              </a:rPr>
-              <a:t>https://wiki.python.org/moin/PythonInMusic</a:t>
-            </a:r>
-          </a:p>
-          <a:p>
-            <a:pPr lvl="0" rtl="0">
-              <a:spcBef>
-                <a:spcPts val="0"/>
-              </a:spcBef>
-              <a:buNone/>
-            </a:pPr>
-            <a:r>
-              <a:rPr lang="en"/>
-              <a:t> 4.    Mogućnost reprodukcije zvuka u različitim tonalitetima</a:t>
+              <a:buFont typeface="Verdana"/>
+            </a:pPr>
+            <a:r>
+              <a:rPr b="1" lang="en">
+                <a:latin typeface="Verdana"/>
+                <a:ea typeface="Verdana"/>
+                <a:cs typeface="Verdana"/>
+                <a:sym typeface="Verdana"/>
+              </a:rPr>
+              <a:t>Audiveris</a:t>
+            </a:r>
+            <a:r>
+              <a:rPr lang="en">
+                <a:latin typeface="Verdana"/>
+                <a:ea typeface="Verdana"/>
+                <a:cs typeface="Verdana"/>
+                <a:sym typeface="Verdana"/>
+              </a:rPr>
+              <a:t> - open source softver koji kao ulaz prima PDF, JPG, PNG, TIFF, BMP sliku i konvertuje je u MusicXML fajl koji se može koristiti za reprodukciju.</a:t>
+            </a:r>
+          </a:p>
+          <a:p>
+            <a:pPr indent="-228600" lvl="1" marL="1371600" rtl="0">
+              <a:spcBef>
+                <a:spcPts val="0"/>
+              </a:spcBef>
+              <a:buFont typeface="Verdana"/>
+            </a:pPr>
+            <a:r>
+              <a:rPr lang="en">
+                <a:latin typeface="Verdana"/>
+                <a:ea typeface="Verdana"/>
+                <a:cs typeface="Verdana"/>
+                <a:sym typeface="Verdana"/>
+              </a:rPr>
+              <a:t>Prima samo digitalnu verziju nota (ne prepoznaje ručno pisane note)</a:t>
+            </a:r>
+          </a:p>
+          <a:p>
+            <a:pPr indent="-228600" lvl="1" marL="1371600" rtl="0">
+              <a:spcBef>
+                <a:spcPts val="0"/>
+              </a:spcBef>
+              <a:buFont typeface="Verdana"/>
+            </a:pPr>
+            <a:r>
+              <a:rPr lang="en">
+                <a:latin typeface="Verdana"/>
+                <a:ea typeface="Verdana"/>
+                <a:cs typeface="Verdana"/>
+                <a:sym typeface="Verdana"/>
+              </a:rPr>
+              <a:t>Radi na Linuxu i Windowsu</a:t>
+            </a:r>
+          </a:p>
+          <a:p>
+            <a:pPr indent="-228600" lvl="1" marL="1371600" rtl="0">
+              <a:spcBef>
+                <a:spcPts val="0"/>
+              </a:spcBef>
+              <a:buFont typeface="Verdana"/>
+            </a:pPr>
+            <a:r>
+              <a:rPr lang="en">
+                <a:latin typeface="Verdana"/>
+                <a:ea typeface="Verdana"/>
+                <a:cs typeface="Verdana"/>
+                <a:sym typeface="Verdana"/>
+              </a:rPr>
+              <a:t>https://audiveris.kenai.com/</a:t>
             </a:r>
           </a:p>
           <a:p>
@@ -5584,21 +7857,76 @@
               <a:spcBef>
                 <a:spcPts val="0"/>
               </a:spcBef>
-            </a:pPr>
-            <a:r>
-              <a:rPr lang="en"/>
-              <a:t>Mapiranje prepoznatih tonova na različite instrumente i tonalitete</a:t>
-            </a:r>
-          </a:p>
-          <a:p>
-            <a:pPr indent="-228600" lvl="0" marL="914400">
-              <a:spcBef>
-                <a:spcPts val="0"/>
-              </a:spcBef>
-            </a:pPr>
-            <a:r>
-              <a:rPr lang="en"/>
-              <a:t>Biranje instrumenta i tonaliteta</a:t>
+              <a:buFont typeface="Verdana"/>
+            </a:pPr>
+            <a:r>
+              <a:rPr b="1" lang="en">
+                <a:latin typeface="Verdana"/>
+                <a:ea typeface="Verdana"/>
+                <a:cs typeface="Verdana"/>
+                <a:sym typeface="Verdana"/>
+              </a:rPr>
+              <a:t>Rodan</a:t>
+            </a:r>
+            <a:r>
+              <a:rPr lang="en">
+                <a:latin typeface="Verdana"/>
+                <a:ea typeface="Verdana"/>
+                <a:cs typeface="Verdana"/>
+                <a:sym typeface="Verdana"/>
+              </a:rPr>
+              <a:t> - Web interfejs za prepoznavanje različitih tipova dokumenata. Glavni fokus na OMR-u.</a:t>
+            </a:r>
+          </a:p>
+          <a:p>
+            <a:pPr indent="-228600" lvl="1" marL="1371600" rtl="0">
+              <a:spcBef>
+                <a:spcPts val="0"/>
+              </a:spcBef>
+              <a:buFont typeface="Verdana"/>
+            </a:pPr>
+            <a:r>
+              <a:rPr lang="en">
+                <a:latin typeface="Verdana"/>
+                <a:ea typeface="Verdana"/>
+                <a:cs typeface="Verdana"/>
+                <a:sym typeface="Verdana"/>
+              </a:rPr>
+              <a:t>Open source</a:t>
+            </a:r>
+          </a:p>
+          <a:p>
+            <a:pPr indent="-228600" lvl="1" marL="1371600" rtl="0">
+              <a:spcBef>
+                <a:spcPts val="0"/>
+              </a:spcBef>
+              <a:buFont typeface="Verdana"/>
+            </a:pPr>
+            <a:r>
+              <a:rPr lang="en">
+                <a:latin typeface="Verdana"/>
+                <a:ea typeface="Verdana"/>
+                <a:cs typeface="Verdana"/>
+                <a:sym typeface="Verdana"/>
+              </a:rPr>
+              <a:t>Pisan u Pythonu, interfejs u Djangu</a:t>
+            </a:r>
+          </a:p>
+          <a:p>
+            <a:pPr indent="-228600" lvl="1" marL="1371600" rtl="0">
+              <a:spcBef>
+                <a:spcPts val="0"/>
+              </a:spcBef>
+              <a:buFont typeface="Verdana"/>
+            </a:pPr>
+            <a:r>
+              <a:rPr lang="en">
+                <a:latin typeface="Verdana"/>
+                <a:ea typeface="Verdana"/>
+                <a:cs typeface="Verdana"/>
+                <a:sym typeface="Verdana"/>
+              </a:rPr>
+              <a:t>https://github.com/DDMAL/Rodan</a:t>
             </a:r>
           </a:p>
         </p:txBody>
@@ -5619,7 +7947,7 @@
   <p:cSld>
     <p:spTree>
       <p:nvGrpSpPr>
-        <p:cNvPr id="85" name="Shape 85"/>
+        <p:cNvPr id="87" name="Shape 87"/>
         <p:cNvGrpSpPr/>
         <p:nvPr/>
       </p:nvGrpSpPr>
@@ -5633,7 +7961,7 @@
       </p:grpSpPr>
       <p:sp>
         <p:nvSpPr>
-          <p:cNvPr id="86" name="Shape 86"/>
+          <p:cNvPr id="88" name="Shape 88"/>
           <p:cNvSpPr txBox="1"/>
           <p:nvPr>
             <p:ph type="title"/>
@@ -5661,15 +7989,20 @@
               <a:buNone/>
             </a:pPr>
             <a:r>
-              <a:rPr lang="en"/>
-              <a:t>Detalji</a:t>
+              <a:rPr lang="en">
+                <a:latin typeface="Verdana"/>
+                <a:ea typeface="Verdana"/>
+                <a:cs typeface="Verdana"/>
+                <a:sym typeface="Verdana"/>
+              </a:rPr>
+              <a:t>Implementacija rešenja</a:t>
             </a:r>
           </a:p>
         </p:txBody>
       </p:sp>
       <p:sp>
         <p:nvSpPr>
-          <p:cNvPr id="87" name="Shape 87"/>
+          <p:cNvPr id="89" name="Shape 89"/>
           <p:cNvSpPr txBox="1"/>
           <p:nvPr>
             <p:ph idx="1" type="body"/>
@@ -5694,10 +8027,50 @@
               <a:spcBef>
                 <a:spcPts val="0"/>
               </a:spcBef>
-            </a:pPr>
-            <a:r>
-              <a:rPr lang="en"/>
-              <a:t>Izdeliti sliku sa notama u više kernela</a:t>
+              <a:buFont typeface="Verdana"/>
+            </a:pPr>
+            <a:r>
+              <a:rPr lang="en">
+                <a:latin typeface="Verdana"/>
+                <a:ea typeface="Verdana"/>
+                <a:cs typeface="Verdana"/>
+                <a:sym typeface="Verdana"/>
+              </a:rPr>
+              <a:t>K-MEANS algoritam</a:t>
+            </a:r>
+          </a:p>
+          <a:p>
+            <a:pPr indent="-228600" lvl="1" marL="914400" rtl="0">
+              <a:spcBef>
+                <a:spcPts val="0"/>
+              </a:spcBef>
+              <a:buFont typeface="Verdana"/>
+            </a:pPr>
+            <a:r>
+              <a:rPr lang="en">
+                <a:latin typeface="Verdana"/>
+                <a:ea typeface="Verdana"/>
+                <a:cs typeface="Verdana"/>
+                <a:sym typeface="Verdana"/>
+              </a:rPr>
+              <a:t>Inicijalizuje n grupa nota</a:t>
+            </a:r>
+          </a:p>
+          <a:p>
+            <a:pPr indent="-228600" lvl="1" marL="914400" rtl="0">
+              <a:spcBef>
+                <a:spcPts val="0"/>
+              </a:spcBef>
+              <a:buFont typeface="Verdana"/>
+            </a:pPr>
+            <a:r>
+              <a:rPr lang="en">
+                <a:latin typeface="Verdana"/>
+                <a:ea typeface="Verdana"/>
+                <a:cs typeface="Verdana"/>
+                <a:sym typeface="Verdana"/>
+              </a:rPr>
+              <a:t>Svaku notu pridruži najbližem centru</a:t>
             </a:r>
           </a:p>
           <a:p>
@@ -5705,10 +8078,16 @@
               <a:spcBef>
                 <a:spcPts val="0"/>
               </a:spcBef>
-            </a:pPr>
-            <a:r>
-              <a:rPr lang="en"/>
-              <a:t>U svakom kernelu selektovati određene notacije (notne glave, violinski ključ, povisilice i snizilice)</a:t>
+              <a:buFont typeface="Verdana"/>
+            </a:pPr>
+            <a:r>
+              <a:rPr lang="en">
+                <a:latin typeface="Verdana"/>
+                <a:ea typeface="Verdana"/>
+                <a:cs typeface="Verdana"/>
+                <a:sym typeface="Verdana"/>
+              </a:rPr>
+              <a:t>Logika prepoznavanja nota je zasnovana na K-MEANS centrima</a:t>
             </a:r>
           </a:p>
           <a:p>
@@ -5716,10 +8095,16 @@
               <a:spcBef>
                 <a:spcPts val="0"/>
               </a:spcBef>
-            </a:pPr>
-            <a:r>
-              <a:rPr lang="en"/>
-              <a:t>Pamtiti pozicije u prostoru svake notacije</a:t>
+              <a:buFont typeface="Verdana"/>
+            </a:pPr>
+            <a:r>
+              <a:rPr lang="en">
+                <a:latin typeface="Verdana"/>
+                <a:ea typeface="Verdana"/>
+                <a:cs typeface="Verdana"/>
+                <a:sym typeface="Verdana"/>
+              </a:rPr>
+              <a:t>Umesto da se selektuje i prepoznaje svaki elemenat nota, note su grupisane u različite grupe</a:t>
             </a:r>
           </a:p>
           <a:p>
@@ -5727,10 +8112,16 @@
               <a:spcBef>
                 <a:spcPts val="0"/>
               </a:spcBef>
-            </a:pPr>
-            <a:r>
-              <a:rPr lang="en"/>
-              <a:t>Na osnovu pozicije grupisati notacije u skladu sa harmonijom (ako se određena povisilica odnosi na određenu notu, nekako to spojiti)</a:t>
+              <a:buFont typeface="Verdana"/>
+            </a:pPr>
+            <a:r>
+              <a:rPr lang="en">
+                <a:latin typeface="Verdana"/>
+                <a:ea typeface="Verdana"/>
+                <a:cs typeface="Verdana"/>
+                <a:sym typeface="Verdana"/>
+              </a:rPr>
+              <a:t>Drugačiji pristup nego sa selektovanjem svih elemenata na slici</a:t>
             </a:r>
           </a:p>
           <a:p>
@@ -5738,10 +8129,79 @@
               <a:spcBef>
                 <a:spcPts val="0"/>
               </a:spcBef>
-            </a:pPr>
-            <a:r>
-              <a:rPr lang="en"/>
-              <a:t>Koristiti data set sa konzistentnom notacijom</a:t>
+              <a:buFont typeface="Verdana"/>
+            </a:pPr>
+            <a:r>
+              <a:rPr lang="en">
+                <a:latin typeface="Verdana"/>
+                <a:ea typeface="Verdana"/>
+                <a:cs typeface="Verdana"/>
+                <a:sym typeface="Verdana"/>
+              </a:rPr>
+              <a:t>Ne zahteva neuronsku mrežu za prepoznavanje</a:t>
+            </a:r>
+          </a:p>
+          <a:p>
+            <a:pPr indent="-228600" lvl="0" marL="457200" rtl="0">
+              <a:spcBef>
+                <a:spcPts val="0"/>
+              </a:spcBef>
+              <a:buFont typeface="Verdana"/>
+            </a:pPr>
+            <a:r>
+              <a:rPr lang="en">
+                <a:latin typeface="Verdana"/>
+                <a:ea typeface="Verdana"/>
+                <a:cs typeface="Verdana"/>
+                <a:sym typeface="Verdana"/>
+              </a:rPr>
+              <a:t>MIDIUtil biblioteka za kreiranje MIDI fajlova</a:t>
+            </a:r>
+          </a:p>
+          <a:p>
+            <a:pPr indent="-228600" lvl="0" marL="457200" rtl="0">
+              <a:spcBef>
+                <a:spcPts val="0"/>
+              </a:spcBef>
+              <a:buFont typeface="Verdana"/>
+            </a:pPr>
+            <a:r>
+              <a:rPr lang="en">
+                <a:latin typeface="Verdana"/>
+                <a:ea typeface="Verdana"/>
+                <a:cs typeface="Verdana"/>
+                <a:sym typeface="Verdana"/>
+              </a:rPr>
+              <a:t>Open CV verzija </a:t>
+            </a:r>
+            <a:r>
+              <a:rPr lang="en">
+                <a:solidFill>
+                  <a:srgbClr val="D9D9D9"/>
+                </a:solidFill>
+                <a:latin typeface="Verdana"/>
+                <a:ea typeface="Verdana"/>
+                <a:cs typeface="Verdana"/>
+                <a:sym typeface="Verdana"/>
+              </a:rPr>
+              <a:t>2.4.11</a:t>
+            </a:r>
+          </a:p>
+          <a:p>
+            <a:pPr indent="-228600" lvl="0" marL="457200" rtl="0">
+              <a:spcBef>
+                <a:spcPts val="0"/>
+              </a:spcBef>
+              <a:buFont typeface="Verdana"/>
+            </a:pPr>
+            <a:r>
+              <a:rPr lang="en">
+                <a:latin typeface="Verdana"/>
+                <a:ea typeface="Verdana"/>
+                <a:cs typeface="Verdana"/>
+                <a:sym typeface="Verdana"/>
+              </a:rPr>
+              <a:t>Python verzija 2.7</a:t>
             </a:r>
           </a:p>
         </p:txBody>
@@ -5762,7 +8222,7 @@
   <p:cSld>
     <p:spTree>
       <p:nvGrpSpPr>
-        <p:cNvPr id="91" name="Shape 91"/>
+        <p:cNvPr id="93" name="Shape 93"/>
         <p:cNvGrpSpPr/>
         <p:nvPr/>
       </p:nvGrpSpPr>
@@ -5776,7 +8236,7 @@
       </p:grpSpPr>
       <p:sp>
         <p:nvSpPr>
-          <p:cNvPr id="92" name="Shape 92"/>
+          <p:cNvPr id="94" name="Shape 94"/>
           <p:cNvSpPr txBox="1"/>
           <p:nvPr>
             <p:ph type="title"/>
@@ -5784,7 +8244,7 @@
         </p:nvSpPr>
         <p:spPr>
           <a:xfrm>
-            <a:off x="311700" y="445025"/>
+            <a:off x="311700" y="80900"/>
             <a:ext cx="8520599" cy="572699"/>
           </a:xfrm>
           <a:prstGeom prst="rect">
@@ -5804,15 +8264,20 @@
               <a:buNone/>
             </a:pPr>
             <a:r>
-              <a:rPr lang="en"/>
-              <a:t>Detalji</a:t>
+              <a:rPr lang="en">
+                <a:latin typeface="Verdana"/>
+                <a:ea typeface="Verdana"/>
+                <a:cs typeface="Verdana"/>
+                <a:sym typeface="Verdana"/>
+              </a:rPr>
+              <a:t>Implementacija rešenja</a:t>
             </a:r>
           </a:p>
         </p:txBody>
       </p:sp>
       <p:sp>
         <p:nvSpPr>
-          <p:cNvPr id="93" name="Shape 93"/>
+          <p:cNvPr id="95" name="Shape 95"/>
           <p:cNvSpPr txBox="1"/>
           <p:nvPr>
             <p:ph idx="1" type="body"/>
@@ -5820,7 +8285,7 @@
         </p:nvSpPr>
         <p:spPr>
           <a:xfrm>
-            <a:off x="311700" y="1152475"/>
+            <a:off x="311700" y="790200"/>
             <a:ext cx="8520599" cy="3416400"/>
           </a:xfrm>
           <a:prstGeom prst="rect">
@@ -5837,17 +8302,41 @@
               <a:spcBef>
                 <a:spcPts val="0"/>
               </a:spcBef>
-            </a:pPr>
-            <a:r>
-              <a:rPr lang="en"/>
-              <a:t>Odsvirati nešto ovako u jednom trenutku? Potrudiću se.</a:t>
+              <a:buFont typeface="Verdana"/>
+              <a:buAutoNum type="arabicPeriod"/>
+            </a:pPr>
+            <a:r>
+              <a:rPr lang="en">
+                <a:latin typeface="Verdana"/>
+                <a:ea typeface="Verdana"/>
+                <a:cs typeface="Verdana"/>
+                <a:sym typeface="Verdana"/>
+              </a:rPr>
+              <a:t>Selektovati sve linije na slici </a:t>
+            </a:r>
+          </a:p>
+          <a:p>
+            <a:pPr indent="-228600" lvl="0" marL="914400" rtl="0">
+              <a:spcBef>
+                <a:spcPts val="0"/>
+              </a:spcBef>
+              <a:buFont typeface="Verdana"/>
+            </a:pPr>
+            <a:r>
+              <a:rPr lang="en">
+                <a:latin typeface="Verdana"/>
+                <a:ea typeface="Verdana"/>
+                <a:cs typeface="Verdana"/>
+                <a:sym typeface="Verdana"/>
+              </a:rPr>
+              <a:t>Korišćenjem ugrađene Open CV funkcije - Hough Lines</a:t>
             </a:r>
           </a:p>
         </p:txBody>
       </p:sp>
       <p:pic>
         <p:nvPicPr>
-          <p:cNvPr id="94" name="Shape 94"/>
+          <p:cNvPr id="96" name="Shape 96"/>
           <p:cNvPicPr preferRelativeResize="0"/>
           <p:nvPr/>
         </p:nvPicPr>
@@ -5861,8 +8350,176 @@
         </p:blipFill>
         <p:spPr>
           <a:xfrm>
-            <a:off x="1055648" y="1719399"/>
-            <a:ext cx="7032699" cy="9715976"/>
+            <a:off x="4491475" y="1535675"/>
+            <a:ext cx="4201374" cy="3096724"/>
+          </a:xfrm>
+          <a:prstGeom prst="rect">
+            <a:avLst/>
+          </a:prstGeom>
+          <a:noFill/>
+          <a:ln>
+            <a:noFill/>
+          </a:ln>
+        </p:spPr>
+      </p:pic>
+      <p:sp>
+        <p:nvSpPr>
+          <p:cNvPr id="97" name="Shape 97"/>
+          <p:cNvSpPr txBox="1"/>
+          <p:nvPr/>
+        </p:nvSpPr>
+        <p:spPr>
+          <a:xfrm>
+            <a:off x="377725" y="2941725"/>
+            <a:ext cx="3948600" cy="540000"/>
+          </a:xfrm>
+          <a:prstGeom prst="rect">
+            <a:avLst/>
+          </a:prstGeom>
+          <a:noFill/>
+          <a:ln>
+            <a:noFill/>
+          </a:ln>
+        </p:spPr>
+        <p:txBody>
+          <a:bodyPr anchorCtr="0" anchor="t" bIns="91425" lIns="91425" rIns="91425" tIns="91425">
+            <a:noAutofit/>
+          </a:bodyPr>
+          <a:lstStyle/>
+          <a:p>
+            <a:pPr lvl="0" rtl="0">
+              <a:lnSpc>
+                <a:spcPct val="115000"/>
+              </a:lnSpc>
+              <a:spcBef>
+                <a:spcPts val="0"/>
+              </a:spcBef>
+              <a:spcAft>
+                <a:spcPts val="1600"/>
+              </a:spcAft>
+              <a:buNone/>
+            </a:pPr>
+            <a:r>
+              <a:rPr i="1" lang="en" sz="1200">
+                <a:solidFill>
+                  <a:schemeClr val="accent3"/>
+                </a:solidFill>
+                <a:latin typeface="Verdana"/>
+                <a:ea typeface="Verdana"/>
+                <a:cs typeface="Verdana"/>
+                <a:sym typeface="Verdana"/>
+              </a:rPr>
+              <a:t>output </a:t>
+            </a:r>
+            <a:r>
+              <a:rPr lang="en" sz="1200">
+                <a:solidFill>
+                  <a:schemeClr val="accent3"/>
+                </a:solidFill>
+                <a:latin typeface="Courier New"/>
+                <a:ea typeface="Courier New"/>
+                <a:cs typeface="Courier New"/>
+                <a:sym typeface="Courier New"/>
+              </a:rPr>
+              <a:t>cv2.HoughLinesP</a:t>
+            </a:r>
+            <a:r>
+              <a:rPr i="1" lang="en" sz="1200">
+                <a:solidFill>
+                  <a:schemeClr val="accent3"/>
+                </a:solidFill>
+                <a:latin typeface="Verdana"/>
+                <a:ea typeface="Verdana"/>
+                <a:cs typeface="Verdana"/>
+                <a:sym typeface="Verdana"/>
+              </a:rPr>
+              <a:t> metode</a:t>
+            </a:r>
+          </a:p>
+        </p:txBody>
+      </p:sp>
+      <p:sp>
+        <p:nvSpPr>
+          <p:cNvPr id="98" name="Shape 98"/>
+          <p:cNvSpPr txBox="1"/>
+          <p:nvPr/>
+        </p:nvSpPr>
+        <p:spPr>
+          <a:xfrm>
+            <a:off x="4617862" y="4632400"/>
+            <a:ext cx="3948600" cy="540000"/>
+          </a:xfrm>
+          <a:prstGeom prst="rect">
+            <a:avLst/>
+          </a:prstGeom>
+          <a:noFill/>
+          <a:ln>
+            <a:noFill/>
+          </a:ln>
+        </p:spPr>
+        <p:txBody>
+          <a:bodyPr anchorCtr="0" anchor="t" bIns="91425" lIns="91425" rIns="91425" tIns="91425">
+            <a:noAutofit/>
+          </a:bodyPr>
+          <a:lstStyle/>
+          <a:p>
+            <a:pPr lvl="0" rtl="0" algn="ctr">
+              <a:lnSpc>
+                <a:spcPct val="115000"/>
+              </a:lnSpc>
+              <a:spcBef>
+                <a:spcPts val="0"/>
+              </a:spcBef>
+              <a:spcAft>
+                <a:spcPts val="1600"/>
+              </a:spcAft>
+              <a:buNone/>
+            </a:pPr>
+            <a:r>
+              <a:rPr i="1" lang="en" sz="1200">
+                <a:solidFill>
+                  <a:schemeClr val="accent3"/>
+                </a:solidFill>
+                <a:latin typeface="Verdana"/>
+                <a:ea typeface="Verdana"/>
+                <a:cs typeface="Verdana"/>
+                <a:sym typeface="Verdana"/>
+              </a:rPr>
+              <a:t>metoda </a:t>
+            </a:r>
+            <a:r>
+              <a:rPr lang="en" sz="1200">
+                <a:solidFill>
+                  <a:schemeClr val="accent3"/>
+                </a:solidFill>
+                <a:latin typeface="Courier New"/>
+                <a:ea typeface="Courier New"/>
+                <a:cs typeface="Courier New"/>
+                <a:sym typeface="Courier New"/>
+              </a:rPr>
+              <a:t>create_fiveline</a:t>
+            </a:r>
+          </a:p>
+        </p:txBody>
+      </p:sp>
+      <p:pic>
+        <p:nvPicPr>
+          <p:cNvPr id="99" name="Shape 99"/>
+          <p:cNvPicPr preferRelativeResize="0"/>
+          <p:nvPr/>
+        </p:nvPicPr>
+        <p:blipFill>
+          <a:blip r:embed="rId4">
+            <a:alphaModFix/>
+          </a:blip>
+          <a:stretch>
+            <a:fillRect/>
+          </a:stretch>
+        </p:blipFill>
+        <p:spPr>
+          <a:xfrm>
+            <a:off x="377787" y="2324575"/>
+            <a:ext cx="3948476" cy="617149"/>
           </a:xfrm>
           <a:prstGeom prst="rect">
             <a:avLst/>
@@ -5889,7 +8546,7 @@
   <p:cSld>
     <p:spTree>
       <p:nvGrpSpPr>
-        <p:cNvPr id="98" name="Shape 98"/>
+        <p:cNvPr id="103" name="Shape 103"/>
         <p:cNvGrpSpPr/>
         <p:nvPr/>
       </p:nvGrpSpPr>
@@ -5903,7 +8560,7 @@
       </p:grpSpPr>
       <p:sp>
         <p:nvSpPr>
-          <p:cNvPr id="99" name="Shape 99"/>
+          <p:cNvPr id="104" name="Shape 104"/>
           <p:cNvSpPr txBox="1"/>
           <p:nvPr>
             <p:ph type="title"/>
@@ -5911,7 +8568,7 @@
         </p:nvSpPr>
         <p:spPr>
           <a:xfrm>
-            <a:off x="311700" y="445025"/>
+            <a:off x="311700" y="308425"/>
             <a:ext cx="8520599" cy="572699"/>
           </a:xfrm>
           <a:prstGeom prst="rect">
@@ -5924,22 +8581,68 @@
           </a:bodyPr>
           <a:lstStyle/>
           <a:p>
-            <a:pPr lvl="0" algn="ctr">
-              <a:spcBef>
-                <a:spcPts val="0"/>
-              </a:spcBef>
-              <a:buNone/>
-            </a:pPr>
-            <a:r>
-              <a:rPr lang="en"/>
-              <a:t>Za početak</a:t>
+            <a:pPr lvl="0" rtl="0" algn="ctr">
+              <a:spcBef>
+                <a:spcPts val="0"/>
+              </a:spcBef>
+              <a:buNone/>
+            </a:pPr>
+            <a:r>
+              <a:rPr lang="en">
+                <a:latin typeface="Verdana"/>
+                <a:ea typeface="Verdana"/>
+                <a:cs typeface="Verdana"/>
+                <a:sym typeface="Verdana"/>
+              </a:rPr>
+              <a:t>Implementacija rešenja</a:t>
+            </a:r>
+          </a:p>
+        </p:txBody>
+      </p:sp>
+      <p:sp>
+        <p:nvSpPr>
+          <p:cNvPr id="105" name="Shape 105"/>
+          <p:cNvSpPr txBox="1"/>
+          <p:nvPr>
+            <p:ph idx="1" type="body"/>
+          </p:nvPr>
+        </p:nvSpPr>
+        <p:spPr>
+          <a:xfrm>
+            <a:off x="311700" y="1017725"/>
+            <a:ext cx="8520599" cy="3416400"/>
+          </a:xfrm>
+          <a:prstGeom prst="rect">
+            <a:avLst/>
+          </a:prstGeom>
+        </p:spPr>
+        <p:txBody>
+          <a:bodyPr anchorCtr="0" anchor="t" bIns="91425" lIns="91425" rIns="91425" tIns="91425">
+            <a:noAutofit/>
+          </a:bodyPr>
+          <a:lstStyle/>
+          <a:p>
+            <a:pPr lvl="0" rtl="0">
+              <a:spcBef>
+                <a:spcPts val="0"/>
+              </a:spcBef>
+              <a:buNone/>
+            </a:pPr>
+            <a:r>
+              <a:rPr lang="en">
+                <a:latin typeface="Verdana"/>
+                <a:ea typeface="Verdana"/>
+                <a:cs typeface="Verdana"/>
+                <a:sym typeface="Verdana"/>
+              </a:rPr>
+              <a:t>2.   Na osnovu selektovanih linija, K-MEANS grupiše note koje su na istoj visini</a:t>
             </a:r>
           </a:p>
         </p:txBody>
       </p:sp>
       <p:pic>
         <p:nvPicPr>
-          <p:cNvPr id="100" name="Shape 100"/>
+          <p:cNvPr id="106" name="Shape 106"/>
           <p:cNvPicPr preferRelativeResize="0"/>
           <p:nvPr/>
         </p:nvPicPr>
@@ -5953,8 +8656,8 @@
         </p:blipFill>
         <p:spPr>
           <a:xfrm>
-            <a:off x="652462" y="1409700"/>
-            <a:ext cx="7839075" cy="2324100"/>
+            <a:off x="4381325" y="1619325"/>
+            <a:ext cx="4247625" cy="3130800"/>
           </a:xfrm>
           <a:prstGeom prst="rect">
             <a:avLst/>
@@ -5965,6 +8668,275 @@
           </a:ln>
         </p:spPr>
       </p:pic>
+      <p:sp>
+        <p:nvSpPr>
+          <p:cNvPr id="107" name="Shape 107"/>
+          <p:cNvSpPr txBox="1"/>
+          <p:nvPr/>
+        </p:nvSpPr>
+        <p:spPr>
+          <a:xfrm>
+            <a:off x="311700" y="1962750"/>
+            <a:ext cx="4121999" cy="2621399"/>
+          </a:xfrm>
+          <a:prstGeom prst="rect">
+            <a:avLst/>
+          </a:prstGeom>
+          <a:noFill/>
+          <a:ln>
+            <a:noFill/>
+          </a:ln>
+        </p:spPr>
+        <p:txBody>
+          <a:bodyPr anchorCtr="0" anchor="t" bIns="91425" lIns="91425" rIns="91425" tIns="91425">
+            <a:noAutofit/>
+          </a:bodyPr>
+          <a:lstStyle/>
+          <a:p>
+            <a:pPr lvl="0" rtl="0">
+              <a:lnSpc>
+                <a:spcPct val="121429"/>
+              </a:lnSpc>
+              <a:spcBef>
+                <a:spcPts val="0"/>
+              </a:spcBef>
+              <a:buNone/>
+            </a:pPr>
+            <a:r>
+              <a:rPr b="1" lang="en" sz="1050">
+                <a:solidFill>
+                  <a:srgbClr val="FF0000"/>
+                </a:solidFill>
+                <a:latin typeface="Courier New"/>
+                <a:ea typeface="Courier New"/>
+                <a:cs typeface="Courier New"/>
+                <a:sym typeface="Courier New"/>
+              </a:rPr>
+              <a:t>K-MEANS centers</a:t>
+            </a:r>
+            <a:br>
+              <a:rPr b="1" lang="en" sz="1050">
+                <a:solidFill>
+                  <a:srgbClr val="FF0000"/>
+                </a:solidFill>
+                <a:latin typeface="Courier New"/>
+                <a:ea typeface="Courier New"/>
+                <a:cs typeface="Courier New"/>
+                <a:sym typeface="Courier New"/>
+              </a:rPr>
+            </a:br>
+            <a:r>
+              <a:rPr b="1" lang="en" sz="1050">
+                <a:solidFill>
+                  <a:srgbClr val="FF0000"/>
+                </a:solidFill>
+                <a:latin typeface="Courier New"/>
+                <a:ea typeface="Courier New"/>
+                <a:cs typeface="Courier New"/>
+                <a:sym typeface="Courier New"/>
+              </a:rPr>
+              <a:t>[41.461538461538439, 61.243902439024367, 80.977272727272734, 101.24390243902437, 121.27027027027025]</a:t>
+            </a:r>
+          </a:p>
+          <a:p>
+            <a:pPr lvl="0" rtl="0">
+              <a:lnSpc>
+                <a:spcPct val="115000"/>
+              </a:lnSpc>
+              <a:spcBef>
+                <a:spcPts val="0"/>
+              </a:spcBef>
+              <a:spcAft>
+                <a:spcPts val="1600"/>
+              </a:spcAft>
+              <a:buNone/>
+            </a:pPr>
+            <a:r>
+              <a:t/>
+            </a:r>
+            <a:endParaRPr sz="1200">
+              <a:solidFill>
+                <a:schemeClr val="accent3"/>
+              </a:solidFill>
+              <a:latin typeface="Verdana"/>
+              <a:ea typeface="Verdana"/>
+              <a:cs typeface="Verdana"/>
+              <a:sym typeface="Verdana"/>
+            </a:endParaRPr>
+          </a:p>
+          <a:p>
+            <a:pPr indent="-304800" lvl="0" marL="457200" rtl="0">
+              <a:lnSpc>
+                <a:spcPct val="115000"/>
+              </a:lnSpc>
+              <a:spcBef>
+                <a:spcPts val="0"/>
+              </a:spcBef>
+              <a:spcAft>
+                <a:spcPts val="1600"/>
+              </a:spcAft>
+              <a:buClr>
+                <a:schemeClr val="accent3"/>
+              </a:buClr>
+              <a:buSzPct val="100000"/>
+              <a:buFont typeface="Verdana"/>
+              <a:buChar char="●"/>
+            </a:pPr>
+            <a:r>
+              <a:rPr lang="en" sz="1200">
+                <a:solidFill>
+                  <a:schemeClr val="accent3"/>
+                </a:solidFill>
+                <a:latin typeface="Verdana"/>
+                <a:ea typeface="Verdana"/>
+                <a:cs typeface="Verdana"/>
+                <a:sym typeface="Verdana"/>
+              </a:rPr>
+              <a:t>Dobijamo K-MEANS grupe gde se u svakoj grupi nalaze note koje su na istoj visini (tonu)</a:t>
+            </a:r>
+          </a:p>
+          <a:p>
+            <a:pPr indent="-304800" lvl="0" marL="457200" rtl="0">
+              <a:lnSpc>
+                <a:spcPct val="115000"/>
+              </a:lnSpc>
+              <a:spcBef>
+                <a:spcPts val="0"/>
+              </a:spcBef>
+              <a:spcAft>
+                <a:spcPts val="1600"/>
+              </a:spcAft>
+              <a:buClr>
+                <a:schemeClr val="accent3"/>
+              </a:buClr>
+              <a:buSzPct val="100000"/>
+              <a:buFont typeface="Verdana"/>
+              <a:buChar char="●"/>
+            </a:pPr>
+            <a:r>
+              <a:rPr lang="en" sz="1200">
+                <a:solidFill>
+                  <a:schemeClr val="accent3"/>
+                </a:solidFill>
+                <a:latin typeface="Verdana"/>
+                <a:ea typeface="Verdana"/>
+                <a:cs typeface="Verdana"/>
+                <a:sym typeface="Verdana"/>
+              </a:rPr>
+              <a:t>Ovo će nam značiti kasnije gde ćemo na osnovu ove informacije odrediti o kom tonu je reč</a:t>
+            </a:r>
+          </a:p>
+          <a:p>
+            <a:pPr lvl="0" rtl="0">
+              <a:lnSpc>
+                <a:spcPct val="121429"/>
+              </a:lnSpc>
+              <a:spcBef>
+                <a:spcPts val="0"/>
+              </a:spcBef>
+              <a:buNone/>
+            </a:pPr>
+            <a:r>
+              <a:t/>
+            </a:r>
+            <a:endParaRPr sz="1050">
+              <a:highlight>
+                <a:srgbClr val="FFFFFF"/>
+              </a:highlight>
+            </a:endParaRPr>
+          </a:p>
+          <a:p>
+            <a:pPr lvl="0" rtl="0">
+              <a:lnSpc>
+                <a:spcPct val="115000"/>
+              </a:lnSpc>
+              <a:spcBef>
+                <a:spcPts val="0"/>
+              </a:spcBef>
+              <a:spcAft>
+                <a:spcPts val="1600"/>
+              </a:spcAft>
+              <a:buNone/>
+            </a:pPr>
+            <a:r>
+              <a:t/>
+            </a:r>
+            <a:endParaRPr i="1" sz="1200">
+              <a:solidFill>
+                <a:schemeClr val="accent3"/>
+              </a:solidFill>
+              <a:latin typeface="Verdana"/>
+              <a:ea typeface="Verdana"/>
+              <a:cs typeface="Verdana"/>
+              <a:sym typeface="Verdana"/>
+            </a:endParaRPr>
+          </a:p>
+        </p:txBody>
+      </p:sp>
+      <p:sp>
+        <p:nvSpPr>
+          <p:cNvPr id="108" name="Shape 108"/>
+          <p:cNvSpPr txBox="1"/>
+          <p:nvPr/>
+        </p:nvSpPr>
+        <p:spPr>
+          <a:xfrm>
+            <a:off x="4563950" y="4750125"/>
+            <a:ext cx="3948600" cy="540000"/>
+          </a:xfrm>
+          <a:prstGeom prst="rect">
+            <a:avLst/>
+          </a:prstGeom>
+          <a:noFill/>
+          <a:ln>
+            <a:noFill/>
+          </a:ln>
+        </p:spPr>
+        <p:txBody>
+          <a:bodyPr anchorCtr="0" anchor="t" bIns="91425" lIns="91425" rIns="91425" tIns="91425">
+            <a:noAutofit/>
+          </a:bodyPr>
+          <a:lstStyle/>
+          <a:p>
+            <a:pPr lvl="0" rtl="0" algn="ctr">
+              <a:lnSpc>
+                <a:spcPct val="115000"/>
+              </a:lnSpc>
+              <a:spcBef>
+                <a:spcPts val="0"/>
+              </a:spcBef>
+              <a:spcAft>
+                <a:spcPts val="1600"/>
+              </a:spcAft>
+              <a:buNone/>
+            </a:pPr>
+            <a:r>
+              <a:rPr i="1" lang="en" sz="1200">
+                <a:solidFill>
+                  <a:schemeClr val="accent3"/>
+                </a:solidFill>
+                <a:latin typeface="Verdana"/>
+                <a:ea typeface="Verdana"/>
+                <a:cs typeface="Verdana"/>
+                <a:sym typeface="Verdana"/>
+              </a:rPr>
+              <a:t>metoda </a:t>
+            </a:r>
+            <a:r>
+              <a:rPr lang="en" sz="1200">
+                <a:solidFill>
+                  <a:schemeClr val="accent3"/>
+                </a:solidFill>
+                <a:latin typeface="Courier New"/>
+                <a:ea typeface="Courier New"/>
+                <a:cs typeface="Courier New"/>
+                <a:sym typeface="Courier New"/>
+              </a:rPr>
+              <a:t>create_fiveline</a:t>
+            </a:r>
+          </a:p>
+        </p:txBody>
+      </p:sp>
     </p:spTree>
   </p:cSld>
   <p:clrMapOvr>
@@ -5981,7 +8953,7 @@
   <p:cSld>
     <p:spTree>
       <p:nvGrpSpPr>
-        <p:cNvPr id="104" name="Shape 104"/>
+        <p:cNvPr id="112" name="Shape 112"/>
         <p:cNvGrpSpPr/>
         <p:nvPr/>
       </p:nvGrpSpPr>
@@ -5995,52 +8967,16 @@
       </p:grpSpPr>
       <p:sp>
         <p:nvSpPr>
-          <p:cNvPr id="105" name="Shape 105"/>
+          <p:cNvPr id="113" name="Shape 113"/>
           <p:cNvSpPr txBox="1"/>
           <p:nvPr>
-            <p:ph type="ctrTitle"/>
+            <p:ph type="title"/>
           </p:nvPr>
         </p:nvSpPr>
         <p:spPr>
           <a:xfrm>
-            <a:off x="671257" y="990800"/>
-            <a:ext cx="7801500" cy="1730099"/>
-          </a:xfrm>
-          <a:prstGeom prst="rect">
-            <a:avLst/>
-          </a:prstGeom>
-        </p:spPr>
-        <p:txBody>
-          <a:bodyPr anchorCtr="0" anchor="b" bIns="91425" lIns="91425" rIns="91425" tIns="91425">
-            <a:noAutofit/>
-          </a:bodyPr>
-          <a:lstStyle/>
-          <a:p>
-            <a:pPr lvl="0" rtl="0">
-              <a:spcBef>
-                <a:spcPts val="0"/>
-              </a:spcBef>
-              <a:buNone/>
-            </a:pPr>
-            <a:r>
-              <a:rPr lang="en"/>
-              <a:t>Kraj</a:t>
-            </a:r>
-          </a:p>
-        </p:txBody>
-      </p:sp>
-      <p:sp>
-        <p:nvSpPr>
-          <p:cNvPr id="106" name="Shape 106"/>
-          <p:cNvSpPr txBox="1"/>
-          <p:nvPr>
-            <p:ph idx="1" type="subTitle"/>
-          </p:nvPr>
-        </p:nvSpPr>
-        <p:spPr>
-          <a:xfrm>
-            <a:off x="671250" y="3174875"/>
-            <a:ext cx="7801500" cy="792600"/>
+            <a:off x="-1734625" y="129025"/>
+            <a:ext cx="8520599" cy="572699"/>
           </a:xfrm>
           <a:prstGeom prst="rect">
             <a:avLst/>
@@ -6052,43 +8988,880 @@
           </a:bodyPr>
           <a:lstStyle/>
           <a:p>
-            <a:pPr lvl="0" rtl="0">
-              <a:spcBef>
-                <a:spcPts val="0"/>
-              </a:spcBef>
-              <a:buNone/>
-            </a:pPr>
-            <a:r>
-              <a:rPr lang="en"/>
-              <a:t>Soft computing project</a:t>
-            </a:r>
-          </a:p>
-          <a:p>
-            <a:pPr lvl="0" rtl="0">
-              <a:spcBef>
-                <a:spcPts val="0"/>
-              </a:spcBef>
-              <a:buNone/>
-            </a:pPr>
-            <a:r>
-              <a:rPr lang="en"/>
-              <a:t>Faculty of Technical Sciences, Novi Sad</a:t>
-            </a:r>
-          </a:p>
-          <a:p>
-            <a:pPr lvl="0" rtl="0">
-              <a:spcBef>
-                <a:spcPts val="0"/>
-              </a:spcBef>
-              <a:buNone/>
-            </a:pPr>
-            <a:r>
-              <a:rPr lang="en"/>
-              <a:t>Nikola Đuza RA6-2012</a:t>
+            <a:pPr lvl="0" rtl="0" algn="ctr">
+              <a:spcBef>
+                <a:spcPts val="0"/>
+              </a:spcBef>
+              <a:buNone/>
+            </a:pPr>
+            <a:r>
+              <a:rPr lang="en">
+                <a:latin typeface="Verdana"/>
+                <a:ea typeface="Verdana"/>
+                <a:cs typeface="Verdana"/>
+                <a:sym typeface="Verdana"/>
+              </a:rPr>
+              <a:t>Implementacija rešenja</a:t>
             </a:r>
           </a:p>
         </p:txBody>
       </p:sp>
+      <p:sp>
+        <p:nvSpPr>
+          <p:cNvPr id="114" name="Shape 114"/>
+          <p:cNvSpPr txBox="1"/>
+          <p:nvPr>
+            <p:ph idx="1" type="body"/>
+          </p:nvPr>
+        </p:nvSpPr>
+        <p:spPr>
+          <a:xfrm>
+            <a:off x="311700" y="1017725"/>
+            <a:ext cx="8520599" cy="3416400"/>
+          </a:xfrm>
+          <a:prstGeom prst="rect">
+            <a:avLst/>
+          </a:prstGeom>
+        </p:spPr>
+        <p:txBody>
+          <a:bodyPr anchorCtr="0" anchor="t" bIns="91425" lIns="91425" rIns="91425" tIns="91425">
+            <a:noAutofit/>
+          </a:bodyPr>
+          <a:lstStyle/>
+          <a:p>
+            <a:pPr lvl="0" rtl="0">
+              <a:spcBef>
+                <a:spcPts val="0"/>
+              </a:spcBef>
+              <a:buNone/>
+            </a:pPr>
+            <a:r>
+              <a:rPr lang="en">
+                <a:latin typeface="Verdana"/>
+                <a:ea typeface="Verdana"/>
+                <a:cs typeface="Verdana"/>
+                <a:sym typeface="Verdana"/>
+              </a:rPr>
+              <a:t>3.   Kreiranje koordinata nota</a:t>
+            </a:r>
+          </a:p>
+        </p:txBody>
+      </p:sp>
+      <p:sp>
+        <p:nvSpPr>
+          <p:cNvPr id="115" name="Shape 115"/>
+          <p:cNvSpPr txBox="1"/>
+          <p:nvPr/>
+        </p:nvSpPr>
+        <p:spPr>
+          <a:xfrm>
+            <a:off x="134475" y="1827350"/>
+            <a:ext cx="4425300" cy="1411200"/>
+          </a:xfrm>
+          <a:prstGeom prst="rect">
+            <a:avLst/>
+          </a:prstGeom>
+          <a:noFill/>
+          <a:ln>
+            <a:noFill/>
+          </a:ln>
+        </p:spPr>
+        <p:txBody>
+          <a:bodyPr anchorCtr="0" anchor="t" bIns="91425" lIns="91425" rIns="91425" tIns="91425">
+            <a:noAutofit/>
+          </a:bodyPr>
+          <a:lstStyle/>
+          <a:p>
+            <a:pPr indent="-304800" lvl="0" marL="457200" rtl="0">
+              <a:lnSpc>
+                <a:spcPct val="115000"/>
+              </a:lnSpc>
+              <a:spcBef>
+                <a:spcPts val="0"/>
+              </a:spcBef>
+              <a:spcAft>
+                <a:spcPts val="1600"/>
+              </a:spcAft>
+              <a:buClr>
+                <a:schemeClr val="accent3"/>
+              </a:buClr>
+              <a:buSzPct val="100000"/>
+              <a:buFont typeface="Verdana"/>
+              <a:buChar char="●"/>
+            </a:pPr>
+            <a:r>
+              <a:rPr lang="en" sz="1200">
+                <a:solidFill>
+                  <a:schemeClr val="accent3"/>
+                </a:solidFill>
+                <a:latin typeface="Verdana"/>
+                <a:ea typeface="Verdana"/>
+                <a:cs typeface="Verdana"/>
+                <a:sym typeface="Verdana"/>
+              </a:rPr>
+              <a:t>Prolazimo kroz celu širinu (width) slike i tražimo početak i kraj </a:t>
+            </a:r>
+            <a:r>
+              <a:rPr b="1" lang="en" sz="1200">
+                <a:solidFill>
+                  <a:schemeClr val="accent3"/>
+                </a:solidFill>
+                <a:latin typeface="Verdana"/>
+                <a:ea typeface="Verdana"/>
+                <a:cs typeface="Verdana"/>
+                <a:sym typeface="Verdana"/>
+              </a:rPr>
+              <a:t>prve</a:t>
+            </a:r>
+            <a:r>
+              <a:rPr lang="en" sz="1200">
+                <a:solidFill>
+                  <a:schemeClr val="accent3"/>
+                </a:solidFill>
+                <a:latin typeface="Verdana"/>
+                <a:ea typeface="Verdana"/>
+                <a:cs typeface="Verdana"/>
+                <a:sym typeface="Verdana"/>
+              </a:rPr>
+              <a:t> note u grupi</a:t>
+            </a:r>
+          </a:p>
+          <a:p>
+            <a:pPr indent="-304800" lvl="0" marL="457200" rtl="0">
+              <a:lnSpc>
+                <a:spcPct val="115000"/>
+              </a:lnSpc>
+              <a:spcBef>
+                <a:spcPts val="0"/>
+              </a:spcBef>
+              <a:spcAft>
+                <a:spcPts val="1600"/>
+              </a:spcAft>
+              <a:buClr>
+                <a:schemeClr val="accent3"/>
+              </a:buClr>
+              <a:buSzPct val="100000"/>
+              <a:buFont typeface="Verdana"/>
+              <a:buChar char="●"/>
+            </a:pPr>
+            <a:r>
+              <a:rPr lang="en" sz="1200">
+                <a:solidFill>
+                  <a:schemeClr val="accent3"/>
+                </a:solidFill>
+                <a:latin typeface="Verdana"/>
+                <a:ea typeface="Verdana"/>
+                <a:cs typeface="Verdana"/>
+                <a:sym typeface="Verdana"/>
+              </a:rPr>
+              <a:t>Kada dobijemo koordinate prve note u svakoj grupi možemo grupisati note u grupe uz pomoć K-MEANS-a</a:t>
+            </a:r>
+          </a:p>
+          <a:p>
+            <a:pPr indent="-304800" lvl="0" marL="457200" rtl="0">
+              <a:lnSpc>
+                <a:spcPct val="115000"/>
+              </a:lnSpc>
+              <a:spcBef>
+                <a:spcPts val="0"/>
+              </a:spcBef>
+              <a:spcAft>
+                <a:spcPts val="1600"/>
+              </a:spcAft>
+              <a:buClr>
+                <a:schemeClr val="accent3"/>
+              </a:buClr>
+              <a:buSzPct val="100000"/>
+              <a:buFont typeface="Verdana"/>
+              <a:buChar char="●"/>
+            </a:pPr>
+            <a:r>
+              <a:rPr lang="en" sz="1200">
+                <a:solidFill>
+                  <a:schemeClr val="accent3"/>
+                </a:solidFill>
+                <a:latin typeface="Verdana"/>
+                <a:ea typeface="Verdana"/>
+                <a:cs typeface="Verdana"/>
+                <a:sym typeface="Verdana"/>
+              </a:rPr>
+              <a:t>Ovako definišemo taktove nota</a:t>
+            </a:r>
+          </a:p>
+          <a:p>
+            <a:pPr lvl="0" rtl="0">
+              <a:lnSpc>
+                <a:spcPct val="121429"/>
+              </a:lnSpc>
+              <a:spcBef>
+                <a:spcPts val="0"/>
+              </a:spcBef>
+              <a:buNone/>
+            </a:pPr>
+            <a:r>
+              <a:t/>
+            </a:r>
+            <a:endParaRPr sz="1050">
+              <a:highlight>
+                <a:srgbClr val="FFFFFF"/>
+              </a:highlight>
+            </a:endParaRPr>
+          </a:p>
+          <a:p>
+            <a:pPr lvl="0" rtl="0">
+              <a:lnSpc>
+                <a:spcPct val="115000"/>
+              </a:lnSpc>
+              <a:spcBef>
+                <a:spcPts val="0"/>
+              </a:spcBef>
+              <a:spcAft>
+                <a:spcPts val="1600"/>
+              </a:spcAft>
+              <a:buNone/>
+            </a:pPr>
+            <a:r>
+              <a:t/>
+            </a:r>
+            <a:endParaRPr i="1" sz="1200">
+              <a:solidFill>
+                <a:schemeClr val="accent3"/>
+              </a:solidFill>
+              <a:latin typeface="Verdana"/>
+              <a:ea typeface="Verdana"/>
+              <a:cs typeface="Verdana"/>
+              <a:sym typeface="Verdana"/>
+            </a:endParaRPr>
+          </a:p>
+        </p:txBody>
+      </p:sp>
+      <p:sp>
+        <p:nvSpPr>
+          <p:cNvPr id="116" name="Shape 116"/>
+          <p:cNvSpPr txBox="1"/>
+          <p:nvPr/>
+        </p:nvSpPr>
+        <p:spPr>
+          <a:xfrm>
+            <a:off x="5002187" y="4709900"/>
+            <a:ext cx="3948600" cy="540000"/>
+          </a:xfrm>
+          <a:prstGeom prst="rect">
+            <a:avLst/>
+          </a:prstGeom>
+          <a:noFill/>
+          <a:ln>
+            <a:noFill/>
+          </a:ln>
+        </p:spPr>
+        <p:txBody>
+          <a:bodyPr anchorCtr="0" anchor="t" bIns="91425" lIns="91425" rIns="91425" tIns="91425">
+            <a:noAutofit/>
+          </a:bodyPr>
+          <a:lstStyle/>
+          <a:p>
+            <a:pPr lvl="0" rtl="0" algn="ctr">
+              <a:lnSpc>
+                <a:spcPct val="115000"/>
+              </a:lnSpc>
+              <a:spcBef>
+                <a:spcPts val="0"/>
+              </a:spcBef>
+              <a:spcAft>
+                <a:spcPts val="1600"/>
+              </a:spcAft>
+              <a:buNone/>
+            </a:pPr>
+            <a:r>
+              <a:rPr i="1" lang="en" sz="1200">
+                <a:solidFill>
+                  <a:schemeClr val="accent3"/>
+                </a:solidFill>
+                <a:latin typeface="Verdana"/>
+                <a:ea typeface="Verdana"/>
+                <a:cs typeface="Verdana"/>
+                <a:sym typeface="Verdana"/>
+              </a:rPr>
+              <a:t>metoda </a:t>
+            </a:r>
+            <a:r>
+              <a:rPr lang="en" sz="1200">
+                <a:solidFill>
+                  <a:schemeClr val="accent3"/>
+                </a:solidFill>
+                <a:latin typeface="Courier New"/>
+                <a:ea typeface="Courier New"/>
+                <a:cs typeface="Courier New"/>
+                <a:sym typeface="Courier New"/>
+              </a:rPr>
+              <a:t>create_bars_coordinates</a:t>
+            </a:r>
+          </a:p>
+        </p:txBody>
+      </p:sp>
+      <p:pic>
+        <p:nvPicPr>
+          <p:cNvPr id="117" name="Shape 117"/>
+          <p:cNvPicPr preferRelativeResize="0"/>
+          <p:nvPr/>
+        </p:nvPicPr>
+        <p:blipFill>
+          <a:blip r:embed="rId3">
+            <a:alphaModFix/>
+          </a:blip>
+          <a:stretch>
+            <a:fillRect/>
+          </a:stretch>
+        </p:blipFill>
+        <p:spPr>
+          <a:xfrm>
+            <a:off x="4874137" y="282100"/>
+            <a:ext cx="4204723" cy="4387525"/>
+          </a:xfrm>
+          <a:prstGeom prst="rect">
+            <a:avLst/>
+          </a:prstGeom>
+          <a:noFill/>
+          <a:ln>
+            <a:noFill/>
+          </a:ln>
+        </p:spPr>
+      </p:pic>
+      <p:pic>
+        <p:nvPicPr>
+          <p:cNvPr id="118" name="Shape 118"/>
+          <p:cNvPicPr preferRelativeResize="0"/>
+          <p:nvPr/>
+        </p:nvPicPr>
+        <p:blipFill>
+          <a:blip r:embed="rId4">
+            <a:alphaModFix/>
+          </a:blip>
+          <a:stretch>
+            <a:fillRect/>
+          </a:stretch>
+        </p:blipFill>
+        <p:spPr>
+          <a:xfrm>
+            <a:off x="291287" y="3627200"/>
+            <a:ext cx="4468776" cy="612449"/>
+          </a:xfrm>
+          <a:prstGeom prst="rect">
+            <a:avLst/>
+          </a:prstGeom>
+          <a:noFill/>
+          <a:ln>
+            <a:noFill/>
+          </a:ln>
+        </p:spPr>
+      </p:pic>
+    </p:spTree>
+  </p:cSld>
+  <p:clrMapOvr>
+    <a:masterClrMapping/>
+  </p:clrMapOvr>
+  <p:transition spd="slow">
+    <p:cut/>
+  </p:transition>
+</p:sld>
+</file>
+
+<file path=ppt/slides/slide9.xml><?xml version="1.0" encoding="utf-8"?>
+<p:sld xmlns:a="http://schemas.openxmlformats.org/drawingml/2006/main" xmlns:r="http://schemas.openxmlformats.org/officeDocument/2006/relationships" xmlns:mc="http://schemas.openxmlformats.org/markup-compatibility/2006" xmlns:mv="urn:schemas-microsoft-com:mac:vml" xmlns:p="http://schemas.openxmlformats.org/presentationml/2006/main" xmlns:c="http://schemas.openxmlformats.org/drawingml/2006/chart" xmlns:dgm="http://schemas.openxmlformats.org/drawingml/2006/diagram" xmlns:o="urn:schemas-microsoft-com:office:office" xmlns:v="urn:schemas-microsoft-com:vml" xmlns:pvml="urn:schemas-microsoft-com:office:powerpoint" xmlns:com="http://schemas.openxmlformats.org/drawingml/2006/compatibility" xmlns:p14="http://schemas.microsoft.com/office/powerpoint/2010/main">
+  <p:cSld>
+    <p:spTree>
+      <p:nvGrpSpPr>
+        <p:cNvPr id="122" name="Shape 122"/>
+        <p:cNvGrpSpPr/>
+        <p:nvPr/>
+      </p:nvGrpSpPr>
+      <p:grpSpPr>
+        <a:xfrm>
+          <a:off x="0" y="0"/>
+          <a:ext cx="0" cy="0"/>
+          <a:chOff x="0" y="0"/>
+          <a:chExt cx="0" cy="0"/>
+        </a:xfrm>
+      </p:grpSpPr>
+      <p:sp>
+        <p:nvSpPr>
+          <p:cNvPr id="123" name="Shape 123"/>
+          <p:cNvSpPr txBox="1"/>
+          <p:nvPr>
+            <p:ph type="title"/>
+          </p:nvPr>
+        </p:nvSpPr>
+        <p:spPr>
+          <a:xfrm>
+            <a:off x="-2218025" y="153200"/>
+            <a:ext cx="8520599" cy="572699"/>
+          </a:xfrm>
+          <a:prstGeom prst="rect">
+            <a:avLst/>
+          </a:prstGeom>
+        </p:spPr>
+        <p:txBody>
+          <a:bodyPr anchorCtr="0" anchor="t" bIns="91425" lIns="91425" rIns="91425" tIns="91425">
+            <a:noAutofit/>
+          </a:bodyPr>
+          <a:lstStyle/>
+          <a:p>
+            <a:pPr lvl="0" rtl="0" algn="ctr">
+              <a:spcBef>
+                <a:spcPts val="0"/>
+              </a:spcBef>
+              <a:buNone/>
+            </a:pPr>
+            <a:r>
+              <a:rPr lang="en" sz="2400">
+                <a:latin typeface="Verdana"/>
+                <a:ea typeface="Verdana"/>
+                <a:cs typeface="Verdana"/>
+                <a:sym typeface="Verdana"/>
+              </a:rPr>
+              <a:t>Implementacija rešenja</a:t>
+            </a:r>
+          </a:p>
+        </p:txBody>
+      </p:sp>
+      <p:sp>
+        <p:nvSpPr>
+          <p:cNvPr id="124" name="Shape 124"/>
+          <p:cNvSpPr txBox="1"/>
+          <p:nvPr>
+            <p:ph idx="1" type="body"/>
+          </p:nvPr>
+        </p:nvSpPr>
+        <p:spPr>
+          <a:xfrm>
+            <a:off x="311700" y="1017725"/>
+            <a:ext cx="4127400" cy="3416400"/>
+          </a:xfrm>
+          <a:prstGeom prst="rect">
+            <a:avLst/>
+          </a:prstGeom>
+        </p:spPr>
+        <p:txBody>
+          <a:bodyPr anchorCtr="0" anchor="t" bIns="91425" lIns="91425" rIns="91425" tIns="91425">
+            <a:noAutofit/>
+          </a:bodyPr>
+          <a:lstStyle/>
+          <a:p>
+            <a:pPr lvl="0" rtl="0">
+              <a:spcBef>
+                <a:spcPts val="0"/>
+              </a:spcBef>
+              <a:buNone/>
+            </a:pPr>
+            <a:r>
+              <a:rPr lang="en">
+                <a:latin typeface="Verdana"/>
+                <a:ea typeface="Verdana"/>
+                <a:cs typeface="Verdana"/>
+                <a:sym typeface="Verdana"/>
+              </a:rPr>
+              <a:t>4.   Pronalaženje i grupisanje ostalih nota</a:t>
+            </a:r>
+          </a:p>
+        </p:txBody>
+      </p:sp>
+      <p:sp>
+        <p:nvSpPr>
+          <p:cNvPr id="125" name="Shape 125"/>
+          <p:cNvSpPr txBox="1"/>
+          <p:nvPr/>
+        </p:nvSpPr>
+        <p:spPr>
+          <a:xfrm>
+            <a:off x="134475" y="1827350"/>
+            <a:ext cx="4199999" cy="2987400"/>
+          </a:xfrm>
+          <a:prstGeom prst="rect">
+            <a:avLst/>
+          </a:prstGeom>
+          <a:noFill/>
+          <a:ln>
+            <a:noFill/>
+          </a:ln>
+        </p:spPr>
+        <p:txBody>
+          <a:bodyPr anchorCtr="0" anchor="t" bIns="91425" lIns="91425" rIns="91425" tIns="91425">
+            <a:noAutofit/>
+          </a:bodyPr>
+          <a:lstStyle/>
+          <a:p>
+            <a:pPr indent="-304800" lvl="0" marL="457200" rtl="0">
+              <a:lnSpc>
+                <a:spcPct val="115000"/>
+              </a:lnSpc>
+              <a:spcBef>
+                <a:spcPts val="0"/>
+              </a:spcBef>
+              <a:spcAft>
+                <a:spcPts val="1600"/>
+              </a:spcAft>
+              <a:buClr>
+                <a:schemeClr val="accent3"/>
+              </a:buClr>
+              <a:buSzPct val="100000"/>
+              <a:buFont typeface="Verdana"/>
+              <a:buChar char="●"/>
+            </a:pPr>
+            <a:r>
+              <a:rPr lang="en" sz="1200">
+                <a:solidFill>
+                  <a:schemeClr val="accent3"/>
+                </a:solidFill>
+                <a:latin typeface="Verdana"/>
+                <a:ea typeface="Verdana"/>
+                <a:cs typeface="Verdana"/>
+                <a:sym typeface="Verdana"/>
+              </a:rPr>
+              <a:t>Imamo informaciju o kraju i početku svakog takta</a:t>
+            </a:r>
+          </a:p>
+          <a:p>
+            <a:pPr indent="-304800" lvl="0" marL="457200" rtl="0">
+              <a:lnSpc>
+                <a:spcPct val="115000"/>
+              </a:lnSpc>
+              <a:spcBef>
+                <a:spcPts val="0"/>
+              </a:spcBef>
+              <a:spcAft>
+                <a:spcPts val="1600"/>
+              </a:spcAft>
+              <a:buClr>
+                <a:schemeClr val="accent3"/>
+              </a:buClr>
+              <a:buSzPct val="100000"/>
+              <a:buFont typeface="Verdana"/>
+              <a:buChar char="●"/>
+            </a:pPr>
+            <a:r>
+              <a:rPr lang="en" sz="1200">
+                <a:solidFill>
+                  <a:schemeClr val="accent3"/>
+                </a:solidFill>
+                <a:latin typeface="Verdana"/>
+                <a:ea typeface="Verdana"/>
+                <a:cs typeface="Verdana"/>
+                <a:sym typeface="Verdana"/>
+              </a:rPr>
+              <a:t>Sada ponovo koristimo K-MEANS da grupišemo note u unutar </a:t>
+            </a:r>
+            <a:r>
+              <a:rPr b="1" lang="en" sz="1200">
+                <a:solidFill>
+                  <a:schemeClr val="accent3"/>
+                </a:solidFill>
+                <a:latin typeface="Verdana"/>
+                <a:ea typeface="Verdana"/>
+                <a:cs typeface="Verdana"/>
+                <a:sym typeface="Verdana"/>
+              </a:rPr>
+              <a:t>taktova</a:t>
+            </a:r>
+          </a:p>
+          <a:p>
+            <a:pPr indent="-304800" lvl="0" marL="457200" rtl="0">
+              <a:lnSpc>
+                <a:spcPct val="115000"/>
+              </a:lnSpc>
+              <a:spcBef>
+                <a:spcPts val="0"/>
+              </a:spcBef>
+              <a:spcAft>
+                <a:spcPts val="1600"/>
+              </a:spcAft>
+              <a:buClr>
+                <a:schemeClr val="accent3"/>
+              </a:buClr>
+              <a:buSzPct val="100000"/>
+              <a:buFont typeface="Verdana"/>
+              <a:buChar char="●"/>
+            </a:pPr>
+            <a:r>
+              <a:rPr lang="en" sz="1200">
+                <a:solidFill>
+                  <a:schemeClr val="accent3"/>
+                </a:solidFill>
+                <a:latin typeface="Verdana"/>
+                <a:ea typeface="Verdana"/>
+                <a:cs typeface="Verdana"/>
+                <a:sym typeface="Verdana"/>
+              </a:rPr>
+              <a:t>Kao rezultat dobijamo </a:t>
+            </a:r>
+            <a:r>
+              <a:rPr b="1" lang="en" sz="1200">
+                <a:solidFill>
+                  <a:schemeClr val="accent3"/>
+                </a:solidFill>
+                <a:latin typeface="Verdana"/>
+                <a:ea typeface="Verdana"/>
+                <a:cs typeface="Verdana"/>
+                <a:sym typeface="Verdana"/>
+              </a:rPr>
+              <a:t>x koordinate</a:t>
+            </a:r>
+            <a:r>
+              <a:rPr lang="en" sz="1200">
+                <a:solidFill>
+                  <a:schemeClr val="accent3"/>
+                </a:solidFill>
+                <a:latin typeface="Verdana"/>
+                <a:ea typeface="Verdana"/>
+                <a:cs typeface="Verdana"/>
+                <a:sym typeface="Verdana"/>
+              </a:rPr>
+              <a:t> ostalih nota</a:t>
+            </a:r>
+          </a:p>
+          <a:p>
+            <a:pPr indent="-304800" lvl="0" marL="457200" rtl="0">
+              <a:lnSpc>
+                <a:spcPct val="115000"/>
+              </a:lnSpc>
+              <a:spcBef>
+                <a:spcPts val="0"/>
+              </a:spcBef>
+              <a:spcAft>
+                <a:spcPts val="1600"/>
+              </a:spcAft>
+              <a:buClr>
+                <a:schemeClr val="accent3"/>
+              </a:buClr>
+              <a:buSzPct val="100000"/>
+              <a:buFont typeface="Verdana"/>
+              <a:buChar char="●"/>
+            </a:pPr>
+            <a:r>
+              <a:rPr b="1" lang="en" sz="1200">
+                <a:solidFill>
+                  <a:schemeClr val="accent3"/>
+                </a:solidFill>
+                <a:latin typeface="Verdana"/>
+                <a:ea typeface="Verdana"/>
+                <a:cs typeface="Verdana"/>
+                <a:sym typeface="Verdana"/>
+              </a:rPr>
+              <a:t>y koordinatu</a:t>
+            </a:r>
+            <a:r>
+              <a:rPr lang="en" sz="1200">
+                <a:solidFill>
+                  <a:schemeClr val="accent3"/>
+                </a:solidFill>
+                <a:latin typeface="Verdana"/>
+                <a:ea typeface="Verdana"/>
+                <a:cs typeface="Verdana"/>
+                <a:sym typeface="Verdana"/>
+              </a:rPr>
+              <a:t> imamo iz 1. koraka</a:t>
+            </a:r>
+          </a:p>
+          <a:p>
+            <a:pPr indent="-304800" lvl="0" marL="457200" rtl="0">
+              <a:lnSpc>
+                <a:spcPct val="115000"/>
+              </a:lnSpc>
+              <a:spcBef>
+                <a:spcPts val="0"/>
+              </a:spcBef>
+              <a:spcAft>
+                <a:spcPts val="1600"/>
+              </a:spcAft>
+              <a:buClr>
+                <a:schemeClr val="accent3"/>
+              </a:buClr>
+              <a:buSzPct val="100000"/>
+              <a:buFont typeface="Verdana"/>
+              <a:buChar char="●"/>
+            </a:pPr>
+            <a:r>
+              <a:rPr lang="en" sz="1200">
+                <a:solidFill>
+                  <a:schemeClr val="accent3"/>
+                </a:solidFill>
+                <a:latin typeface="Verdana"/>
+                <a:ea typeface="Verdana"/>
+                <a:cs typeface="Verdana"/>
+                <a:sym typeface="Verdana"/>
+              </a:rPr>
+              <a:t>Sada možemo da odredimo dužinu trajanja nota i njen ton</a:t>
+            </a:r>
+          </a:p>
+          <a:p>
+            <a:pPr indent="-304800" lvl="0" marL="457200" rtl="0">
+              <a:lnSpc>
+                <a:spcPct val="115000"/>
+              </a:lnSpc>
+              <a:spcBef>
+                <a:spcPts val="0"/>
+              </a:spcBef>
+              <a:spcAft>
+                <a:spcPts val="1600"/>
+              </a:spcAft>
+              <a:buClr>
+                <a:schemeClr val="accent3"/>
+              </a:buClr>
+              <a:buSzPct val="100000"/>
+              <a:buFont typeface="Verdana"/>
+              <a:buChar char="●"/>
+            </a:pPr>
+            <a:r>
+              <a:rPr lang="en" sz="1200">
+                <a:solidFill>
+                  <a:schemeClr val="accent3"/>
+                </a:solidFill>
+                <a:latin typeface="Verdana"/>
+                <a:ea typeface="Verdana"/>
+                <a:cs typeface="Verdana"/>
+                <a:sym typeface="Verdana"/>
+              </a:rPr>
+              <a:t>U zavisnosti od toga koliko nota je u jednom taktu, i od toga kakav je tip note (pun, prazan)</a:t>
+            </a:r>
+          </a:p>
+          <a:p>
+            <a:pPr lvl="0" rtl="0">
+              <a:lnSpc>
+                <a:spcPct val="121429"/>
+              </a:lnSpc>
+              <a:spcBef>
+                <a:spcPts val="0"/>
+              </a:spcBef>
+              <a:buNone/>
+            </a:pPr>
+            <a:r>
+              <a:t/>
+            </a:r>
+            <a:endParaRPr sz="1050">
+              <a:highlight>
+                <a:srgbClr val="FFFFFF"/>
+              </a:highlight>
+            </a:endParaRPr>
+          </a:p>
+          <a:p>
+            <a:pPr lvl="0" rtl="0">
+              <a:lnSpc>
+                <a:spcPct val="115000"/>
+              </a:lnSpc>
+              <a:spcBef>
+                <a:spcPts val="0"/>
+              </a:spcBef>
+              <a:spcAft>
+                <a:spcPts val="1600"/>
+              </a:spcAft>
+              <a:buNone/>
+            </a:pPr>
+            <a:r>
+              <a:t/>
+            </a:r>
+            <a:endParaRPr i="1" sz="1200">
+              <a:solidFill>
+                <a:schemeClr val="accent3"/>
+              </a:solidFill>
+              <a:latin typeface="Verdana"/>
+              <a:ea typeface="Verdana"/>
+              <a:cs typeface="Verdana"/>
+              <a:sym typeface="Verdana"/>
+            </a:endParaRPr>
+          </a:p>
+        </p:txBody>
+      </p:sp>
+      <p:sp>
+        <p:nvSpPr>
+          <p:cNvPr id="126" name="Shape 126"/>
+          <p:cNvSpPr txBox="1"/>
+          <p:nvPr/>
+        </p:nvSpPr>
+        <p:spPr>
+          <a:xfrm>
+            <a:off x="4628100" y="4500425"/>
+            <a:ext cx="3948600" cy="540000"/>
+          </a:xfrm>
+          <a:prstGeom prst="rect">
+            <a:avLst/>
+          </a:prstGeom>
+          <a:noFill/>
+          <a:ln>
+            <a:noFill/>
+          </a:ln>
+        </p:spPr>
+        <p:txBody>
+          <a:bodyPr anchorCtr="0" anchor="t" bIns="91425" lIns="91425" rIns="91425" tIns="91425">
+            <a:noAutofit/>
+          </a:bodyPr>
+          <a:lstStyle/>
+          <a:p>
+            <a:pPr lvl="0" rtl="0" algn="ctr">
+              <a:lnSpc>
+                <a:spcPct val="115000"/>
+              </a:lnSpc>
+              <a:spcBef>
+                <a:spcPts val="0"/>
+              </a:spcBef>
+              <a:spcAft>
+                <a:spcPts val="1600"/>
+              </a:spcAft>
+              <a:buNone/>
+            </a:pPr>
+            <a:r>
+              <a:rPr i="1" lang="en" sz="1200">
+                <a:solidFill>
+                  <a:schemeClr val="accent3"/>
+                </a:solidFill>
+                <a:latin typeface="Verdana"/>
+                <a:ea typeface="Verdana"/>
+                <a:cs typeface="Verdana"/>
+                <a:sym typeface="Verdana"/>
+              </a:rPr>
+              <a:t>metoda </a:t>
+            </a:r>
+            <a:r>
+              <a:rPr lang="en" sz="1200">
+                <a:solidFill>
+                  <a:schemeClr val="accent3"/>
+                </a:solidFill>
+                <a:latin typeface="Courier New"/>
+                <a:ea typeface="Courier New"/>
+                <a:cs typeface="Courier New"/>
+                <a:sym typeface="Courier New"/>
+              </a:rPr>
+              <a:t>find_all_notes</a:t>
+            </a:r>
+          </a:p>
+        </p:txBody>
+      </p:sp>
+      <p:pic>
+        <p:nvPicPr>
+          <p:cNvPr id="127" name="Shape 127"/>
+          <p:cNvPicPr preferRelativeResize="0"/>
+          <p:nvPr/>
+        </p:nvPicPr>
+        <p:blipFill>
+          <a:blip r:embed="rId3">
+            <a:alphaModFix/>
+          </a:blip>
+          <a:stretch>
+            <a:fillRect/>
+          </a:stretch>
+        </p:blipFill>
+        <p:spPr>
+          <a:xfrm>
+            <a:off x="4133333" y="96124"/>
+            <a:ext cx="4938142" cy="4404300"/>
+          </a:xfrm>
+          <a:prstGeom prst="rect">
+            <a:avLst/>
+          </a:prstGeom>
+          <a:noFill/>
+          <a:ln>
+            <a:noFill/>
+          </a:ln>
+        </p:spPr>
+      </p:pic>
     </p:spTree>
   </p:cSld>
   <p:clrMapOvr>
